--- a/Powerpoints/4 Best Practices (WIP).pptx
+++ b/Powerpoints/4 Best Practices (WIP).pptx
@@ -27,8 +27,16 @@
     <p:sldId id="309" r:id="rId21"/>
     <p:sldId id="325" r:id="rId22"/>
     <p:sldId id="326" r:id="rId23"/>
-    <p:sldId id="312" r:id="rId24"/>
-    <p:sldId id="310" r:id="rId25"/>
+    <p:sldId id="327" r:id="rId24"/>
+    <p:sldId id="329" r:id="rId25"/>
+    <p:sldId id="330" r:id="rId26"/>
+    <p:sldId id="331" r:id="rId27"/>
+    <p:sldId id="332" r:id="rId28"/>
+    <p:sldId id="334" r:id="rId29"/>
+    <p:sldId id="333" r:id="rId30"/>
+    <p:sldId id="312" r:id="rId31"/>
+    <p:sldId id="310" r:id="rId32"/>
+    <p:sldId id="328" r:id="rId33"/>
   </p:sldIdLst>
   <p:sldSz cx="12192000" cy="6858000"/>
   <p:notesSz cx="6858000" cy="9144000"/>
@@ -6890,13 +6898,8 @@
           <a:p>
             <a:r>
               <a:rPr lang="en-US" dirty="0"/>
-              <a:t>D. Propensity </a:t>
+              <a:t>D. Propensity Score Trimming</a:t>
             </a:r>
-            <a:r>
-              <a:rPr lang="en-US"/>
-              <a:t>Score Trimming</a:t>
-            </a:r>
-            <a:endParaRPr lang="en-US" dirty="0"/>
           </a:p>
         </p:txBody>
       </p:sp>
@@ -6979,7 +6982,10 @@
           <a:bodyPr/>
           <a:lstStyle/>
           <a:p>
-            <a:endParaRPr lang="en-US" dirty="0"/>
+            <a:r>
+              <a:rPr lang="en-US" dirty="0"/>
+              <a:t>Weighting in propensity-based causal models</a:t>
+            </a:r>
           </a:p>
         </p:txBody>
       </p:sp>
@@ -7004,7 +7010,28 @@
           <a:bodyPr/>
           <a:lstStyle/>
           <a:p>
-            <a:endParaRPr lang="en-US"/>
+            <a:r>
+              <a:rPr lang="en-US" dirty="0"/>
+              <a:t>Propensity-based causal models such as IPW and DML are all identified with the same assumptions (overlap, exogeneity, and stable unit treatment variable assumption).</a:t>
+            </a:r>
+          </a:p>
+          <a:p>
+            <a:r>
+              <a:rPr lang="en-US" dirty="0"/>
+              <a:t>At a high level, they all estimate treatment effects by comparing control and treatment accounts with similar propensity scores, that are, in other words, similarly likely to be treated.</a:t>
+            </a:r>
+          </a:p>
+          <a:p>
+            <a:r>
+              <a:rPr lang="en-US" dirty="0"/>
+              <a:t>We show that extremely large and small propensity scores can raise issues. </a:t>
+            </a:r>
+          </a:p>
+          <a:p>
+            <a:r>
+              <a:rPr lang="en-US" dirty="0"/>
+              <a:t>We show how propensity weighting happens in IPW and DML estimators.</a:t>
+            </a:r>
           </a:p>
         </p:txBody>
       </p:sp>
@@ -7022,6 +7049,2374 @@
 </file>
 
 <file path=ppt/slides/slide23.xml><?xml version="1.0" encoding="utf-8"?>
+<p:sld xmlns:a="http://schemas.openxmlformats.org/drawingml/2006/main" xmlns:r="http://schemas.openxmlformats.org/officeDocument/2006/relationships" xmlns:p="http://schemas.openxmlformats.org/presentationml/2006/main">
+  <p:cSld>
+    <p:spTree>
+      <p:nvGrpSpPr>
+        <p:cNvPr id="1" name=""/>
+        <p:cNvGrpSpPr/>
+        <p:nvPr/>
+      </p:nvGrpSpPr>
+      <p:grpSpPr>
+        <a:xfrm>
+          <a:off x="0" y="0"/>
+          <a:ext cx="0" cy="0"/>
+          <a:chOff x="0" y="0"/>
+          <a:chExt cx="0" cy="0"/>
+        </a:xfrm>
+      </p:grpSpPr>
+      <p:sp>
+        <p:nvSpPr>
+          <p:cNvPr id="2" name="Title 1">
+            <a:extLst>
+              <a:ext uri="{FF2B5EF4-FFF2-40B4-BE49-F238E27FC236}">
+                <a16:creationId xmlns:a16="http://schemas.microsoft.com/office/drawing/2014/main" id="{2C9B6A75-30D2-FE48-8111-A9D2D29C5379}"/>
+              </a:ext>
+            </a:extLst>
+          </p:cNvPr>
+          <p:cNvSpPr>
+            <a:spLocks noGrp="1"/>
+          </p:cNvSpPr>
+          <p:nvPr>
+            <p:ph type="title"/>
+          </p:nvPr>
+        </p:nvSpPr>
+        <p:spPr/>
+        <p:txBody>
+          <a:bodyPr/>
+          <a:lstStyle/>
+          <a:p>
+            <a:r>
+              <a:rPr lang="en-US" dirty="0"/>
+              <a:t>Weighting in IPW</a:t>
+            </a:r>
+          </a:p>
+        </p:txBody>
+      </p:sp>
+      <mc:AlternateContent xmlns:mc="http://schemas.openxmlformats.org/markup-compatibility/2006">
+        <mc:Choice xmlns:a14="http://schemas.microsoft.com/office/drawing/2010/main" Requires="a14">
+          <p:sp>
+            <p:nvSpPr>
+              <p:cNvPr id="3" name="Content Placeholder 2">
+                <a:extLst>
+                  <a:ext uri="{FF2B5EF4-FFF2-40B4-BE49-F238E27FC236}">
+                    <a16:creationId xmlns:a16="http://schemas.microsoft.com/office/drawing/2014/main" id="{02622406-E981-7D48-9C85-27DB709E2969}"/>
+                  </a:ext>
+                </a:extLst>
+              </p:cNvPr>
+              <p:cNvSpPr>
+                <a:spLocks noGrp="1"/>
+              </p:cNvSpPr>
+              <p:nvPr>
+                <p:ph idx="1"/>
+              </p:nvPr>
+            </p:nvSpPr>
+            <p:spPr/>
+            <p:txBody>
+              <a:bodyPr/>
+              <a:lstStyle/>
+              <a:p>
+                <a:pPr marL="0" indent="0">
+                  <a:buNone/>
+                </a:pPr>
+                <a14:m>
+                  <m:oMathPara xmlns:m="http://schemas.openxmlformats.org/officeDocument/2006/math">
+                    <m:oMathParaPr>
+                      <m:jc m:val="centerGroup"/>
+                    </m:oMathParaPr>
+                    <m:oMath xmlns:m="http://schemas.openxmlformats.org/officeDocument/2006/math">
+                      <m:sSub>
+                        <m:sSubPr>
+                          <m:ctrlPr>
+                            <a:rPr lang="en-US" b="0" i="1" smtClean="0">
+                              <a:latin typeface="Cambria Math" panose="02040503050406030204" pitchFamily="18" charset="0"/>
+                            </a:rPr>
+                          </m:ctrlPr>
+                        </m:sSubPr>
+                        <m:e>
+                          <m:r>
+                            <a:rPr lang="en-US" b="0" i="1" smtClean="0">
+                              <a:latin typeface="Cambria Math" panose="02040503050406030204" pitchFamily="18" charset="0"/>
+                            </a:rPr>
+                            <m:t>𝑌</m:t>
+                          </m:r>
+                        </m:e>
+                        <m:sub>
+                          <m:r>
+                            <a:rPr lang="en-US" b="0" i="1" smtClean="0">
+                              <a:latin typeface="Cambria Math" panose="02040503050406030204" pitchFamily="18" charset="0"/>
+                            </a:rPr>
+                            <m:t>𝑖</m:t>
+                          </m:r>
+                        </m:sub>
+                      </m:sSub>
+                      <m:r>
+                        <a:rPr lang="en-US" b="0" i="1" smtClean="0">
+                          <a:latin typeface="Cambria Math" panose="02040503050406030204" pitchFamily="18" charset="0"/>
+                        </a:rPr>
+                        <m:t>=</m:t>
+                      </m:r>
+                      <m:r>
+                        <a:rPr lang="en-US" b="0" i="1" smtClean="0">
+                          <a:latin typeface="Cambria Math" panose="02040503050406030204" pitchFamily="18" charset="0"/>
+                        </a:rPr>
+                        <m:t>𝜏</m:t>
+                      </m:r>
+                      <m:sSub>
+                        <m:sSubPr>
+                          <m:ctrlPr>
+                            <a:rPr lang="en-US" b="0" i="1" smtClean="0">
+                              <a:latin typeface="Cambria Math" panose="02040503050406030204" pitchFamily="18" charset="0"/>
+                            </a:rPr>
+                          </m:ctrlPr>
+                        </m:sSubPr>
+                        <m:e>
+                          <m:r>
+                            <a:rPr lang="en-US" b="0" i="1" smtClean="0">
+                              <a:latin typeface="Cambria Math" panose="02040503050406030204" pitchFamily="18" charset="0"/>
+                            </a:rPr>
+                            <m:t>𝑊</m:t>
+                          </m:r>
+                        </m:e>
+                        <m:sub>
+                          <m:r>
+                            <a:rPr lang="en-US" b="0" i="1" smtClean="0">
+                              <a:latin typeface="Cambria Math" panose="02040503050406030204" pitchFamily="18" charset="0"/>
+                            </a:rPr>
+                            <m:t>𝑖</m:t>
+                          </m:r>
+                        </m:sub>
+                      </m:sSub>
+                      <m:r>
+                        <a:rPr lang="en-US" b="0" i="1" smtClean="0">
+                          <a:latin typeface="Cambria Math" panose="02040503050406030204" pitchFamily="18" charset="0"/>
+                        </a:rPr>
+                        <m:t>+</m:t>
+                      </m:r>
+                      <m:r>
+                        <a:rPr lang="en-US" b="0" i="1" smtClean="0">
+                          <a:latin typeface="Cambria Math" panose="02040503050406030204" pitchFamily="18" charset="0"/>
+                        </a:rPr>
+                        <m:t>𝑓</m:t>
+                      </m:r>
+                      <m:d>
+                        <m:dPr>
+                          <m:ctrlPr>
+                            <a:rPr lang="en-US" b="0" i="1" smtClean="0">
+                              <a:latin typeface="Cambria Math" panose="02040503050406030204" pitchFamily="18" charset="0"/>
+                            </a:rPr>
+                          </m:ctrlPr>
+                        </m:dPr>
+                        <m:e>
+                          <m:sSub>
+                            <m:sSubPr>
+                              <m:ctrlPr>
+                                <a:rPr lang="en-US" b="0" i="1" smtClean="0">
+                                  <a:latin typeface="Cambria Math" panose="02040503050406030204" pitchFamily="18" charset="0"/>
+                                </a:rPr>
+                              </m:ctrlPr>
+                            </m:sSubPr>
+                            <m:e>
+                              <m:r>
+                                <a:rPr lang="en-US" b="0" i="1" smtClean="0">
+                                  <a:latin typeface="Cambria Math" panose="02040503050406030204" pitchFamily="18" charset="0"/>
+                                </a:rPr>
+                                <m:t>𝑋</m:t>
+                              </m:r>
+                            </m:e>
+                            <m:sub>
+                              <m:r>
+                                <a:rPr lang="en-US" b="0" i="1" smtClean="0">
+                                  <a:latin typeface="Cambria Math" panose="02040503050406030204" pitchFamily="18" charset="0"/>
+                                </a:rPr>
+                                <m:t>𝑖</m:t>
+                              </m:r>
+                            </m:sub>
+                          </m:sSub>
+                        </m:e>
+                      </m:d>
+                      <m:r>
+                        <a:rPr lang="en-US" b="0" i="1" smtClean="0">
+                          <a:latin typeface="Cambria Math" panose="02040503050406030204" pitchFamily="18" charset="0"/>
+                        </a:rPr>
+                        <m:t>+</m:t>
+                      </m:r>
+                      <m:sSub>
+                        <m:sSubPr>
+                          <m:ctrlPr>
+                            <a:rPr lang="en-US" b="0" i="1" smtClean="0">
+                              <a:latin typeface="Cambria Math" panose="02040503050406030204" pitchFamily="18" charset="0"/>
+                            </a:rPr>
+                          </m:ctrlPr>
+                        </m:sSubPr>
+                        <m:e>
+                          <m:r>
+                            <a:rPr lang="en-US" b="0" i="1" smtClean="0">
+                              <a:latin typeface="Cambria Math" panose="02040503050406030204" pitchFamily="18" charset="0"/>
+                            </a:rPr>
+                            <m:t>𝜖</m:t>
+                          </m:r>
+                        </m:e>
+                        <m:sub>
+                          <m:r>
+                            <a:rPr lang="en-US" b="0" i="1" smtClean="0">
+                              <a:latin typeface="Cambria Math" panose="02040503050406030204" pitchFamily="18" charset="0"/>
+                            </a:rPr>
+                            <m:t>𝑖</m:t>
+                          </m:r>
+                        </m:sub>
+                      </m:sSub>
+                    </m:oMath>
+                  </m:oMathPara>
+                </a14:m>
+                <a:endParaRPr lang="en-US" dirty="0"/>
+              </a:p>
+              <a:p>
+                <a:r>
+                  <a:rPr lang="en-US" dirty="0"/>
+                  <a:t> We want to estimate </a:t>
+                </a:r>
+                <a14:m>
+                  <m:oMath xmlns:m="http://schemas.openxmlformats.org/officeDocument/2006/math">
+                    <m:r>
+                      <a:rPr lang="en-US" i="1">
+                        <a:latin typeface="Cambria Math" panose="02040503050406030204" pitchFamily="18" charset="0"/>
+                      </a:rPr>
+                      <m:t>𝜏</m:t>
+                    </m:r>
+                  </m:oMath>
+                </a14:m>
+                <a:r>
+                  <a:rPr lang="en-US" dirty="0"/>
+                  <a:t>, and will estimate a propensity score </a:t>
+                </a:r>
+                <a14:m>
+                  <m:oMath xmlns:m="http://schemas.openxmlformats.org/officeDocument/2006/math">
+                    <m:acc>
+                      <m:accPr>
+                        <m:chr m:val="̂"/>
+                        <m:ctrlPr>
+                          <a:rPr lang="en-US" i="1" dirty="0">
+                            <a:latin typeface="Cambria Math" panose="02040503050406030204" pitchFamily="18" charset="0"/>
+                          </a:rPr>
+                        </m:ctrlPr>
+                      </m:accPr>
+                      <m:e>
+                        <m:r>
+                          <a:rPr lang="en-US" i="1" dirty="0">
+                            <a:latin typeface="Cambria Math" panose="02040503050406030204" pitchFamily="18" charset="0"/>
+                          </a:rPr>
+                          <m:t>𝑃</m:t>
+                        </m:r>
+                      </m:e>
+                    </m:acc>
+                    <m:r>
+                      <a:rPr lang="en-US" i="1" dirty="0">
+                        <a:latin typeface="Cambria Math" panose="02040503050406030204" pitchFamily="18" charset="0"/>
+                      </a:rPr>
+                      <m:t>(</m:t>
+                    </m:r>
+                    <m:sSub>
+                      <m:sSubPr>
+                        <m:ctrlPr>
+                          <a:rPr lang="en-US" i="1" dirty="0">
+                            <a:latin typeface="Cambria Math" panose="02040503050406030204" pitchFamily="18" charset="0"/>
+                          </a:rPr>
+                        </m:ctrlPr>
+                      </m:sSubPr>
+                      <m:e>
+                        <m:r>
+                          <a:rPr lang="en-US" i="1" dirty="0">
+                            <a:latin typeface="Cambria Math" panose="02040503050406030204" pitchFamily="18" charset="0"/>
+                          </a:rPr>
+                          <m:t>𝑋</m:t>
+                        </m:r>
+                      </m:e>
+                      <m:sub>
+                        <m:r>
+                          <a:rPr lang="en-US" i="1" dirty="0">
+                            <a:latin typeface="Cambria Math" panose="02040503050406030204" pitchFamily="18" charset="0"/>
+                          </a:rPr>
+                          <m:t>𝑖</m:t>
+                        </m:r>
+                      </m:sub>
+                    </m:sSub>
+                    <m:r>
+                      <a:rPr lang="en-US" i="1" dirty="0">
+                        <a:latin typeface="Cambria Math" panose="02040503050406030204" pitchFamily="18" charset="0"/>
+                      </a:rPr>
+                      <m:t>)</m:t>
+                    </m:r>
+                  </m:oMath>
+                </a14:m>
+                <a:endParaRPr lang="en-US" i="1" dirty="0">
+                  <a:latin typeface="Cambria Math" panose="02040503050406030204" pitchFamily="18" charset="0"/>
+                </a:endParaRPr>
+              </a:p>
+              <a:p>
+                <a:r>
+                  <a:rPr lang="en-US" dirty="0"/>
+                  <a:t>The Inverse Propensity Weighting (IPW) estimator of the Average Treatment Effect (ATE) is: </a:t>
+                </a:r>
+                <a:endParaRPr lang="en-US" b="0" i="1" dirty="0">
+                  <a:latin typeface="Cambria Math" panose="02040503050406030204" pitchFamily="18" charset="0"/>
+                </a:endParaRPr>
+              </a:p>
+              <a:p>
+                <a:pPr marL="0" indent="0">
+                  <a:buNone/>
+                </a:pPr>
+                <a14:m>
+                  <m:oMathPara xmlns:m="http://schemas.openxmlformats.org/officeDocument/2006/math">
+                    <m:oMathParaPr>
+                      <m:jc m:val="centerGroup"/>
+                    </m:oMathParaPr>
+                    <m:oMath xmlns:m="http://schemas.openxmlformats.org/officeDocument/2006/math">
+                      <m:sSub>
+                        <m:sSubPr>
+                          <m:ctrlPr>
+                            <a:rPr lang="en-US" b="0" i="1" smtClean="0">
+                              <a:latin typeface="Cambria Math" panose="02040503050406030204" pitchFamily="18" charset="0"/>
+                            </a:rPr>
+                          </m:ctrlPr>
+                        </m:sSubPr>
+                        <m:e>
+                          <m:acc>
+                            <m:accPr>
+                              <m:chr m:val="̂"/>
+                              <m:ctrlPr>
+                                <a:rPr lang="en-US" b="0" i="1" smtClean="0">
+                                  <a:latin typeface="Cambria Math" panose="02040503050406030204" pitchFamily="18" charset="0"/>
+                                </a:rPr>
+                              </m:ctrlPr>
+                            </m:accPr>
+                            <m:e>
+                              <m:r>
+                                <a:rPr lang="en-US" b="0" i="1" smtClean="0">
+                                  <a:latin typeface="Cambria Math" panose="02040503050406030204" pitchFamily="18" charset="0"/>
+                                </a:rPr>
+                                <m:t>𝜏</m:t>
+                              </m:r>
+                            </m:e>
+                          </m:acc>
+                        </m:e>
+                        <m:sub>
+                          <m:r>
+                            <a:rPr lang="en-US" b="0" i="1" smtClean="0">
+                              <a:latin typeface="Cambria Math" panose="02040503050406030204" pitchFamily="18" charset="0"/>
+                            </a:rPr>
+                            <m:t>𝐼𝑃𝑊</m:t>
+                          </m:r>
+                        </m:sub>
+                      </m:sSub>
+                      <m:r>
+                        <a:rPr lang="en-US" b="0" i="1" smtClean="0">
+                          <a:latin typeface="Cambria Math" panose="02040503050406030204" pitchFamily="18" charset="0"/>
+                        </a:rPr>
+                        <m:t>= </m:t>
+                      </m:r>
+                      <m:f>
+                        <m:fPr>
+                          <m:ctrlPr>
+                            <a:rPr lang="en-US" i="1">
+                              <a:latin typeface="Cambria Math" panose="02040503050406030204" pitchFamily="18" charset="0"/>
+                            </a:rPr>
+                          </m:ctrlPr>
+                        </m:fPr>
+                        <m:num>
+                          <m:r>
+                            <a:rPr lang="en-US" i="1">
+                              <a:latin typeface="Cambria Math" panose="02040503050406030204" pitchFamily="18" charset="0"/>
+                            </a:rPr>
+                            <m:t>1</m:t>
+                          </m:r>
+                        </m:num>
+                        <m:den>
+                          <m:r>
+                            <a:rPr lang="en-US" i="1">
+                              <a:latin typeface="Cambria Math" panose="02040503050406030204" pitchFamily="18" charset="0"/>
+                            </a:rPr>
+                            <m:t>𝑁</m:t>
+                          </m:r>
+                        </m:den>
+                      </m:f>
+                      <m:nary>
+                        <m:naryPr>
+                          <m:chr m:val="∑"/>
+                          <m:ctrlPr>
+                            <a:rPr lang="en-US" i="1">
+                              <a:latin typeface="Cambria Math" panose="02040503050406030204" pitchFamily="18" charset="0"/>
+                            </a:rPr>
+                          </m:ctrlPr>
+                        </m:naryPr>
+                        <m:sub>
+                          <m:r>
+                            <m:rPr>
+                              <m:brk m:alnAt="23"/>
+                            </m:rPr>
+                            <a:rPr lang="en-US" i="1">
+                              <a:latin typeface="Cambria Math" panose="02040503050406030204" pitchFamily="18" charset="0"/>
+                            </a:rPr>
+                            <m:t>𝑖</m:t>
+                          </m:r>
+                          <m:r>
+                            <a:rPr lang="en-US" i="1">
+                              <a:latin typeface="Cambria Math" panose="02040503050406030204" pitchFamily="18" charset="0"/>
+                            </a:rPr>
+                            <m:t>=1</m:t>
+                          </m:r>
+                        </m:sub>
+                        <m:sup>
+                          <m:r>
+                            <a:rPr lang="en-US" i="1">
+                              <a:latin typeface="Cambria Math" panose="02040503050406030204" pitchFamily="18" charset="0"/>
+                            </a:rPr>
+                            <m:t>𝑁</m:t>
+                          </m:r>
+                        </m:sup>
+                        <m:e>
+                          <m:d>
+                            <m:dPr>
+                              <m:begChr m:val="["/>
+                              <m:endChr m:val="]"/>
+                              <m:ctrlPr>
+                                <a:rPr lang="en-US" i="1">
+                                  <a:latin typeface="Cambria Math" panose="02040503050406030204" pitchFamily="18" charset="0"/>
+                                </a:rPr>
+                              </m:ctrlPr>
+                            </m:dPr>
+                            <m:e>
+                              <m:f>
+                                <m:fPr>
+                                  <m:ctrlPr>
+                                    <a:rPr lang="en-US" i="1">
+                                      <a:latin typeface="Cambria Math" panose="02040503050406030204" pitchFamily="18" charset="0"/>
+                                    </a:rPr>
+                                  </m:ctrlPr>
+                                </m:fPr>
+                                <m:num>
+                                  <m:sSub>
+                                    <m:sSubPr>
+                                      <m:ctrlPr>
+                                        <a:rPr lang="en-US" b="0" i="1" smtClean="0">
+                                          <a:latin typeface="Cambria Math" panose="02040503050406030204" pitchFamily="18" charset="0"/>
+                                        </a:rPr>
+                                      </m:ctrlPr>
+                                    </m:sSubPr>
+                                    <m:e>
+                                      <m:r>
+                                        <a:rPr lang="en-US" b="0" i="1" smtClean="0">
+                                          <a:latin typeface="Cambria Math" panose="02040503050406030204" pitchFamily="18" charset="0"/>
+                                        </a:rPr>
+                                        <m:t>𝑊</m:t>
+                                      </m:r>
+                                    </m:e>
+                                    <m:sub>
+                                      <m:r>
+                                        <a:rPr lang="en-US" b="0" i="1" smtClean="0">
+                                          <a:latin typeface="Cambria Math" panose="02040503050406030204" pitchFamily="18" charset="0"/>
+                                        </a:rPr>
+                                        <m:t>𝑖</m:t>
+                                      </m:r>
+                                    </m:sub>
+                                  </m:sSub>
+                                  <m:r>
+                                    <a:rPr lang="en-US" i="1">
+                                      <a:latin typeface="Cambria Math" panose="02040503050406030204" pitchFamily="18" charset="0"/>
+                                    </a:rPr>
+                                    <m:t> </m:t>
+                                  </m:r>
+                                  <m:sSub>
+                                    <m:sSubPr>
+                                      <m:ctrlPr>
+                                        <a:rPr lang="en-US" i="1">
+                                          <a:latin typeface="Cambria Math" panose="02040503050406030204" pitchFamily="18" charset="0"/>
+                                        </a:rPr>
+                                      </m:ctrlPr>
+                                    </m:sSubPr>
+                                    <m:e>
+                                      <m:r>
+                                        <a:rPr lang="en-US" i="1">
+                                          <a:latin typeface="Cambria Math" panose="02040503050406030204" pitchFamily="18" charset="0"/>
+                                        </a:rPr>
+                                        <m:t>𝑌</m:t>
+                                      </m:r>
+                                    </m:e>
+                                    <m:sub>
+                                      <m:r>
+                                        <a:rPr lang="en-US" i="1">
+                                          <a:latin typeface="Cambria Math" panose="02040503050406030204" pitchFamily="18" charset="0"/>
+                                        </a:rPr>
+                                        <m:t>𝑖</m:t>
+                                      </m:r>
+                                    </m:sub>
+                                  </m:sSub>
+                                </m:num>
+                                <m:den>
+                                  <m:acc>
+                                    <m:accPr>
+                                      <m:chr m:val="̂"/>
+                                      <m:ctrlPr>
+                                        <a:rPr lang="en-US" i="1" dirty="0">
+                                          <a:latin typeface="Cambria Math" panose="02040503050406030204" pitchFamily="18" charset="0"/>
+                                        </a:rPr>
+                                      </m:ctrlPr>
+                                    </m:accPr>
+                                    <m:e>
+                                      <m:r>
+                                        <a:rPr lang="en-US" i="1" dirty="0">
+                                          <a:latin typeface="Cambria Math" panose="02040503050406030204" pitchFamily="18" charset="0"/>
+                                        </a:rPr>
+                                        <m:t>𝑃</m:t>
+                                      </m:r>
+                                    </m:e>
+                                  </m:acc>
+                                  <m:r>
+                                    <a:rPr lang="en-US" i="1" dirty="0">
+                                      <a:latin typeface="Cambria Math" panose="02040503050406030204" pitchFamily="18" charset="0"/>
+                                    </a:rPr>
+                                    <m:t>(</m:t>
+                                  </m:r>
+                                  <m:sSub>
+                                    <m:sSubPr>
+                                      <m:ctrlPr>
+                                        <a:rPr lang="en-US" i="1" dirty="0">
+                                          <a:latin typeface="Cambria Math" panose="02040503050406030204" pitchFamily="18" charset="0"/>
+                                        </a:rPr>
+                                      </m:ctrlPr>
+                                    </m:sSubPr>
+                                    <m:e>
+                                      <m:r>
+                                        <a:rPr lang="en-US" i="1" dirty="0">
+                                          <a:latin typeface="Cambria Math" panose="02040503050406030204" pitchFamily="18" charset="0"/>
+                                        </a:rPr>
+                                        <m:t>𝑋</m:t>
+                                      </m:r>
+                                    </m:e>
+                                    <m:sub>
+                                      <m:r>
+                                        <a:rPr lang="en-US" i="1" dirty="0">
+                                          <a:latin typeface="Cambria Math" panose="02040503050406030204" pitchFamily="18" charset="0"/>
+                                        </a:rPr>
+                                        <m:t>𝑖</m:t>
+                                      </m:r>
+                                    </m:sub>
+                                  </m:sSub>
+                                  <m:r>
+                                    <a:rPr lang="en-US" i="1" dirty="0">
+                                      <a:latin typeface="Cambria Math" panose="02040503050406030204" pitchFamily="18" charset="0"/>
+                                    </a:rPr>
+                                    <m:t>)</m:t>
+                                  </m:r>
+                                </m:den>
+                              </m:f>
+                              <m:r>
+                                <a:rPr lang="en-US" i="1">
+                                  <a:latin typeface="Cambria Math" panose="02040503050406030204" pitchFamily="18" charset="0"/>
+                                </a:rPr>
+                                <m:t>−</m:t>
+                              </m:r>
+                              <m:f>
+                                <m:fPr>
+                                  <m:ctrlPr>
+                                    <a:rPr lang="en-US" i="1">
+                                      <a:latin typeface="Cambria Math" panose="02040503050406030204" pitchFamily="18" charset="0"/>
+                                    </a:rPr>
+                                  </m:ctrlPr>
+                                </m:fPr>
+                                <m:num>
+                                  <m:d>
+                                    <m:dPr>
+                                      <m:ctrlPr>
+                                        <a:rPr lang="en-US" i="1">
+                                          <a:latin typeface="Cambria Math" panose="02040503050406030204" pitchFamily="18" charset="0"/>
+                                        </a:rPr>
+                                      </m:ctrlPr>
+                                    </m:dPr>
+                                    <m:e>
+                                      <m:r>
+                                        <a:rPr lang="en-US" i="1">
+                                          <a:latin typeface="Cambria Math" panose="02040503050406030204" pitchFamily="18" charset="0"/>
+                                        </a:rPr>
+                                        <m:t>1−</m:t>
+                                      </m:r>
+                                      <m:sSub>
+                                        <m:sSubPr>
+                                          <m:ctrlPr>
+                                            <a:rPr lang="en-US" i="1">
+                                              <a:latin typeface="Cambria Math" panose="02040503050406030204" pitchFamily="18" charset="0"/>
+                                            </a:rPr>
+                                          </m:ctrlPr>
+                                        </m:sSubPr>
+                                        <m:e>
+                                          <m:r>
+                                            <a:rPr lang="en-US" b="0" i="1" smtClean="0">
+                                              <a:latin typeface="Cambria Math" panose="02040503050406030204" pitchFamily="18" charset="0"/>
+                                            </a:rPr>
+                                            <m:t>𝑊</m:t>
+                                          </m:r>
+                                        </m:e>
+                                        <m:sub>
+                                          <m:r>
+                                            <a:rPr lang="en-US" i="1">
+                                              <a:latin typeface="Cambria Math" panose="02040503050406030204" pitchFamily="18" charset="0"/>
+                                            </a:rPr>
+                                            <m:t>𝑖</m:t>
+                                          </m:r>
+                                        </m:sub>
+                                      </m:sSub>
+                                    </m:e>
+                                  </m:d>
+                                  <m:sSub>
+                                    <m:sSubPr>
+                                      <m:ctrlPr>
+                                        <a:rPr lang="en-US" i="1">
+                                          <a:latin typeface="Cambria Math" panose="02040503050406030204" pitchFamily="18" charset="0"/>
+                                        </a:rPr>
+                                      </m:ctrlPr>
+                                    </m:sSubPr>
+                                    <m:e>
+                                      <m:r>
+                                        <a:rPr lang="en-US" i="1">
+                                          <a:latin typeface="Cambria Math" panose="02040503050406030204" pitchFamily="18" charset="0"/>
+                                        </a:rPr>
+                                        <m:t>𝑌</m:t>
+                                      </m:r>
+                                    </m:e>
+                                    <m:sub>
+                                      <m:r>
+                                        <a:rPr lang="en-US" i="1">
+                                          <a:latin typeface="Cambria Math" panose="02040503050406030204" pitchFamily="18" charset="0"/>
+                                        </a:rPr>
+                                        <m:t>𝑖</m:t>
+                                      </m:r>
+                                    </m:sub>
+                                  </m:sSub>
+                                </m:num>
+                                <m:den>
+                                  <m:r>
+                                    <a:rPr lang="en-US" i="1">
+                                      <a:latin typeface="Cambria Math" panose="02040503050406030204" pitchFamily="18" charset="0"/>
+                                    </a:rPr>
+                                    <m:t>1−</m:t>
+                                  </m:r>
+                                  <m:acc>
+                                    <m:accPr>
+                                      <m:chr m:val="̂"/>
+                                      <m:ctrlPr>
+                                        <a:rPr lang="en-US" i="1" dirty="0">
+                                          <a:latin typeface="Cambria Math" panose="02040503050406030204" pitchFamily="18" charset="0"/>
+                                        </a:rPr>
+                                      </m:ctrlPr>
+                                    </m:accPr>
+                                    <m:e>
+                                      <m:r>
+                                        <a:rPr lang="en-US" i="1" dirty="0">
+                                          <a:latin typeface="Cambria Math" panose="02040503050406030204" pitchFamily="18" charset="0"/>
+                                        </a:rPr>
+                                        <m:t>𝑃</m:t>
+                                      </m:r>
+                                    </m:e>
+                                  </m:acc>
+                                  <m:r>
+                                    <a:rPr lang="en-US" i="1" dirty="0">
+                                      <a:latin typeface="Cambria Math" panose="02040503050406030204" pitchFamily="18" charset="0"/>
+                                    </a:rPr>
+                                    <m:t>(</m:t>
+                                  </m:r>
+                                  <m:sSub>
+                                    <m:sSubPr>
+                                      <m:ctrlPr>
+                                        <a:rPr lang="en-US" i="1" dirty="0">
+                                          <a:latin typeface="Cambria Math" panose="02040503050406030204" pitchFamily="18" charset="0"/>
+                                        </a:rPr>
+                                      </m:ctrlPr>
+                                    </m:sSubPr>
+                                    <m:e>
+                                      <m:r>
+                                        <a:rPr lang="en-US" i="1" dirty="0">
+                                          <a:latin typeface="Cambria Math" panose="02040503050406030204" pitchFamily="18" charset="0"/>
+                                        </a:rPr>
+                                        <m:t>𝑋</m:t>
+                                      </m:r>
+                                    </m:e>
+                                    <m:sub>
+                                      <m:r>
+                                        <a:rPr lang="en-US" i="1" dirty="0">
+                                          <a:latin typeface="Cambria Math" panose="02040503050406030204" pitchFamily="18" charset="0"/>
+                                        </a:rPr>
+                                        <m:t>𝑖</m:t>
+                                      </m:r>
+                                    </m:sub>
+                                  </m:sSub>
+                                  <m:r>
+                                    <a:rPr lang="en-US" i="1" dirty="0">
+                                      <a:latin typeface="Cambria Math" panose="02040503050406030204" pitchFamily="18" charset="0"/>
+                                    </a:rPr>
+                                    <m:t>)</m:t>
+                                  </m:r>
+                                </m:den>
+                              </m:f>
+                            </m:e>
+                          </m:d>
+                        </m:e>
+                      </m:nary>
+                    </m:oMath>
+                  </m:oMathPara>
+                </a14:m>
+                <a:endParaRPr lang="en-US" dirty="0"/>
+              </a:p>
+              <a:p>
+                <a:r>
+                  <a:rPr lang="en-US" dirty="0"/>
+                  <a:t>With </a:t>
+                </a:r>
+                <a14:m>
+                  <m:oMath xmlns:m="http://schemas.openxmlformats.org/officeDocument/2006/math">
+                    <m:acc>
+                      <m:accPr>
+                        <m:chr m:val="̂"/>
+                        <m:ctrlPr>
+                          <a:rPr lang="en-US" i="1" dirty="0">
+                            <a:latin typeface="Cambria Math" panose="02040503050406030204" pitchFamily="18" charset="0"/>
+                          </a:rPr>
+                        </m:ctrlPr>
+                      </m:accPr>
+                      <m:e>
+                        <m:r>
+                          <a:rPr lang="en-US" i="1" dirty="0">
+                            <a:latin typeface="Cambria Math" panose="02040503050406030204" pitchFamily="18" charset="0"/>
+                          </a:rPr>
+                          <m:t>𝑃</m:t>
+                        </m:r>
+                      </m:e>
+                    </m:acc>
+                    <m:r>
+                      <a:rPr lang="en-US" i="1" dirty="0">
+                        <a:latin typeface="Cambria Math" panose="02040503050406030204" pitchFamily="18" charset="0"/>
+                      </a:rPr>
+                      <m:t>(</m:t>
+                    </m:r>
+                    <m:sSub>
+                      <m:sSubPr>
+                        <m:ctrlPr>
+                          <a:rPr lang="en-US" i="1" dirty="0">
+                            <a:latin typeface="Cambria Math" panose="02040503050406030204" pitchFamily="18" charset="0"/>
+                          </a:rPr>
+                        </m:ctrlPr>
+                      </m:sSubPr>
+                      <m:e>
+                        <m:r>
+                          <a:rPr lang="en-US" i="1" dirty="0">
+                            <a:latin typeface="Cambria Math" panose="02040503050406030204" pitchFamily="18" charset="0"/>
+                          </a:rPr>
+                          <m:t>𝑋</m:t>
+                        </m:r>
+                      </m:e>
+                      <m:sub>
+                        <m:r>
+                          <a:rPr lang="en-US" i="1" dirty="0">
+                            <a:latin typeface="Cambria Math" panose="02040503050406030204" pitchFamily="18" charset="0"/>
+                          </a:rPr>
+                          <m:t>𝑖</m:t>
+                        </m:r>
+                      </m:sub>
+                    </m:sSub>
+                    <m:r>
+                      <a:rPr lang="en-US" i="1" dirty="0">
+                        <a:latin typeface="Cambria Math" panose="02040503050406030204" pitchFamily="18" charset="0"/>
+                      </a:rPr>
+                      <m:t>)</m:t>
+                    </m:r>
+                  </m:oMath>
+                </a14:m>
+                <a:r>
+                  <a:rPr lang="en-US" dirty="0"/>
+                  <a:t> in the denominator, it is is clear </a:t>
+                </a:r>
+                <a14:m>
+                  <m:oMath xmlns:m="http://schemas.openxmlformats.org/officeDocument/2006/math">
+                    <m:acc>
+                      <m:accPr>
+                        <m:chr m:val="̂"/>
+                        <m:ctrlPr>
+                          <a:rPr lang="en-US" i="1" dirty="0">
+                            <a:latin typeface="Cambria Math" panose="02040503050406030204" pitchFamily="18" charset="0"/>
+                          </a:rPr>
+                        </m:ctrlPr>
+                      </m:accPr>
+                      <m:e>
+                        <m:r>
+                          <a:rPr lang="en-US" i="1" dirty="0">
+                            <a:latin typeface="Cambria Math" panose="02040503050406030204" pitchFamily="18" charset="0"/>
+                          </a:rPr>
+                          <m:t>𝑃</m:t>
+                        </m:r>
+                      </m:e>
+                    </m:acc>
+                    <m:r>
+                      <a:rPr lang="en-US" i="1" dirty="0">
+                        <a:latin typeface="Cambria Math" panose="02040503050406030204" pitchFamily="18" charset="0"/>
+                      </a:rPr>
+                      <m:t>(</m:t>
+                    </m:r>
+                    <m:sSub>
+                      <m:sSubPr>
+                        <m:ctrlPr>
+                          <a:rPr lang="en-US" i="1" dirty="0">
+                            <a:latin typeface="Cambria Math" panose="02040503050406030204" pitchFamily="18" charset="0"/>
+                          </a:rPr>
+                        </m:ctrlPr>
+                      </m:sSubPr>
+                      <m:e>
+                        <m:r>
+                          <a:rPr lang="en-US" i="1" dirty="0">
+                            <a:latin typeface="Cambria Math" panose="02040503050406030204" pitchFamily="18" charset="0"/>
+                          </a:rPr>
+                          <m:t>𝑋</m:t>
+                        </m:r>
+                      </m:e>
+                      <m:sub>
+                        <m:r>
+                          <a:rPr lang="en-US" i="1" dirty="0">
+                            <a:latin typeface="Cambria Math" panose="02040503050406030204" pitchFamily="18" charset="0"/>
+                          </a:rPr>
+                          <m:t>𝑖</m:t>
+                        </m:r>
+                      </m:sub>
+                    </m:sSub>
+                    <m:r>
+                      <a:rPr lang="en-US" i="1" dirty="0">
+                        <a:latin typeface="Cambria Math" panose="02040503050406030204" pitchFamily="18" charset="0"/>
+                      </a:rPr>
+                      <m:t>)</m:t>
+                    </m:r>
+                  </m:oMath>
+                </a14:m>
+                <a:r>
+                  <a:rPr lang="en-US" dirty="0"/>
+                  <a:t> values of 0 and 1 can cause the estimator to get very large.</a:t>
+                </a:r>
+              </a:p>
+            </p:txBody>
+          </p:sp>
+        </mc:Choice>
+        <mc:Fallback>
+          <p:sp>
+            <p:nvSpPr>
+              <p:cNvPr id="3" name="Content Placeholder 2">
+                <a:extLst>
+                  <a:ext uri="{FF2B5EF4-FFF2-40B4-BE49-F238E27FC236}">
+                    <a16:creationId xmlns:a16="http://schemas.microsoft.com/office/drawing/2014/main" id="{02622406-E981-7D48-9C85-27DB709E2969}"/>
+                  </a:ext>
+                </a:extLst>
+              </p:cNvPr>
+              <p:cNvSpPr>
+                <a:spLocks noGrp="1" noRot="1" noChangeAspect="1" noMove="1" noResize="1" noEditPoints="1" noAdjustHandles="1" noChangeArrowheads="1" noChangeShapeType="1" noTextEdit="1"/>
+              </p:cNvSpPr>
+              <p:nvPr>
+                <p:ph idx="1"/>
+              </p:nvPr>
+            </p:nvSpPr>
+            <p:spPr>
+              <a:blipFill>
+                <a:blip r:embed="rId2"/>
+                <a:stretch>
+                  <a:fillRect l="-1086" b="-16860"/>
+                </a:stretch>
+              </a:blipFill>
+            </p:spPr>
+            <p:txBody>
+              <a:bodyPr/>
+              <a:lstStyle/>
+              <a:p>
+                <a:r>
+                  <a:rPr lang="en-US">
+                    <a:noFill/>
+                  </a:rPr>
+                  <a:t> </a:t>
+                </a:r>
+              </a:p>
+            </p:txBody>
+          </p:sp>
+        </mc:Fallback>
+      </mc:AlternateContent>
+    </p:spTree>
+    <p:extLst>
+      <p:ext uri="{BB962C8B-B14F-4D97-AF65-F5344CB8AC3E}">
+        <p14:creationId xmlns:p14="http://schemas.microsoft.com/office/powerpoint/2010/main" val="1364852880"/>
+      </p:ext>
+    </p:extLst>
+  </p:cSld>
+  <p:clrMapOvr>
+    <a:masterClrMapping/>
+  </p:clrMapOvr>
+</p:sld>
+</file>
+
+<file path=ppt/slides/slide24.xml><?xml version="1.0" encoding="utf-8"?>
+<p:sld xmlns:a="http://schemas.openxmlformats.org/drawingml/2006/main" xmlns:r="http://schemas.openxmlformats.org/officeDocument/2006/relationships" xmlns:p="http://schemas.openxmlformats.org/presentationml/2006/main">
+  <p:cSld>
+    <p:spTree>
+      <p:nvGrpSpPr>
+        <p:cNvPr id="1" name=""/>
+        <p:cNvGrpSpPr/>
+        <p:nvPr/>
+      </p:nvGrpSpPr>
+      <p:grpSpPr>
+        <a:xfrm>
+          <a:off x="0" y="0"/>
+          <a:ext cx="0" cy="0"/>
+          <a:chOff x="0" y="0"/>
+          <a:chExt cx="0" cy="0"/>
+        </a:xfrm>
+      </p:grpSpPr>
+      <p:sp>
+        <p:nvSpPr>
+          <p:cNvPr id="2" name="Title 1">
+            <a:extLst>
+              <a:ext uri="{FF2B5EF4-FFF2-40B4-BE49-F238E27FC236}">
+                <a16:creationId xmlns:a16="http://schemas.microsoft.com/office/drawing/2014/main" id="{5A68B621-92A1-0E4C-A86F-685D16B4C44D}"/>
+              </a:ext>
+            </a:extLst>
+          </p:cNvPr>
+          <p:cNvSpPr>
+            <a:spLocks noGrp="1"/>
+          </p:cNvSpPr>
+          <p:nvPr>
+            <p:ph type="title"/>
+          </p:nvPr>
+        </p:nvSpPr>
+        <p:spPr/>
+        <p:txBody>
+          <a:bodyPr/>
+          <a:lstStyle/>
+          <a:p>
+            <a:r>
+              <a:rPr lang="en-US" dirty="0"/>
+              <a:t>Weighting in DML</a:t>
+            </a:r>
+          </a:p>
+        </p:txBody>
+      </p:sp>
+      <mc:AlternateContent xmlns:mc="http://schemas.openxmlformats.org/markup-compatibility/2006">
+        <mc:Choice xmlns:a14="http://schemas.microsoft.com/office/drawing/2010/main" Requires="a14">
+          <p:sp>
+            <p:nvSpPr>
+              <p:cNvPr id="3" name="Content Placeholder 2">
+                <a:extLst>
+                  <a:ext uri="{FF2B5EF4-FFF2-40B4-BE49-F238E27FC236}">
+                    <a16:creationId xmlns:a16="http://schemas.microsoft.com/office/drawing/2014/main" id="{D4D68746-33E1-2A41-9BB2-E94E417A1517}"/>
+                  </a:ext>
+                </a:extLst>
+              </p:cNvPr>
+              <p:cNvSpPr>
+                <a:spLocks noGrp="1"/>
+              </p:cNvSpPr>
+              <p:nvPr>
+                <p:ph idx="1"/>
+              </p:nvPr>
+            </p:nvSpPr>
+            <p:spPr/>
+            <p:txBody>
+              <a:bodyPr/>
+              <a:lstStyle/>
+              <a:p>
+                <a:r>
+                  <a:rPr lang="en-US" dirty="0"/>
+                  <a:t>DML’s Interactive Regression Model contains an IPW portion, so the previous IPW slide’s logic holds.</a:t>
+                </a:r>
+              </a:p>
+              <a:p>
+                <a:r>
+                  <a:rPr lang="en-US" dirty="0"/>
+                  <a:t>The DML-IRM estimator is:</a:t>
+                </a:r>
+              </a:p>
+              <a:p>
+                <a:pPr marL="0" indent="0">
+                  <a:buNone/>
+                </a:pPr>
+                <a14:m>
+                  <m:oMathPara xmlns:m="http://schemas.openxmlformats.org/officeDocument/2006/math">
+                    <m:oMathParaPr>
+                      <m:jc m:val="centerGroup"/>
+                    </m:oMathParaPr>
+                    <m:oMath xmlns:m="http://schemas.openxmlformats.org/officeDocument/2006/math">
+                      <m:sSub>
+                        <m:sSubPr>
+                          <m:ctrlPr>
+                            <a:rPr lang="en-US" b="0" i="1" dirty="0" smtClean="0">
+                              <a:latin typeface="Cambria Math" panose="02040503050406030204" pitchFamily="18" charset="0"/>
+                            </a:rPr>
+                          </m:ctrlPr>
+                        </m:sSubPr>
+                        <m:e>
+                          <m:acc>
+                            <m:accPr>
+                              <m:chr m:val="̂"/>
+                              <m:ctrlPr>
+                                <a:rPr lang="en-US" b="0" i="1" dirty="0" smtClean="0">
+                                  <a:latin typeface="Cambria Math" panose="02040503050406030204" pitchFamily="18" charset="0"/>
+                                </a:rPr>
+                              </m:ctrlPr>
+                            </m:accPr>
+                            <m:e>
+                              <m:r>
+                                <a:rPr lang="en-US" b="0" i="1" dirty="0" smtClean="0">
+                                  <a:latin typeface="Cambria Math" panose="02040503050406030204" pitchFamily="18" charset="0"/>
+                                </a:rPr>
+                                <m:t>𝜏</m:t>
+                              </m:r>
+                            </m:e>
+                          </m:acc>
+                        </m:e>
+                        <m:sub>
+                          <m:r>
+                            <a:rPr lang="en-US" b="0" i="1" dirty="0" smtClean="0">
+                              <a:latin typeface="Cambria Math" panose="02040503050406030204" pitchFamily="18" charset="0"/>
+                            </a:rPr>
+                            <m:t>𝐷𝑀𝐿</m:t>
+                          </m:r>
+                          <m:r>
+                            <a:rPr lang="en-US" b="0" i="1" dirty="0" smtClean="0">
+                              <a:latin typeface="Cambria Math" panose="02040503050406030204" pitchFamily="18" charset="0"/>
+                            </a:rPr>
+                            <m:t>−</m:t>
+                          </m:r>
+                          <m:r>
+                            <a:rPr lang="en-US" b="0" i="1" dirty="0" smtClean="0">
+                              <a:latin typeface="Cambria Math" panose="02040503050406030204" pitchFamily="18" charset="0"/>
+                            </a:rPr>
+                            <m:t>𝐼𝑅𝑀</m:t>
+                          </m:r>
+                        </m:sub>
+                      </m:sSub>
+                      <m:r>
+                        <a:rPr lang="en-US" b="0" i="1" dirty="0" smtClean="0">
+                          <a:latin typeface="Cambria Math" panose="02040503050406030204" pitchFamily="18" charset="0"/>
+                        </a:rPr>
+                        <m:t>= </m:t>
+                      </m:r>
+                      <m:r>
+                        <a:rPr lang="en-US" i="1">
+                          <a:latin typeface="Cambria Math" panose="02040503050406030204" pitchFamily="18" charset="0"/>
+                        </a:rPr>
+                        <m:t>𝐸</m:t>
+                      </m:r>
+                      <m:r>
+                        <a:rPr lang="en-US" i="1">
+                          <a:latin typeface="Cambria Math" panose="02040503050406030204" pitchFamily="18" charset="0"/>
+                        </a:rPr>
+                        <m:t>[ </m:t>
+                      </m:r>
+                      <m:d>
+                        <m:dPr>
+                          <m:ctrlPr>
+                            <a:rPr lang="en-US" i="1">
+                              <a:latin typeface="Cambria Math" panose="02040503050406030204" pitchFamily="18" charset="0"/>
+                            </a:rPr>
+                          </m:ctrlPr>
+                        </m:dPr>
+                        <m:e>
+                          <m:sSub>
+                            <m:sSubPr>
+                              <m:ctrlPr>
+                                <a:rPr lang="en-US" i="1">
+                                  <a:latin typeface="Cambria Math" panose="02040503050406030204" pitchFamily="18" charset="0"/>
+                                </a:rPr>
+                              </m:ctrlPr>
+                            </m:sSubPr>
+                            <m:e>
+                              <m:acc>
+                                <m:accPr>
+                                  <m:chr m:val="̂"/>
+                                  <m:ctrlPr>
+                                    <a:rPr lang="en-US" i="1">
+                                      <a:latin typeface="Cambria Math" panose="02040503050406030204" pitchFamily="18" charset="0"/>
+                                    </a:rPr>
+                                  </m:ctrlPr>
+                                </m:accPr>
+                                <m:e>
+                                  <m:r>
+                                    <a:rPr lang="en-US" i="1">
+                                      <a:latin typeface="Cambria Math" panose="02040503050406030204" pitchFamily="18" charset="0"/>
+                                    </a:rPr>
+                                    <m:t>𝑌</m:t>
+                                  </m:r>
+                                </m:e>
+                              </m:acc>
+                            </m:e>
+                            <m:sub>
+                              <m:r>
+                                <a:rPr lang="en-US" i="1">
+                                  <a:latin typeface="Cambria Math" panose="02040503050406030204" pitchFamily="18" charset="0"/>
+                                </a:rPr>
+                                <m:t>1,</m:t>
+                              </m:r>
+                              <m:r>
+                                <a:rPr lang="en-US" i="1">
+                                  <a:latin typeface="Cambria Math" panose="02040503050406030204" pitchFamily="18" charset="0"/>
+                                </a:rPr>
+                                <m:t>𝑖</m:t>
+                              </m:r>
+                            </m:sub>
+                          </m:sSub>
+                          <m:r>
+                            <a:rPr lang="en-US" i="1">
+                              <a:latin typeface="Cambria Math" panose="02040503050406030204" pitchFamily="18" charset="0"/>
+                            </a:rPr>
+                            <m:t>−</m:t>
+                          </m:r>
+                          <m:sSub>
+                            <m:sSubPr>
+                              <m:ctrlPr>
+                                <a:rPr lang="en-US" i="1">
+                                  <a:latin typeface="Cambria Math" panose="02040503050406030204" pitchFamily="18" charset="0"/>
+                                </a:rPr>
+                              </m:ctrlPr>
+                            </m:sSubPr>
+                            <m:e>
+                              <m:acc>
+                                <m:accPr>
+                                  <m:chr m:val="̂"/>
+                                  <m:ctrlPr>
+                                    <a:rPr lang="en-US" i="1">
+                                      <a:latin typeface="Cambria Math" panose="02040503050406030204" pitchFamily="18" charset="0"/>
+                                    </a:rPr>
+                                  </m:ctrlPr>
+                                </m:accPr>
+                                <m:e>
+                                  <m:r>
+                                    <a:rPr lang="en-US" i="1">
+                                      <a:latin typeface="Cambria Math" panose="02040503050406030204" pitchFamily="18" charset="0"/>
+                                    </a:rPr>
+                                    <m:t>𝑌</m:t>
+                                  </m:r>
+                                </m:e>
+                              </m:acc>
+                            </m:e>
+                            <m:sub>
+                              <m:r>
+                                <a:rPr lang="en-US" i="1">
+                                  <a:latin typeface="Cambria Math" panose="02040503050406030204" pitchFamily="18" charset="0"/>
+                                </a:rPr>
+                                <m:t>0</m:t>
+                              </m:r>
+                              <m:r>
+                                <a:rPr lang="en-US" i="1">
+                                  <a:latin typeface="Cambria Math" panose="02040503050406030204" pitchFamily="18" charset="0"/>
+                                </a:rPr>
+                                <m:t>,</m:t>
+                              </m:r>
+                              <m:r>
+                                <a:rPr lang="en-US" i="1">
+                                  <a:latin typeface="Cambria Math" panose="02040503050406030204" pitchFamily="18" charset="0"/>
+                                </a:rPr>
+                                <m:t>𝑖</m:t>
+                              </m:r>
+                            </m:sub>
+                          </m:sSub>
+                        </m:e>
+                      </m:d>
+                      <m:r>
+                        <a:rPr lang="en-US" i="1">
+                          <a:latin typeface="Cambria Math" panose="02040503050406030204" pitchFamily="18" charset="0"/>
+                        </a:rPr>
+                        <m:t>+</m:t>
+                      </m:r>
+                      <m:f>
+                        <m:fPr>
+                          <m:ctrlPr>
+                            <a:rPr lang="en-US" i="1">
+                              <a:latin typeface="Cambria Math" panose="02040503050406030204" pitchFamily="18" charset="0"/>
+                            </a:rPr>
+                          </m:ctrlPr>
+                        </m:fPr>
+                        <m:num>
+                          <m:sSub>
+                            <m:sSubPr>
+                              <m:ctrlPr>
+                                <a:rPr lang="en-US" b="0" i="1" smtClean="0">
+                                  <a:latin typeface="Cambria Math" panose="02040503050406030204" pitchFamily="18" charset="0"/>
+                                </a:rPr>
+                              </m:ctrlPr>
+                            </m:sSubPr>
+                            <m:e>
+                              <m:r>
+                                <a:rPr lang="en-US" b="0" i="1" smtClean="0">
+                                  <a:latin typeface="Cambria Math" panose="02040503050406030204" pitchFamily="18" charset="0"/>
+                                </a:rPr>
+                                <m:t>𝑊</m:t>
+                              </m:r>
+                            </m:e>
+                            <m:sub>
+                              <m:r>
+                                <a:rPr lang="en-US" b="0" i="1" smtClean="0">
+                                  <a:latin typeface="Cambria Math" panose="02040503050406030204" pitchFamily="18" charset="0"/>
+                                </a:rPr>
+                                <m:t>𝑖</m:t>
+                              </m:r>
+                            </m:sub>
+                          </m:sSub>
+                          <m:d>
+                            <m:dPr>
+                              <m:ctrlPr>
+                                <a:rPr lang="en-US" i="1">
+                                  <a:latin typeface="Cambria Math" panose="02040503050406030204" pitchFamily="18" charset="0"/>
+                                </a:rPr>
+                              </m:ctrlPr>
+                            </m:dPr>
+                            <m:e>
+                              <m:sSub>
+                                <m:sSubPr>
+                                  <m:ctrlPr>
+                                    <a:rPr lang="en-US" i="1">
+                                      <a:latin typeface="Cambria Math" panose="02040503050406030204" pitchFamily="18" charset="0"/>
+                                    </a:rPr>
+                                  </m:ctrlPr>
+                                </m:sSubPr>
+                                <m:e>
+                                  <m:r>
+                                    <a:rPr lang="en-US" i="1">
+                                      <a:latin typeface="Cambria Math" panose="02040503050406030204" pitchFamily="18" charset="0"/>
+                                    </a:rPr>
+                                    <m:t>𝑌</m:t>
+                                  </m:r>
+                                </m:e>
+                                <m:sub>
+                                  <m:r>
+                                    <a:rPr lang="en-US" i="1">
+                                      <a:latin typeface="Cambria Math" panose="02040503050406030204" pitchFamily="18" charset="0"/>
+                                    </a:rPr>
+                                    <m:t>𝑖</m:t>
+                                  </m:r>
+                                </m:sub>
+                              </m:sSub>
+                              <m:r>
+                                <a:rPr lang="en-US" i="1">
+                                  <a:latin typeface="Cambria Math" panose="02040503050406030204" pitchFamily="18" charset="0"/>
+                                </a:rPr>
+                                <m:t>−</m:t>
+                              </m:r>
+                              <m:sSub>
+                                <m:sSubPr>
+                                  <m:ctrlPr>
+                                    <a:rPr lang="en-US" i="1">
+                                      <a:latin typeface="Cambria Math" panose="02040503050406030204" pitchFamily="18" charset="0"/>
+                                    </a:rPr>
+                                  </m:ctrlPr>
+                                </m:sSubPr>
+                                <m:e>
+                                  <m:acc>
+                                    <m:accPr>
+                                      <m:chr m:val="̂"/>
+                                      <m:ctrlPr>
+                                        <a:rPr lang="en-US" i="1">
+                                          <a:latin typeface="Cambria Math" panose="02040503050406030204" pitchFamily="18" charset="0"/>
+                                        </a:rPr>
+                                      </m:ctrlPr>
+                                    </m:accPr>
+                                    <m:e>
+                                      <m:r>
+                                        <a:rPr lang="en-US" i="1">
+                                          <a:latin typeface="Cambria Math" panose="02040503050406030204" pitchFamily="18" charset="0"/>
+                                        </a:rPr>
+                                        <m:t>𝑌</m:t>
+                                      </m:r>
+                                    </m:e>
+                                  </m:acc>
+                                </m:e>
+                                <m:sub>
+                                  <m:r>
+                                    <a:rPr lang="en-US" i="1">
+                                      <a:latin typeface="Cambria Math" panose="02040503050406030204" pitchFamily="18" charset="0"/>
+                                    </a:rPr>
+                                    <m:t>1,</m:t>
+                                  </m:r>
+                                  <m:r>
+                                    <a:rPr lang="en-US" i="1">
+                                      <a:latin typeface="Cambria Math" panose="02040503050406030204" pitchFamily="18" charset="0"/>
+                                    </a:rPr>
+                                    <m:t>𝑖</m:t>
+                                  </m:r>
+                                </m:sub>
+                              </m:sSub>
+                            </m:e>
+                          </m:d>
+                        </m:num>
+                        <m:den>
+                          <m:acc>
+                            <m:accPr>
+                              <m:chr m:val="̂"/>
+                              <m:ctrlPr>
+                                <a:rPr lang="en-US" i="1" dirty="0" smtClean="0">
+                                  <a:latin typeface="Cambria Math" panose="02040503050406030204" pitchFamily="18" charset="0"/>
+                                </a:rPr>
+                              </m:ctrlPr>
+                            </m:accPr>
+                            <m:e>
+                              <m:r>
+                                <a:rPr lang="en-US" b="0" i="1" dirty="0" smtClean="0">
+                                  <a:latin typeface="Cambria Math" panose="02040503050406030204" pitchFamily="18" charset="0"/>
+                                </a:rPr>
+                                <m:t>𝑃</m:t>
+                              </m:r>
+                            </m:e>
+                          </m:acc>
+                          <m:r>
+                            <a:rPr lang="en-US" b="0" i="1" dirty="0" smtClean="0">
+                              <a:latin typeface="Cambria Math" panose="02040503050406030204" pitchFamily="18" charset="0"/>
+                            </a:rPr>
+                            <m:t>(</m:t>
+                          </m:r>
+                          <m:sSub>
+                            <m:sSubPr>
+                              <m:ctrlPr>
+                                <a:rPr lang="en-US" b="0" i="1" dirty="0" smtClean="0">
+                                  <a:latin typeface="Cambria Math" panose="02040503050406030204" pitchFamily="18" charset="0"/>
+                                </a:rPr>
+                              </m:ctrlPr>
+                            </m:sSubPr>
+                            <m:e>
+                              <m:r>
+                                <a:rPr lang="en-US" b="0" i="1" dirty="0" smtClean="0">
+                                  <a:latin typeface="Cambria Math" panose="02040503050406030204" pitchFamily="18" charset="0"/>
+                                </a:rPr>
+                                <m:t>𝑋</m:t>
+                              </m:r>
+                            </m:e>
+                            <m:sub>
+                              <m:r>
+                                <a:rPr lang="en-US" b="0" i="1" dirty="0" smtClean="0">
+                                  <a:latin typeface="Cambria Math" panose="02040503050406030204" pitchFamily="18" charset="0"/>
+                                </a:rPr>
+                                <m:t>𝑖</m:t>
+                              </m:r>
+                            </m:sub>
+                          </m:sSub>
+                          <m:r>
+                            <a:rPr lang="en-US" b="0" i="1" dirty="0" smtClean="0">
+                              <a:latin typeface="Cambria Math" panose="02040503050406030204" pitchFamily="18" charset="0"/>
+                            </a:rPr>
+                            <m:t>)</m:t>
+                          </m:r>
+                        </m:den>
+                      </m:f>
+                      <m:r>
+                        <a:rPr lang="en-US" i="1">
+                          <a:latin typeface="Cambria Math" panose="02040503050406030204" pitchFamily="18" charset="0"/>
+                        </a:rPr>
+                        <m:t>−</m:t>
+                      </m:r>
+                      <m:f>
+                        <m:fPr>
+                          <m:ctrlPr>
+                            <a:rPr lang="en-US" i="1">
+                              <a:latin typeface="Cambria Math" panose="02040503050406030204" pitchFamily="18" charset="0"/>
+                            </a:rPr>
+                          </m:ctrlPr>
+                        </m:fPr>
+                        <m:num>
+                          <m:d>
+                            <m:dPr>
+                              <m:ctrlPr>
+                                <a:rPr lang="en-US" i="1">
+                                  <a:latin typeface="Cambria Math" panose="02040503050406030204" pitchFamily="18" charset="0"/>
+                                </a:rPr>
+                              </m:ctrlPr>
+                            </m:dPr>
+                            <m:e>
+                              <m:r>
+                                <a:rPr lang="en-US" i="1">
+                                  <a:latin typeface="Cambria Math" panose="02040503050406030204" pitchFamily="18" charset="0"/>
+                                </a:rPr>
+                                <m:t>1−</m:t>
+                              </m:r>
+                              <m:sSub>
+                                <m:sSubPr>
+                                  <m:ctrlPr>
+                                    <a:rPr lang="en-US" i="1">
+                                      <a:latin typeface="Cambria Math" panose="02040503050406030204" pitchFamily="18" charset="0"/>
+                                    </a:rPr>
+                                  </m:ctrlPr>
+                                </m:sSubPr>
+                                <m:e>
+                                  <m:r>
+                                    <a:rPr lang="en-US" b="0" i="1" smtClean="0">
+                                      <a:latin typeface="Cambria Math" panose="02040503050406030204" pitchFamily="18" charset="0"/>
+                                    </a:rPr>
+                                    <m:t>𝑊</m:t>
+                                  </m:r>
+                                </m:e>
+                                <m:sub>
+                                  <m:r>
+                                    <a:rPr lang="en-US" i="1">
+                                      <a:latin typeface="Cambria Math" panose="02040503050406030204" pitchFamily="18" charset="0"/>
+                                    </a:rPr>
+                                    <m:t>𝑖</m:t>
+                                  </m:r>
+                                </m:sub>
+                              </m:sSub>
+                            </m:e>
+                          </m:d>
+                          <m:d>
+                            <m:dPr>
+                              <m:ctrlPr>
+                                <a:rPr lang="en-US" i="1">
+                                  <a:latin typeface="Cambria Math" panose="02040503050406030204" pitchFamily="18" charset="0"/>
+                                </a:rPr>
+                              </m:ctrlPr>
+                            </m:dPr>
+                            <m:e>
+                              <m:sSub>
+                                <m:sSubPr>
+                                  <m:ctrlPr>
+                                    <a:rPr lang="en-US" i="1">
+                                      <a:latin typeface="Cambria Math" panose="02040503050406030204" pitchFamily="18" charset="0"/>
+                                    </a:rPr>
+                                  </m:ctrlPr>
+                                </m:sSubPr>
+                                <m:e>
+                                  <m:r>
+                                    <a:rPr lang="en-US" i="1">
+                                      <a:latin typeface="Cambria Math" panose="02040503050406030204" pitchFamily="18" charset="0"/>
+                                    </a:rPr>
+                                    <m:t>𝑌</m:t>
+                                  </m:r>
+                                </m:e>
+                                <m:sub>
+                                  <m:r>
+                                    <a:rPr lang="en-US" i="1">
+                                      <a:latin typeface="Cambria Math" panose="02040503050406030204" pitchFamily="18" charset="0"/>
+                                    </a:rPr>
+                                    <m:t>𝑖</m:t>
+                                  </m:r>
+                                </m:sub>
+                              </m:sSub>
+                              <m:r>
+                                <a:rPr lang="en-US" i="1">
+                                  <a:latin typeface="Cambria Math" panose="02040503050406030204" pitchFamily="18" charset="0"/>
+                                </a:rPr>
+                                <m:t>−</m:t>
+                              </m:r>
+                              <m:sSub>
+                                <m:sSubPr>
+                                  <m:ctrlPr>
+                                    <a:rPr lang="en-US" i="1">
+                                      <a:latin typeface="Cambria Math" panose="02040503050406030204" pitchFamily="18" charset="0"/>
+                                    </a:rPr>
+                                  </m:ctrlPr>
+                                </m:sSubPr>
+                                <m:e>
+                                  <m:acc>
+                                    <m:accPr>
+                                      <m:chr m:val="̂"/>
+                                      <m:ctrlPr>
+                                        <a:rPr lang="en-US" i="1">
+                                          <a:latin typeface="Cambria Math" panose="02040503050406030204" pitchFamily="18" charset="0"/>
+                                        </a:rPr>
+                                      </m:ctrlPr>
+                                    </m:accPr>
+                                    <m:e>
+                                      <m:r>
+                                        <a:rPr lang="en-US" i="1">
+                                          <a:latin typeface="Cambria Math" panose="02040503050406030204" pitchFamily="18" charset="0"/>
+                                        </a:rPr>
+                                        <m:t>𝑌</m:t>
+                                      </m:r>
+                                    </m:e>
+                                  </m:acc>
+                                </m:e>
+                                <m:sub>
+                                  <m:r>
+                                    <a:rPr lang="en-US" i="1">
+                                      <a:latin typeface="Cambria Math" panose="02040503050406030204" pitchFamily="18" charset="0"/>
+                                    </a:rPr>
+                                    <m:t>0</m:t>
+                                  </m:r>
+                                  <m:r>
+                                    <a:rPr lang="en-US" i="1">
+                                      <a:latin typeface="Cambria Math" panose="02040503050406030204" pitchFamily="18" charset="0"/>
+                                    </a:rPr>
+                                    <m:t>,</m:t>
+                                  </m:r>
+                                  <m:r>
+                                    <a:rPr lang="en-US" i="1">
+                                      <a:latin typeface="Cambria Math" panose="02040503050406030204" pitchFamily="18" charset="0"/>
+                                    </a:rPr>
+                                    <m:t>𝑖</m:t>
+                                  </m:r>
+                                </m:sub>
+                              </m:sSub>
+                            </m:e>
+                          </m:d>
+                        </m:num>
+                        <m:den>
+                          <m:r>
+                            <a:rPr lang="en-US" i="1">
+                              <a:latin typeface="Cambria Math" panose="02040503050406030204" pitchFamily="18" charset="0"/>
+                            </a:rPr>
+                            <m:t>1−</m:t>
+                          </m:r>
+                          <m:acc>
+                            <m:accPr>
+                              <m:chr m:val="̂"/>
+                              <m:ctrlPr>
+                                <a:rPr lang="en-US" i="1" dirty="0">
+                                  <a:latin typeface="Cambria Math" panose="02040503050406030204" pitchFamily="18" charset="0"/>
+                                </a:rPr>
+                              </m:ctrlPr>
+                            </m:accPr>
+                            <m:e>
+                              <m:r>
+                                <a:rPr lang="en-US" i="1" dirty="0">
+                                  <a:latin typeface="Cambria Math" panose="02040503050406030204" pitchFamily="18" charset="0"/>
+                                </a:rPr>
+                                <m:t>𝑃</m:t>
+                              </m:r>
+                            </m:e>
+                          </m:acc>
+                          <m:r>
+                            <a:rPr lang="en-US" i="1" dirty="0">
+                              <a:latin typeface="Cambria Math" panose="02040503050406030204" pitchFamily="18" charset="0"/>
+                            </a:rPr>
+                            <m:t>(</m:t>
+                          </m:r>
+                          <m:sSub>
+                            <m:sSubPr>
+                              <m:ctrlPr>
+                                <a:rPr lang="en-US" i="1" dirty="0">
+                                  <a:latin typeface="Cambria Math" panose="02040503050406030204" pitchFamily="18" charset="0"/>
+                                </a:rPr>
+                              </m:ctrlPr>
+                            </m:sSubPr>
+                            <m:e>
+                              <m:r>
+                                <a:rPr lang="en-US" i="1" dirty="0">
+                                  <a:latin typeface="Cambria Math" panose="02040503050406030204" pitchFamily="18" charset="0"/>
+                                </a:rPr>
+                                <m:t>𝑋</m:t>
+                              </m:r>
+                            </m:e>
+                            <m:sub>
+                              <m:r>
+                                <a:rPr lang="en-US" i="1" dirty="0">
+                                  <a:latin typeface="Cambria Math" panose="02040503050406030204" pitchFamily="18" charset="0"/>
+                                </a:rPr>
+                                <m:t>𝑖</m:t>
+                              </m:r>
+                            </m:sub>
+                          </m:sSub>
+                          <m:r>
+                            <a:rPr lang="en-US" i="1" dirty="0">
+                              <a:latin typeface="Cambria Math" panose="02040503050406030204" pitchFamily="18" charset="0"/>
+                            </a:rPr>
+                            <m:t>)</m:t>
+                          </m:r>
+                        </m:den>
+                      </m:f>
+                      <m:r>
+                        <a:rPr lang="en-US" i="1">
+                          <a:latin typeface="Cambria Math" panose="02040503050406030204" pitchFamily="18" charset="0"/>
+                        </a:rPr>
+                        <m:t>]</m:t>
+                      </m:r>
+                    </m:oMath>
+                  </m:oMathPara>
+                </a14:m>
+                <a:endParaRPr lang="en-US" dirty="0"/>
+              </a:p>
+              <a:p>
+                <a:endParaRPr lang="en-US" dirty="0"/>
+              </a:p>
+              <a:p>
+                <a:r>
+                  <a:rPr lang="en-US" dirty="0"/>
+                  <a:t>So why would we use these models in the first place? IPW and DML-IRM have the additional advantage of flexibility</a:t>
+                </a:r>
+                <a:r>
+                  <a:rPr lang="en-US"/>
+                  <a:t>. </a:t>
+                </a:r>
+                <a:endParaRPr lang="en-US" dirty="0"/>
+              </a:p>
+              <a:p>
+                <a:endParaRPr lang="en-US" dirty="0"/>
+              </a:p>
+            </p:txBody>
+          </p:sp>
+        </mc:Choice>
+        <mc:Fallback>
+          <p:sp>
+            <p:nvSpPr>
+              <p:cNvPr id="3" name="Content Placeholder 2">
+                <a:extLst>
+                  <a:ext uri="{FF2B5EF4-FFF2-40B4-BE49-F238E27FC236}">
+                    <a16:creationId xmlns:a16="http://schemas.microsoft.com/office/drawing/2014/main" id="{D4D68746-33E1-2A41-9BB2-E94E417A1517}"/>
+                  </a:ext>
+                </a:extLst>
+              </p:cNvPr>
+              <p:cNvSpPr>
+                <a:spLocks noGrp="1" noRot="1" noChangeAspect="1" noMove="1" noResize="1" noEditPoints="1" noAdjustHandles="1" noChangeArrowheads="1" noChangeShapeType="1" noTextEdit="1"/>
+              </p:cNvSpPr>
+              <p:nvPr>
+                <p:ph idx="1"/>
+              </p:nvPr>
+            </p:nvSpPr>
+            <p:spPr>
+              <a:blipFill>
+                <a:blip r:embed="rId2"/>
+                <a:stretch>
+                  <a:fillRect l="-1086" t="-2326"/>
+                </a:stretch>
+              </a:blipFill>
+            </p:spPr>
+            <p:txBody>
+              <a:bodyPr/>
+              <a:lstStyle/>
+              <a:p>
+                <a:r>
+                  <a:rPr lang="en-US">
+                    <a:noFill/>
+                  </a:rPr>
+                  <a:t> </a:t>
+                </a:r>
+              </a:p>
+            </p:txBody>
+          </p:sp>
+        </mc:Fallback>
+      </mc:AlternateContent>
+    </p:spTree>
+    <p:extLst>
+      <p:ext uri="{BB962C8B-B14F-4D97-AF65-F5344CB8AC3E}">
+        <p14:creationId xmlns:p14="http://schemas.microsoft.com/office/powerpoint/2010/main" val="1416793072"/>
+      </p:ext>
+    </p:extLst>
+  </p:cSld>
+  <p:clrMapOvr>
+    <a:masterClrMapping/>
+  </p:clrMapOvr>
+</p:sld>
+</file>
+
+<file path=ppt/slides/slide25.xml><?xml version="1.0" encoding="utf-8"?>
+<p:sld xmlns:a="http://schemas.openxmlformats.org/drawingml/2006/main" xmlns:r="http://schemas.openxmlformats.org/officeDocument/2006/relationships" xmlns:p="http://schemas.openxmlformats.org/presentationml/2006/main">
+  <p:cSld>
+    <p:spTree>
+      <p:nvGrpSpPr>
+        <p:cNvPr id="1" name=""/>
+        <p:cNvGrpSpPr/>
+        <p:nvPr/>
+      </p:nvGrpSpPr>
+      <p:grpSpPr>
+        <a:xfrm>
+          <a:off x="0" y="0"/>
+          <a:ext cx="0" cy="0"/>
+          <a:chOff x="0" y="0"/>
+          <a:chExt cx="0" cy="0"/>
+        </a:xfrm>
+      </p:grpSpPr>
+      <p:sp>
+        <p:nvSpPr>
+          <p:cNvPr id="2" name="Title 1">
+            <a:extLst>
+              <a:ext uri="{FF2B5EF4-FFF2-40B4-BE49-F238E27FC236}">
+                <a16:creationId xmlns:a16="http://schemas.microsoft.com/office/drawing/2014/main" id="{C6BE59DD-EBDD-8447-A58E-AC687DB877B5}"/>
+              </a:ext>
+            </a:extLst>
+          </p:cNvPr>
+          <p:cNvSpPr>
+            <a:spLocks noGrp="1"/>
+          </p:cNvSpPr>
+          <p:nvPr>
+            <p:ph type="title"/>
+          </p:nvPr>
+        </p:nvSpPr>
+        <p:spPr/>
+        <p:txBody>
+          <a:bodyPr/>
+          <a:lstStyle/>
+          <a:p>
+            <a:r>
+              <a:rPr lang="en-US" dirty="0"/>
+              <a:t>Simulation case</a:t>
+            </a:r>
+          </a:p>
+        </p:txBody>
+      </p:sp>
+      <p:sp>
+        <p:nvSpPr>
+          <p:cNvPr id="3" name="Content Placeholder 2">
+            <a:extLst>
+              <a:ext uri="{FF2B5EF4-FFF2-40B4-BE49-F238E27FC236}">
+                <a16:creationId xmlns:a16="http://schemas.microsoft.com/office/drawing/2014/main" id="{2DB6EFBE-DF64-C94D-835E-9F049F2D3920}"/>
+              </a:ext>
+            </a:extLst>
+          </p:cNvPr>
+          <p:cNvSpPr>
+            <a:spLocks noGrp="1"/>
+          </p:cNvSpPr>
+          <p:nvPr>
+            <p:ph idx="1"/>
+          </p:nvPr>
+        </p:nvSpPr>
+        <p:spPr>
+          <a:xfrm>
+            <a:off x="838200" y="1825625"/>
+            <a:ext cx="4998568" cy="4351338"/>
+          </a:xfrm>
+        </p:spPr>
+        <p:txBody>
+          <a:bodyPr/>
+          <a:lstStyle/>
+          <a:p>
+            <a:r>
+              <a:rPr lang="en-US" dirty="0"/>
+              <a:t>Setup where we have extremely large and small propensity scores</a:t>
+            </a:r>
+          </a:p>
+          <a:p>
+            <a:r>
+              <a:rPr lang="en-US" dirty="0"/>
+              <a:t>Estimate the average treatment effect (ATE) with IPW and DML-IRM models.</a:t>
+            </a:r>
+          </a:p>
+        </p:txBody>
+      </p:sp>
+      <p:grpSp>
+        <p:nvGrpSpPr>
+          <p:cNvPr id="5" name="Group 4">
+            <a:extLst>
+              <a:ext uri="{FF2B5EF4-FFF2-40B4-BE49-F238E27FC236}">
+                <a16:creationId xmlns:a16="http://schemas.microsoft.com/office/drawing/2014/main" id="{01933A40-C079-2744-BDE8-E137E03A96F6}"/>
+              </a:ext>
+            </a:extLst>
+          </p:cNvPr>
+          <p:cNvGrpSpPr/>
+          <p:nvPr/>
+        </p:nvGrpSpPr>
+        <p:grpSpPr>
+          <a:xfrm>
+            <a:off x="5836768" y="365125"/>
+            <a:ext cx="6062397" cy="3390027"/>
+            <a:chOff x="5836768" y="1456293"/>
+            <a:chExt cx="6062397" cy="3390027"/>
+          </a:xfrm>
+        </p:grpSpPr>
+        <p:pic>
+          <p:nvPicPr>
+            <p:cNvPr id="2050" name="Picture 2">
+              <a:extLst>
+                <a:ext uri="{FF2B5EF4-FFF2-40B4-BE49-F238E27FC236}">
+                  <a16:creationId xmlns:a16="http://schemas.microsoft.com/office/drawing/2014/main" id="{FC8F6F11-D01C-0047-A0EB-9EF9AF4969EC}"/>
+                </a:ext>
+              </a:extLst>
+            </p:cNvPr>
+            <p:cNvPicPr>
+              <a:picLocks noChangeAspect="1" noChangeArrowheads="1"/>
+            </p:cNvPicPr>
+            <p:nvPr/>
+          </p:nvPicPr>
+          <p:blipFill>
+            <a:blip r:embed="rId2">
+              <a:extLst>
+                <a:ext uri="{28A0092B-C50C-407E-A947-70E740481C1C}">
+                  <a14:useLocalDpi xmlns:a14="http://schemas.microsoft.com/office/drawing/2010/main" val="0"/>
+                </a:ext>
+              </a:extLst>
+            </a:blip>
+            <a:srcRect/>
+            <a:stretch>
+              <a:fillRect/>
+            </a:stretch>
+          </p:blipFill>
+          <p:spPr bwMode="auto">
+            <a:xfrm>
+              <a:off x="5836768" y="1690688"/>
+              <a:ext cx="6062397" cy="3155632"/>
+            </a:xfrm>
+            <a:prstGeom prst="rect">
+              <a:avLst/>
+            </a:prstGeom>
+            <a:noFill/>
+            <a:extLst>
+              <a:ext uri="{909E8E84-426E-40DD-AFC4-6F175D3DCCD1}">
+                <a14:hiddenFill xmlns:a14="http://schemas.microsoft.com/office/drawing/2010/main">
+                  <a:solidFill>
+                    <a:srgbClr val="FFFFFF"/>
+                  </a:solidFill>
+                </a14:hiddenFill>
+              </a:ext>
+            </a:extLst>
+          </p:spPr>
+        </p:pic>
+        <p:sp>
+          <p:nvSpPr>
+            <p:cNvPr id="4" name="TextBox 3">
+              <a:extLst>
+                <a:ext uri="{FF2B5EF4-FFF2-40B4-BE49-F238E27FC236}">
+                  <a16:creationId xmlns:a16="http://schemas.microsoft.com/office/drawing/2014/main" id="{54635C1E-8F8F-0940-BAA5-DC6C82E2E90F}"/>
+                </a:ext>
+              </a:extLst>
+            </p:cNvPr>
+            <p:cNvSpPr txBox="1"/>
+            <p:nvPr/>
+          </p:nvSpPr>
+          <p:spPr>
+            <a:xfrm>
+              <a:off x="7532370" y="1456293"/>
+              <a:ext cx="3719416" cy="369332"/>
+            </a:xfrm>
+            <a:prstGeom prst="rect">
+              <a:avLst/>
+            </a:prstGeom>
+            <a:noFill/>
+          </p:spPr>
+          <p:txBody>
+            <a:bodyPr wrap="none" rtlCol="0">
+              <a:spAutoFit/>
+            </a:bodyPr>
+            <a:lstStyle/>
+            <a:p>
+              <a:r>
+                <a:rPr lang="en-US" dirty="0"/>
+                <a:t>Distribution of True Propensity Scores</a:t>
+              </a:r>
+            </a:p>
+          </p:txBody>
+        </p:sp>
+      </p:grpSp>
+    </p:spTree>
+    <p:extLst>
+      <p:ext uri="{BB962C8B-B14F-4D97-AF65-F5344CB8AC3E}">
+        <p14:creationId xmlns:p14="http://schemas.microsoft.com/office/powerpoint/2010/main" val="969378971"/>
+      </p:ext>
+    </p:extLst>
+  </p:cSld>
+  <p:clrMapOvr>
+    <a:masterClrMapping/>
+  </p:clrMapOvr>
+</p:sld>
+</file>
+
+<file path=ppt/slides/slide26.xml><?xml version="1.0" encoding="utf-8"?>
+<p:sld xmlns:a="http://schemas.openxmlformats.org/drawingml/2006/main" xmlns:r="http://schemas.openxmlformats.org/officeDocument/2006/relationships" xmlns:p="http://schemas.openxmlformats.org/presentationml/2006/main">
+  <p:cSld>
+    <p:spTree>
+      <p:nvGrpSpPr>
+        <p:cNvPr id="1" name=""/>
+        <p:cNvGrpSpPr/>
+        <p:nvPr/>
+      </p:nvGrpSpPr>
+      <p:grpSpPr>
+        <a:xfrm>
+          <a:off x="0" y="0"/>
+          <a:ext cx="0" cy="0"/>
+          <a:chOff x="0" y="0"/>
+          <a:chExt cx="0" cy="0"/>
+        </a:xfrm>
+      </p:grpSpPr>
+      <p:sp>
+        <p:nvSpPr>
+          <p:cNvPr id="2" name="Title 1">
+            <a:extLst>
+              <a:ext uri="{FF2B5EF4-FFF2-40B4-BE49-F238E27FC236}">
+                <a16:creationId xmlns:a16="http://schemas.microsoft.com/office/drawing/2014/main" id="{182D5278-8DCE-4347-98A4-A6950C26BFBD}"/>
+              </a:ext>
+            </a:extLst>
+          </p:cNvPr>
+          <p:cNvSpPr>
+            <a:spLocks noGrp="1"/>
+          </p:cNvSpPr>
+          <p:nvPr>
+            <p:ph type="title"/>
+          </p:nvPr>
+        </p:nvSpPr>
+        <p:spPr/>
+        <p:txBody>
+          <a:bodyPr/>
+          <a:lstStyle/>
+          <a:p>
+            <a:r>
+              <a:rPr lang="en-US" dirty="0"/>
+              <a:t>Possible Approaches</a:t>
+            </a:r>
+          </a:p>
+        </p:txBody>
+      </p:sp>
+      <p:sp>
+        <p:nvSpPr>
+          <p:cNvPr id="3" name="Content Placeholder 2">
+            <a:extLst>
+              <a:ext uri="{FF2B5EF4-FFF2-40B4-BE49-F238E27FC236}">
+                <a16:creationId xmlns:a16="http://schemas.microsoft.com/office/drawing/2014/main" id="{13C5BF22-19EC-5E4A-9B7A-5E161EAC0CB7}"/>
+              </a:ext>
+            </a:extLst>
+          </p:cNvPr>
+          <p:cNvSpPr>
+            <a:spLocks noGrp="1"/>
+          </p:cNvSpPr>
+          <p:nvPr>
+            <p:ph idx="1"/>
+          </p:nvPr>
+        </p:nvSpPr>
+        <p:spPr/>
+        <p:txBody>
+          <a:bodyPr/>
+          <a:lstStyle/>
+          <a:p>
+            <a:pPr marL="514350" indent="-514350">
+              <a:buFont typeface="+mj-lt"/>
+              <a:buAutoNum type="arabicPeriod"/>
+            </a:pPr>
+            <a:r>
+              <a:rPr lang="en-US" dirty="0"/>
+              <a:t>Replace extremely large/small propensity scores with a:</a:t>
+            </a:r>
+          </a:p>
+          <a:p>
+            <a:pPr marL="971550" lvl="1" indent="-514350">
+              <a:buFont typeface="+mj-lt"/>
+              <a:buAutoNum type="arabicPeriod"/>
+            </a:pPr>
+            <a:r>
+              <a:rPr lang="en-US" dirty="0"/>
+              <a:t>bin average; or</a:t>
+            </a:r>
+          </a:p>
+          <a:p>
+            <a:pPr marL="971550" lvl="1" indent="-514350">
+              <a:buFont typeface="+mj-lt"/>
+              <a:buAutoNum type="arabicPeriod"/>
+            </a:pPr>
+            <a:r>
+              <a:rPr lang="en-US" dirty="0"/>
+              <a:t>Sample average.</a:t>
+            </a:r>
+          </a:p>
+          <a:p>
+            <a:pPr marL="514350" indent="-514350">
+              <a:buFont typeface="+mj-lt"/>
+              <a:buAutoNum type="arabicPeriod"/>
+            </a:pPr>
+            <a:r>
+              <a:rPr lang="en-US" dirty="0"/>
+              <a:t>Remove observations with large/small propensity scores.</a:t>
+            </a:r>
+          </a:p>
+          <a:p>
+            <a:pPr marL="514350" indent="-514350">
+              <a:buFont typeface="+mj-lt"/>
+              <a:buAutoNum type="arabicPeriod"/>
+            </a:pPr>
+            <a:endParaRPr lang="en-US" dirty="0"/>
+          </a:p>
+          <a:p>
+            <a:r>
+              <a:rPr lang="en-US" dirty="0"/>
+              <a:t>The challenge is that these approaches will create bias in the estimate, so how do you know whether you have eliminated the bias?</a:t>
+            </a:r>
+          </a:p>
+        </p:txBody>
+      </p:sp>
+    </p:spTree>
+    <p:extLst>
+      <p:ext uri="{BB962C8B-B14F-4D97-AF65-F5344CB8AC3E}">
+        <p14:creationId xmlns:p14="http://schemas.microsoft.com/office/powerpoint/2010/main" val="3667457766"/>
+      </p:ext>
+    </p:extLst>
+  </p:cSld>
+  <p:clrMapOvr>
+    <a:masterClrMapping/>
+  </p:clrMapOvr>
+</p:sld>
+</file>
+
+<file path=ppt/slides/slide27.xml><?xml version="1.0" encoding="utf-8"?>
+<p:sld xmlns:a="http://schemas.openxmlformats.org/drawingml/2006/main" xmlns:r="http://schemas.openxmlformats.org/officeDocument/2006/relationships" xmlns:p="http://schemas.openxmlformats.org/presentationml/2006/main">
+  <p:cSld>
+    <p:spTree>
+      <p:nvGrpSpPr>
+        <p:cNvPr id="1" name=""/>
+        <p:cNvGrpSpPr/>
+        <p:nvPr/>
+      </p:nvGrpSpPr>
+      <p:grpSpPr>
+        <a:xfrm>
+          <a:off x="0" y="0"/>
+          <a:ext cx="0" cy="0"/>
+          <a:chOff x="0" y="0"/>
+          <a:chExt cx="0" cy="0"/>
+        </a:xfrm>
+      </p:grpSpPr>
+      <p:sp>
+        <p:nvSpPr>
+          <p:cNvPr id="2" name="Title 1">
+            <a:extLst>
+              <a:ext uri="{FF2B5EF4-FFF2-40B4-BE49-F238E27FC236}">
+                <a16:creationId xmlns:a16="http://schemas.microsoft.com/office/drawing/2014/main" id="{10181CA3-7E4A-494C-B301-F127134563BE}"/>
+              </a:ext>
+            </a:extLst>
+          </p:cNvPr>
+          <p:cNvSpPr>
+            <a:spLocks noGrp="1"/>
+          </p:cNvSpPr>
+          <p:nvPr>
+            <p:ph type="title"/>
+          </p:nvPr>
+        </p:nvSpPr>
+        <p:spPr/>
+        <p:txBody>
+          <a:bodyPr/>
+          <a:lstStyle/>
+          <a:p>
+            <a:r>
+              <a:rPr lang="en-US" dirty="0"/>
+              <a:t>Robustness to approaches</a:t>
+            </a:r>
+          </a:p>
+        </p:txBody>
+      </p:sp>
+      <p:sp>
+        <p:nvSpPr>
+          <p:cNvPr id="3" name="Content Placeholder 2">
+            <a:extLst>
+              <a:ext uri="{FF2B5EF4-FFF2-40B4-BE49-F238E27FC236}">
+                <a16:creationId xmlns:a16="http://schemas.microsoft.com/office/drawing/2014/main" id="{3B57467F-5EA2-2842-A316-35E38443AA15}"/>
+              </a:ext>
+            </a:extLst>
+          </p:cNvPr>
+          <p:cNvSpPr>
+            <a:spLocks noGrp="1"/>
+          </p:cNvSpPr>
+          <p:nvPr>
+            <p:ph idx="1"/>
+          </p:nvPr>
+        </p:nvSpPr>
+        <p:spPr/>
+        <p:txBody>
+          <a:bodyPr/>
+          <a:lstStyle/>
+          <a:p>
+            <a:r>
+              <a:rPr lang="en-US" dirty="0"/>
+              <a:t>If a placebo outcome is available, where you know the true treatment effect is zero, then you can tune your approach to the placebo outcome.</a:t>
+            </a:r>
+          </a:p>
+          <a:p>
+            <a:r>
+              <a:rPr lang="en-US" dirty="0"/>
+              <a:t>If not, then you have to balance the bias and variance of the approach. Specifically, the more generous your adjustment the more bias but smaller the variance you have.</a:t>
+            </a:r>
+          </a:p>
+        </p:txBody>
+      </p:sp>
+    </p:spTree>
+    <p:extLst>
+      <p:ext uri="{BB962C8B-B14F-4D97-AF65-F5344CB8AC3E}">
+        <p14:creationId xmlns:p14="http://schemas.microsoft.com/office/powerpoint/2010/main" val="1758845037"/>
+      </p:ext>
+    </p:extLst>
+  </p:cSld>
+  <p:clrMapOvr>
+    <a:masterClrMapping/>
+  </p:clrMapOvr>
+</p:sld>
+</file>
+
+<file path=ppt/slides/slide28.xml><?xml version="1.0" encoding="utf-8"?>
+<p:sld xmlns:a="http://schemas.openxmlformats.org/drawingml/2006/main" xmlns:r="http://schemas.openxmlformats.org/officeDocument/2006/relationships" xmlns:p="http://schemas.openxmlformats.org/presentationml/2006/main">
+  <p:cSld>
+    <p:spTree>
+      <p:nvGrpSpPr>
+        <p:cNvPr id="1" name=""/>
+        <p:cNvGrpSpPr/>
+        <p:nvPr/>
+      </p:nvGrpSpPr>
+      <p:grpSpPr>
+        <a:xfrm>
+          <a:off x="0" y="0"/>
+          <a:ext cx="0" cy="0"/>
+          <a:chOff x="0" y="0"/>
+          <a:chExt cx="0" cy="0"/>
+        </a:xfrm>
+      </p:grpSpPr>
+      <p:sp>
+        <p:nvSpPr>
+          <p:cNvPr id="2" name="Title 1">
+            <a:extLst>
+              <a:ext uri="{FF2B5EF4-FFF2-40B4-BE49-F238E27FC236}">
+                <a16:creationId xmlns:a16="http://schemas.microsoft.com/office/drawing/2014/main" id="{AA341210-5387-B446-9378-CDCAC9FBDA20}"/>
+              </a:ext>
+            </a:extLst>
+          </p:cNvPr>
+          <p:cNvSpPr>
+            <a:spLocks noGrp="1"/>
+          </p:cNvSpPr>
+          <p:nvPr>
+            <p:ph type="title"/>
+          </p:nvPr>
+        </p:nvSpPr>
+        <p:spPr/>
+        <p:txBody>
+          <a:bodyPr/>
+          <a:lstStyle/>
+          <a:p>
+            <a:endParaRPr lang="en-US"/>
+          </a:p>
+        </p:txBody>
+      </p:sp>
+      <p:sp>
+        <p:nvSpPr>
+          <p:cNvPr id="3" name="Content Placeholder 2">
+            <a:extLst>
+              <a:ext uri="{FF2B5EF4-FFF2-40B4-BE49-F238E27FC236}">
+                <a16:creationId xmlns:a16="http://schemas.microsoft.com/office/drawing/2014/main" id="{36A38251-ADF8-184C-B3E4-FEF4DBB929EE}"/>
+              </a:ext>
+            </a:extLst>
+          </p:cNvPr>
+          <p:cNvSpPr>
+            <a:spLocks noGrp="1"/>
+          </p:cNvSpPr>
+          <p:nvPr>
+            <p:ph idx="1"/>
+          </p:nvPr>
+        </p:nvSpPr>
+        <p:spPr/>
+        <p:txBody>
+          <a:bodyPr/>
+          <a:lstStyle/>
+          <a:p>
+            <a:endParaRPr lang="en-US"/>
+          </a:p>
+        </p:txBody>
+      </p:sp>
+    </p:spTree>
+    <p:extLst>
+      <p:ext uri="{BB962C8B-B14F-4D97-AF65-F5344CB8AC3E}">
+        <p14:creationId xmlns:p14="http://schemas.microsoft.com/office/powerpoint/2010/main" val="2426266303"/>
+      </p:ext>
+    </p:extLst>
+  </p:cSld>
+  <p:clrMapOvr>
+    <a:masterClrMapping/>
+  </p:clrMapOvr>
+</p:sld>
+</file>
+
+<file path=ppt/slides/slide29.xml><?xml version="1.0" encoding="utf-8"?>
+<p:sld xmlns:a="http://schemas.openxmlformats.org/drawingml/2006/main" xmlns:r="http://schemas.openxmlformats.org/officeDocument/2006/relationships" xmlns:p="http://schemas.openxmlformats.org/presentationml/2006/main">
+  <p:cSld>
+    <p:spTree>
+      <p:nvGrpSpPr>
+        <p:cNvPr id="1" name=""/>
+        <p:cNvGrpSpPr/>
+        <p:nvPr/>
+      </p:nvGrpSpPr>
+      <p:grpSpPr>
+        <a:xfrm>
+          <a:off x="0" y="0"/>
+          <a:ext cx="0" cy="0"/>
+          <a:chOff x="0" y="0"/>
+          <a:chExt cx="0" cy="0"/>
+        </a:xfrm>
+      </p:grpSpPr>
+      <p:sp>
+        <p:nvSpPr>
+          <p:cNvPr id="2" name="Title 1">
+            <a:extLst>
+              <a:ext uri="{FF2B5EF4-FFF2-40B4-BE49-F238E27FC236}">
+                <a16:creationId xmlns:a16="http://schemas.microsoft.com/office/drawing/2014/main" id="{C690DE15-963E-A147-A0A3-000A59DDC8D7}"/>
+              </a:ext>
+            </a:extLst>
+          </p:cNvPr>
+          <p:cNvSpPr>
+            <a:spLocks noGrp="1"/>
+          </p:cNvSpPr>
+          <p:nvPr>
+            <p:ph type="title"/>
+          </p:nvPr>
+        </p:nvSpPr>
+        <p:spPr/>
+        <p:txBody>
+          <a:bodyPr/>
+          <a:lstStyle/>
+          <a:p>
+            <a:r>
+              <a:rPr lang="en-US" dirty="0"/>
+              <a:t>Simulation of bias-variance trade-offs</a:t>
+            </a:r>
+          </a:p>
+        </p:txBody>
+      </p:sp>
+      <p:sp>
+        <p:nvSpPr>
+          <p:cNvPr id="3" name="Content Placeholder 2">
+            <a:extLst>
+              <a:ext uri="{FF2B5EF4-FFF2-40B4-BE49-F238E27FC236}">
+                <a16:creationId xmlns:a16="http://schemas.microsoft.com/office/drawing/2014/main" id="{A6D1FC84-32A1-F54D-8827-02F67C7802ED}"/>
+              </a:ext>
+            </a:extLst>
+          </p:cNvPr>
+          <p:cNvSpPr>
+            <a:spLocks noGrp="1"/>
+          </p:cNvSpPr>
+          <p:nvPr>
+            <p:ph idx="1"/>
+          </p:nvPr>
+        </p:nvSpPr>
+        <p:spPr/>
+        <p:txBody>
+          <a:bodyPr/>
+          <a:lstStyle/>
+          <a:p>
+            <a:endParaRPr lang="en-US"/>
+          </a:p>
+        </p:txBody>
+      </p:sp>
+    </p:spTree>
+    <p:extLst>
+      <p:ext uri="{BB962C8B-B14F-4D97-AF65-F5344CB8AC3E}">
+        <p14:creationId xmlns:p14="http://schemas.microsoft.com/office/powerpoint/2010/main" val="220049752"/>
+      </p:ext>
+    </p:extLst>
+  </p:cSld>
+  <p:clrMapOvr>
+    <a:masterClrMapping/>
+  </p:clrMapOvr>
+</p:sld>
+</file>
+
+<file path=ppt/slides/slide3.xml><?xml version="1.0" encoding="utf-8"?>
+<p:sld xmlns:a="http://schemas.openxmlformats.org/drawingml/2006/main" xmlns:r="http://schemas.openxmlformats.org/officeDocument/2006/relationships" xmlns:p="http://schemas.openxmlformats.org/presentationml/2006/main">
+  <p:cSld>
+    <p:spTree>
+      <p:nvGrpSpPr>
+        <p:cNvPr id="1" name=""/>
+        <p:cNvGrpSpPr/>
+        <p:nvPr/>
+      </p:nvGrpSpPr>
+      <p:grpSpPr>
+        <a:xfrm>
+          <a:off x="0" y="0"/>
+          <a:ext cx="0" cy="0"/>
+          <a:chOff x="0" y="0"/>
+          <a:chExt cx="0" cy="0"/>
+        </a:xfrm>
+      </p:grpSpPr>
+      <p:sp>
+        <p:nvSpPr>
+          <p:cNvPr id="2" name="Title 1">
+            <a:extLst>
+              <a:ext uri="{FF2B5EF4-FFF2-40B4-BE49-F238E27FC236}">
+                <a16:creationId xmlns:a16="http://schemas.microsoft.com/office/drawing/2014/main" id="{8D743B44-8F3E-9A48-977A-B0F4304BD9F7}"/>
+              </a:ext>
+            </a:extLst>
+          </p:cNvPr>
+          <p:cNvSpPr>
+            <a:spLocks noGrp="1"/>
+          </p:cNvSpPr>
+          <p:nvPr>
+            <p:ph type="title"/>
+          </p:nvPr>
+        </p:nvSpPr>
+        <p:spPr/>
+        <p:txBody>
+          <a:bodyPr/>
+          <a:lstStyle/>
+          <a:p>
+            <a:r>
+              <a:rPr lang="en-US" dirty="0"/>
+              <a:t>Overview</a:t>
+            </a:r>
+          </a:p>
+        </p:txBody>
+      </p:sp>
+      <p:sp>
+        <p:nvSpPr>
+          <p:cNvPr id="3" name="Content Placeholder 2">
+            <a:extLst>
+              <a:ext uri="{FF2B5EF4-FFF2-40B4-BE49-F238E27FC236}">
+                <a16:creationId xmlns:a16="http://schemas.microsoft.com/office/drawing/2014/main" id="{BE00AD45-E807-C644-8514-9D2CE7B7F813}"/>
+              </a:ext>
+            </a:extLst>
+          </p:cNvPr>
+          <p:cNvSpPr>
+            <a:spLocks noGrp="1"/>
+          </p:cNvSpPr>
+          <p:nvPr>
+            <p:ph idx="1"/>
+          </p:nvPr>
+        </p:nvSpPr>
+        <p:spPr/>
+        <p:txBody>
+          <a:bodyPr/>
+          <a:lstStyle/>
+          <a:p>
+            <a:r>
+              <a:rPr lang="en-US" dirty="0"/>
+              <a:t>This presentation will outline best practices for issues around causal inference which can be applied to other ML settings. </a:t>
+            </a:r>
+          </a:p>
+          <a:p>
+            <a:pPr marL="514350" indent="-514350">
+              <a:buAutoNum type="alphaUcPeriod"/>
+            </a:pPr>
+            <a:r>
+              <a:rPr lang="en-US" dirty="0"/>
+              <a:t>Outliers; </a:t>
+            </a:r>
+          </a:p>
+          <a:p>
+            <a:pPr marL="514350" indent="-514350">
+              <a:buAutoNum type="alphaUcPeriod"/>
+            </a:pPr>
+            <a:r>
+              <a:rPr lang="en-US" dirty="0"/>
+              <a:t>Feature Selection;</a:t>
+            </a:r>
+          </a:p>
+          <a:p>
+            <a:pPr marL="514350" indent="-514350">
+              <a:buAutoNum type="alphaUcPeriod"/>
+            </a:pPr>
+            <a:r>
+              <a:rPr lang="en-US" dirty="0"/>
+              <a:t>Bad Control ; and</a:t>
+            </a:r>
+          </a:p>
+          <a:p>
+            <a:pPr marL="514350" indent="-514350">
+              <a:buAutoNum type="alphaUcPeriod"/>
+            </a:pPr>
+            <a:r>
+              <a:rPr lang="en-US" dirty="0"/>
+              <a:t>Propensity Score Trimming</a:t>
+            </a:r>
+          </a:p>
+          <a:p>
+            <a:r>
+              <a:rPr lang="en-US" dirty="0"/>
+              <a:t>For each issue, we will discuss what the problem is, why it’s a problem, and a solution outline.</a:t>
+            </a:r>
+          </a:p>
+        </p:txBody>
+      </p:sp>
+    </p:spTree>
+    <p:extLst>
+      <p:ext uri="{BB962C8B-B14F-4D97-AF65-F5344CB8AC3E}">
+        <p14:creationId xmlns:p14="http://schemas.microsoft.com/office/powerpoint/2010/main" val="314643715"/>
+      </p:ext>
+    </p:extLst>
+  </p:cSld>
+  <p:clrMapOvr>
+    <a:masterClrMapping/>
+  </p:clrMapOvr>
+</p:sld>
+</file>
+
+<file path=ppt/slides/slide30.xml><?xml version="1.0" encoding="utf-8"?>
 <p:sld xmlns:a="http://schemas.openxmlformats.org/drawingml/2006/main" xmlns:r="http://schemas.openxmlformats.org/officeDocument/2006/relationships" xmlns:p="http://schemas.openxmlformats.org/presentationml/2006/main">
   <p:cSld>
     <p:spTree>
@@ -7104,7 +9499,7 @@
 </p:sld>
 </file>
 
-<file path=ppt/slides/slide24.xml><?xml version="1.0" encoding="utf-8"?>
+<file path=ppt/slides/slide31.xml><?xml version="1.0" encoding="utf-8"?>
 <p:sld xmlns:a="http://schemas.openxmlformats.org/drawingml/2006/main" xmlns:r="http://schemas.openxmlformats.org/officeDocument/2006/relationships" xmlns:p="http://schemas.openxmlformats.org/presentationml/2006/main">
   <p:cSld>
     <p:spTree>
@@ -7251,7 +9646,7 @@
 </p:sld>
 </file>
 
-<file path=ppt/slides/slide3.xml><?xml version="1.0" encoding="utf-8"?>
+<file path=ppt/slides/slide32.xml><?xml version="1.0" encoding="utf-8"?>
 <p:sld xmlns:a="http://schemas.openxmlformats.org/drawingml/2006/main" xmlns:r="http://schemas.openxmlformats.org/officeDocument/2006/relationships" xmlns:p="http://schemas.openxmlformats.org/presentationml/2006/main">
   <p:cSld>
     <p:spTree>
@@ -7273,7 +9668,7 @@
           <p:cNvPr id="2" name="Title 1">
             <a:extLst>
               <a:ext uri="{FF2B5EF4-FFF2-40B4-BE49-F238E27FC236}">
-                <a16:creationId xmlns:a16="http://schemas.microsoft.com/office/drawing/2014/main" id="{8D743B44-8F3E-9A48-977A-B0F4304BD9F7}"/>
+                <a16:creationId xmlns:a16="http://schemas.microsoft.com/office/drawing/2014/main" id="{F4A7ACDE-E4D4-B44B-BF09-2A24B3857936}"/>
               </a:ext>
             </a:extLst>
           </p:cNvPr>
@@ -7291,85 +9686,1188 @@
           <a:p>
             <a:r>
               <a:rPr lang="en-US" dirty="0"/>
-              <a:t>Overview</a:t>
+              <a:t>Weighting in OLS</a:t>
             </a:r>
           </a:p>
         </p:txBody>
       </p:sp>
-      <p:sp>
-        <p:nvSpPr>
-          <p:cNvPr id="3" name="Content Placeholder 2">
-            <a:extLst>
-              <a:ext uri="{FF2B5EF4-FFF2-40B4-BE49-F238E27FC236}">
-                <a16:creationId xmlns:a16="http://schemas.microsoft.com/office/drawing/2014/main" id="{BE00AD45-E807-C644-8514-9D2CE7B7F813}"/>
-              </a:ext>
-            </a:extLst>
-          </p:cNvPr>
-          <p:cNvSpPr>
-            <a:spLocks noGrp="1"/>
-          </p:cNvSpPr>
-          <p:nvPr>
-            <p:ph idx="1"/>
-          </p:nvPr>
-        </p:nvSpPr>
-        <p:spPr/>
-        <p:txBody>
-          <a:bodyPr/>
-          <a:lstStyle/>
-          <a:p>
-            <a:r>
-              <a:rPr lang="en-US" dirty="0"/>
-              <a:t>This presentation will outline best practices for issues around causal inference which can be applied to other ML settings. </a:t>
-            </a:r>
-          </a:p>
-          <a:p>
-            <a:pPr marL="514350" indent="-514350">
-              <a:buAutoNum type="alphaUcPeriod"/>
-            </a:pPr>
-            <a:r>
-              <a:rPr lang="en-US" dirty="0"/>
-              <a:t>Outliers; </a:t>
-            </a:r>
-          </a:p>
-          <a:p>
-            <a:pPr marL="514350" indent="-514350">
-              <a:buAutoNum type="alphaUcPeriod"/>
-            </a:pPr>
-            <a:r>
-              <a:rPr lang="en-US" dirty="0"/>
-              <a:t>Feature Selection;</a:t>
-            </a:r>
-          </a:p>
-          <a:p>
-            <a:pPr marL="514350" indent="-514350">
-              <a:buAutoNum type="alphaUcPeriod"/>
-            </a:pPr>
-            <a:r>
-              <a:rPr lang="en-US" dirty="0"/>
-              <a:t>Bad Control ; and</a:t>
-            </a:r>
-          </a:p>
-          <a:p>
-            <a:pPr marL="514350" indent="-514350">
-              <a:buAutoNum type="alphaUcPeriod"/>
-            </a:pPr>
-            <a:r>
-              <a:rPr lang="en-US" dirty="0"/>
-              <a:t>Propensity Score Trimming</a:t>
-            </a:r>
-          </a:p>
-          <a:p>
-            <a:r>
-              <a:rPr lang="en-US" dirty="0"/>
-              <a:t>For each issue, we will discuss what the problem is, why it’s a problem, and a solution outline.</a:t>
-            </a:r>
-          </a:p>
-        </p:txBody>
-      </p:sp>
+      <mc:AlternateContent xmlns:mc="http://schemas.openxmlformats.org/markup-compatibility/2006">
+        <mc:Choice xmlns:a14="http://schemas.microsoft.com/office/drawing/2010/main" Requires="a14">
+          <p:sp>
+            <p:nvSpPr>
+              <p:cNvPr id="3" name="Content Placeholder 2">
+                <a:extLst>
+                  <a:ext uri="{FF2B5EF4-FFF2-40B4-BE49-F238E27FC236}">
+                    <a16:creationId xmlns:a16="http://schemas.microsoft.com/office/drawing/2014/main" id="{D4088569-55DD-A94B-AD75-90C756E98060}"/>
+                  </a:ext>
+                </a:extLst>
+              </p:cNvPr>
+              <p:cNvSpPr>
+                <a:spLocks noGrp="1"/>
+              </p:cNvSpPr>
+              <p:nvPr>
+                <p:ph idx="1"/>
+              </p:nvPr>
+            </p:nvSpPr>
+            <p:spPr/>
+            <p:txBody>
+              <a:bodyPr>
+                <a:normAutofit fontScale="92500"/>
+              </a:bodyPr>
+              <a:lstStyle/>
+              <a:p>
+                <a:r>
+                  <a:rPr lang="en-US" dirty="0"/>
+                  <a:t>From the Frisch-Waugh-Lovell theorem, we can express </a:t>
+                </a:r>
+                <a14:m>
+                  <m:oMath xmlns:m="http://schemas.openxmlformats.org/officeDocument/2006/math">
+                    <m:acc>
+                      <m:accPr>
+                        <m:chr m:val="̂"/>
+                        <m:ctrlPr>
+                          <a:rPr lang="en-US" b="0" i="1" dirty="0" smtClean="0">
+                            <a:latin typeface="Cambria Math" panose="02040503050406030204" pitchFamily="18" charset="0"/>
+                          </a:rPr>
+                        </m:ctrlPr>
+                      </m:accPr>
+                      <m:e>
+                        <m:r>
+                          <a:rPr lang="en-US" i="1">
+                            <a:latin typeface="Cambria Math" panose="02040503050406030204" pitchFamily="18" charset="0"/>
+                          </a:rPr>
+                          <m:t>𝜏</m:t>
+                        </m:r>
+                      </m:e>
+                    </m:acc>
+                  </m:oMath>
+                </a14:m>
+                <a:r>
+                  <a:rPr lang="en-US" dirty="0"/>
+                  <a:t> as:</a:t>
+                </a:r>
+              </a:p>
+              <a:p>
+                <a:pPr marL="0" indent="0">
+                  <a:buNone/>
+                </a:pPr>
+                <a14:m>
+                  <m:oMathPara xmlns:m="http://schemas.openxmlformats.org/officeDocument/2006/math">
+                    <m:oMathParaPr>
+                      <m:jc m:val="centerGroup"/>
+                    </m:oMathParaPr>
+                    <m:oMath xmlns:m="http://schemas.openxmlformats.org/officeDocument/2006/math">
+                      <m:acc>
+                        <m:accPr>
+                          <m:chr m:val="̂"/>
+                          <m:ctrlPr>
+                            <a:rPr lang="en-US" i="1" dirty="0">
+                              <a:latin typeface="Cambria Math" panose="02040503050406030204" pitchFamily="18" charset="0"/>
+                            </a:rPr>
+                          </m:ctrlPr>
+                        </m:accPr>
+                        <m:e>
+                          <m:r>
+                            <a:rPr lang="en-US" i="1" dirty="0">
+                              <a:latin typeface="Cambria Math" panose="02040503050406030204" pitchFamily="18" charset="0"/>
+                            </a:rPr>
+                            <m:t>𝜏</m:t>
+                          </m:r>
+                        </m:e>
+                      </m:acc>
+                      <m:r>
+                        <a:rPr lang="en-US" i="1" dirty="0">
+                          <a:latin typeface="Cambria Math" panose="02040503050406030204" pitchFamily="18" charset="0"/>
+                        </a:rPr>
+                        <m:t>=</m:t>
+                      </m:r>
+                      <m:f>
+                        <m:fPr>
+                          <m:ctrlPr>
+                            <a:rPr lang="en-US" i="1" dirty="0">
+                              <a:latin typeface="Cambria Math" panose="02040503050406030204" pitchFamily="18" charset="0"/>
+                            </a:rPr>
+                          </m:ctrlPr>
+                        </m:fPr>
+                        <m:num>
+                          <m:r>
+                            <a:rPr lang="en-US" b="0" i="1" dirty="0" smtClean="0">
+                              <a:latin typeface="Cambria Math" panose="02040503050406030204" pitchFamily="18" charset="0"/>
+                            </a:rPr>
+                            <m:t>𝐸</m:t>
+                          </m:r>
+                          <m:d>
+                            <m:dPr>
+                              <m:begChr m:val="["/>
+                              <m:endChr m:val="]"/>
+                              <m:ctrlPr>
+                                <a:rPr lang="en-US" b="0" i="1" dirty="0" smtClean="0">
+                                  <a:latin typeface="Cambria Math" panose="02040503050406030204" pitchFamily="18" charset="0"/>
+                                </a:rPr>
+                              </m:ctrlPr>
+                            </m:dPr>
+                            <m:e>
+                              <m:sSub>
+                                <m:sSubPr>
+                                  <m:ctrlPr>
+                                    <a:rPr lang="en-US" b="0" i="1" dirty="0" smtClean="0">
+                                      <a:latin typeface="Cambria Math" panose="02040503050406030204" pitchFamily="18" charset="0"/>
+                                    </a:rPr>
+                                  </m:ctrlPr>
+                                </m:sSubPr>
+                                <m:e>
+                                  <m:r>
+                                    <a:rPr lang="en-US" b="0" i="1" dirty="0" smtClean="0">
+                                      <a:latin typeface="Cambria Math" panose="02040503050406030204" pitchFamily="18" charset="0"/>
+                                    </a:rPr>
+                                    <m:t>𝑊</m:t>
+                                  </m:r>
+                                </m:e>
+                                <m:sub>
+                                  <m:r>
+                                    <a:rPr lang="en-US" b="0" i="1" dirty="0" smtClean="0">
+                                      <a:latin typeface="Cambria Math" panose="02040503050406030204" pitchFamily="18" charset="0"/>
+                                    </a:rPr>
+                                    <m:t>𝑖</m:t>
+                                  </m:r>
+                                </m:sub>
+                              </m:sSub>
+                              <m:r>
+                                <a:rPr lang="en-US" b="0" i="1" dirty="0" smtClean="0">
+                                  <a:latin typeface="Cambria Math" panose="02040503050406030204" pitchFamily="18" charset="0"/>
+                                </a:rPr>
+                                <m:t>−</m:t>
+                              </m:r>
+                              <m:r>
+                                <a:rPr lang="en-US" b="0" i="1" dirty="0" smtClean="0">
+                                  <a:latin typeface="Cambria Math" panose="02040503050406030204" pitchFamily="18" charset="0"/>
+                                </a:rPr>
+                                <m:t>𝐸</m:t>
+                              </m:r>
+                              <m:r>
+                                <a:rPr lang="en-US" b="0" i="1" dirty="0" smtClean="0">
+                                  <a:latin typeface="Cambria Math" panose="02040503050406030204" pitchFamily="18" charset="0"/>
+                                </a:rPr>
+                                <m:t>[</m:t>
+                              </m:r>
+                              <m:sSub>
+                                <m:sSubPr>
+                                  <m:ctrlPr>
+                                    <a:rPr lang="en-US" b="0" i="1" dirty="0" smtClean="0">
+                                      <a:latin typeface="Cambria Math" panose="02040503050406030204" pitchFamily="18" charset="0"/>
+                                    </a:rPr>
+                                  </m:ctrlPr>
+                                </m:sSubPr>
+                                <m:e>
+                                  <m:r>
+                                    <a:rPr lang="en-US" b="0" i="1" dirty="0" smtClean="0">
+                                      <a:latin typeface="Cambria Math" panose="02040503050406030204" pitchFamily="18" charset="0"/>
+                                    </a:rPr>
+                                    <m:t>𝑊</m:t>
+                                  </m:r>
+                                </m:e>
+                                <m:sub>
+                                  <m:r>
+                                    <a:rPr lang="en-US" b="0" i="1" dirty="0" smtClean="0">
+                                      <a:latin typeface="Cambria Math" panose="02040503050406030204" pitchFamily="18" charset="0"/>
+                                    </a:rPr>
+                                    <m:t>𝑖</m:t>
+                                  </m:r>
+                                </m:sub>
+                              </m:sSub>
+                              <m:r>
+                                <a:rPr lang="en-US" b="0" i="1" dirty="0" smtClean="0">
+                                  <a:latin typeface="Cambria Math" panose="02040503050406030204" pitchFamily="18" charset="0"/>
+                                </a:rPr>
+                                <m:t>|</m:t>
+                              </m:r>
+                              <m:sSub>
+                                <m:sSubPr>
+                                  <m:ctrlPr>
+                                    <a:rPr lang="en-US" b="0" i="1" dirty="0" smtClean="0">
+                                      <a:latin typeface="Cambria Math" panose="02040503050406030204" pitchFamily="18" charset="0"/>
+                                    </a:rPr>
+                                  </m:ctrlPr>
+                                </m:sSubPr>
+                                <m:e>
+                                  <m:r>
+                                    <a:rPr lang="en-US" b="0" i="1" dirty="0" smtClean="0">
+                                      <a:latin typeface="Cambria Math" panose="02040503050406030204" pitchFamily="18" charset="0"/>
+                                    </a:rPr>
+                                    <m:t>𝑋</m:t>
+                                  </m:r>
+                                </m:e>
+                                <m:sub>
+                                  <m:r>
+                                    <a:rPr lang="en-US" b="0" i="1" dirty="0" smtClean="0">
+                                      <a:latin typeface="Cambria Math" panose="02040503050406030204" pitchFamily="18" charset="0"/>
+                                    </a:rPr>
+                                    <m:t>𝑖</m:t>
+                                  </m:r>
+                                </m:sub>
+                              </m:sSub>
+                            </m:e>
+                          </m:d>
+                          <m:r>
+                            <a:rPr lang="en-US" b="0" i="1" dirty="0" smtClean="0">
+                              <a:latin typeface="Cambria Math" panose="02040503050406030204" pitchFamily="18" charset="0"/>
+                            </a:rPr>
+                            <m:t>] </m:t>
+                          </m:r>
+                          <m:r>
+                            <a:rPr lang="en-US" b="0" i="1" dirty="0" smtClean="0">
+                              <a:latin typeface="Cambria Math" panose="02040503050406030204" pitchFamily="18" charset="0"/>
+                            </a:rPr>
+                            <m:t>𝐸</m:t>
+                          </m:r>
+                          <m:d>
+                            <m:dPr>
+                              <m:begChr m:val="["/>
+                              <m:endChr m:val="]"/>
+                              <m:ctrlPr>
+                                <a:rPr lang="en-US" b="0" i="1" dirty="0" smtClean="0">
+                                  <a:latin typeface="Cambria Math" panose="02040503050406030204" pitchFamily="18" charset="0"/>
+                                </a:rPr>
+                              </m:ctrlPr>
+                            </m:dPr>
+                            <m:e>
+                              <m:r>
+                                <a:rPr lang="en-US" b="0" i="1" dirty="0" smtClean="0">
+                                  <a:latin typeface="Cambria Math" panose="02040503050406030204" pitchFamily="18" charset="0"/>
+                                </a:rPr>
+                                <m:t>𝑌</m:t>
+                              </m:r>
+                              <m:r>
+                                <a:rPr lang="en-US" b="0" i="1" dirty="0" smtClean="0">
+                                  <a:latin typeface="Cambria Math" panose="02040503050406030204" pitchFamily="18" charset="0"/>
+                                </a:rPr>
+                                <m:t>|</m:t>
+                              </m:r>
+                              <m:sSub>
+                                <m:sSubPr>
+                                  <m:ctrlPr>
+                                    <a:rPr lang="en-US" b="0" i="1" dirty="0" smtClean="0">
+                                      <a:latin typeface="Cambria Math" panose="02040503050406030204" pitchFamily="18" charset="0"/>
+                                    </a:rPr>
+                                  </m:ctrlPr>
+                                </m:sSubPr>
+                                <m:e>
+                                  <m:r>
+                                    <a:rPr lang="en-US" b="0" i="1" dirty="0" smtClean="0">
+                                      <a:latin typeface="Cambria Math" panose="02040503050406030204" pitchFamily="18" charset="0"/>
+                                    </a:rPr>
+                                    <m:t>𝑊</m:t>
+                                  </m:r>
+                                </m:e>
+                                <m:sub>
+                                  <m:r>
+                                    <a:rPr lang="en-US" b="0" i="1" dirty="0" smtClean="0">
+                                      <a:latin typeface="Cambria Math" panose="02040503050406030204" pitchFamily="18" charset="0"/>
+                                    </a:rPr>
+                                    <m:t>𝑖</m:t>
+                                  </m:r>
+                                </m:sub>
+                              </m:sSub>
+                              <m:r>
+                                <a:rPr lang="en-US" b="0" i="1" dirty="0" smtClean="0">
+                                  <a:latin typeface="Cambria Math" panose="02040503050406030204" pitchFamily="18" charset="0"/>
+                                </a:rPr>
+                                <m:t>, </m:t>
+                              </m:r>
+                              <m:sSub>
+                                <m:sSubPr>
+                                  <m:ctrlPr>
+                                    <a:rPr lang="en-US" b="0" i="1" dirty="0" smtClean="0">
+                                      <a:latin typeface="Cambria Math" panose="02040503050406030204" pitchFamily="18" charset="0"/>
+                                    </a:rPr>
+                                  </m:ctrlPr>
+                                </m:sSubPr>
+                                <m:e>
+                                  <m:r>
+                                    <a:rPr lang="en-US" b="0" i="1" dirty="0" smtClean="0">
+                                      <a:latin typeface="Cambria Math" panose="02040503050406030204" pitchFamily="18" charset="0"/>
+                                    </a:rPr>
+                                    <m:t>𝑋</m:t>
+                                  </m:r>
+                                </m:e>
+                                <m:sub>
+                                  <m:r>
+                                    <a:rPr lang="en-US" b="0" i="1" dirty="0" smtClean="0">
+                                      <a:latin typeface="Cambria Math" panose="02040503050406030204" pitchFamily="18" charset="0"/>
+                                    </a:rPr>
+                                    <m:t>𝑖</m:t>
+                                  </m:r>
+                                </m:sub>
+                              </m:sSub>
+                            </m:e>
+                          </m:d>
+                        </m:num>
+                        <m:den>
+                          <m:r>
+                            <a:rPr lang="en-US" i="1" dirty="0">
+                              <a:latin typeface="Cambria Math" panose="02040503050406030204" pitchFamily="18" charset="0"/>
+                            </a:rPr>
+                            <m:t>𝐸</m:t>
+                          </m:r>
+                          <m:r>
+                            <a:rPr lang="en-US" b="0" i="1" dirty="0" smtClean="0">
+                              <a:latin typeface="Cambria Math" panose="02040503050406030204" pitchFamily="18" charset="0"/>
+                            </a:rPr>
+                            <m:t>[</m:t>
+                          </m:r>
+                          <m:sSup>
+                            <m:sSupPr>
+                              <m:ctrlPr>
+                                <a:rPr lang="en-US" b="0" i="1" dirty="0" smtClean="0">
+                                  <a:latin typeface="Cambria Math" panose="02040503050406030204" pitchFamily="18" charset="0"/>
+                                </a:rPr>
+                              </m:ctrlPr>
+                            </m:sSupPr>
+                            <m:e>
+                              <m:r>
+                                <a:rPr lang="en-US" b="0" i="1" dirty="0" smtClean="0">
+                                  <a:latin typeface="Cambria Math" panose="02040503050406030204" pitchFamily="18" charset="0"/>
+                                </a:rPr>
+                                <m:t>(</m:t>
+                              </m:r>
+                              <m:sSub>
+                                <m:sSubPr>
+                                  <m:ctrlPr>
+                                    <a:rPr lang="en-US" b="0" i="1" dirty="0" smtClean="0">
+                                      <a:latin typeface="Cambria Math" panose="02040503050406030204" pitchFamily="18" charset="0"/>
+                                    </a:rPr>
+                                  </m:ctrlPr>
+                                </m:sSubPr>
+                                <m:e>
+                                  <m:r>
+                                    <a:rPr lang="en-US" b="0" i="1" dirty="0" smtClean="0">
+                                      <a:latin typeface="Cambria Math" panose="02040503050406030204" pitchFamily="18" charset="0"/>
+                                    </a:rPr>
+                                    <m:t>𝑊</m:t>
+                                  </m:r>
+                                </m:e>
+                                <m:sub>
+                                  <m:r>
+                                    <a:rPr lang="en-US" b="0" i="1" dirty="0" smtClean="0">
+                                      <a:latin typeface="Cambria Math" panose="02040503050406030204" pitchFamily="18" charset="0"/>
+                                    </a:rPr>
+                                    <m:t>𝑖</m:t>
+                                  </m:r>
+                                </m:sub>
+                              </m:sSub>
+                              <m:r>
+                                <a:rPr lang="en-US" b="0" i="1" dirty="0" smtClean="0">
+                                  <a:latin typeface="Cambria Math" panose="02040503050406030204" pitchFamily="18" charset="0"/>
+                                </a:rPr>
+                                <m:t>−</m:t>
+                              </m:r>
+                              <m:r>
+                                <a:rPr lang="en-US" b="0" i="1" dirty="0" smtClean="0">
+                                  <a:latin typeface="Cambria Math" panose="02040503050406030204" pitchFamily="18" charset="0"/>
+                                </a:rPr>
+                                <m:t>𝐸</m:t>
+                              </m:r>
+                              <m:r>
+                                <a:rPr lang="en-US" b="0" i="1" dirty="0" smtClean="0">
+                                  <a:latin typeface="Cambria Math" panose="02040503050406030204" pitchFamily="18" charset="0"/>
+                                </a:rPr>
+                                <m:t>[</m:t>
+                              </m:r>
+                              <m:sSub>
+                                <m:sSubPr>
+                                  <m:ctrlPr>
+                                    <a:rPr lang="en-US" b="0" i="1" dirty="0" smtClean="0">
+                                      <a:latin typeface="Cambria Math" panose="02040503050406030204" pitchFamily="18" charset="0"/>
+                                    </a:rPr>
+                                  </m:ctrlPr>
+                                </m:sSubPr>
+                                <m:e>
+                                  <m:r>
+                                    <a:rPr lang="en-US" b="0" i="1" dirty="0" smtClean="0">
+                                      <a:latin typeface="Cambria Math" panose="02040503050406030204" pitchFamily="18" charset="0"/>
+                                    </a:rPr>
+                                    <m:t>𝑊</m:t>
+                                  </m:r>
+                                </m:e>
+                                <m:sub>
+                                  <m:r>
+                                    <a:rPr lang="en-US" b="0" i="1" dirty="0" smtClean="0">
+                                      <a:latin typeface="Cambria Math" panose="02040503050406030204" pitchFamily="18" charset="0"/>
+                                    </a:rPr>
+                                    <m:t>𝑖</m:t>
+                                  </m:r>
+                                </m:sub>
+                              </m:sSub>
+                              <m:r>
+                                <a:rPr lang="en-US" b="0" i="1" dirty="0" smtClean="0">
+                                  <a:latin typeface="Cambria Math" panose="02040503050406030204" pitchFamily="18" charset="0"/>
+                                </a:rPr>
+                                <m:t>|</m:t>
+                              </m:r>
+                              <m:sSub>
+                                <m:sSubPr>
+                                  <m:ctrlPr>
+                                    <a:rPr lang="en-US" b="0" i="1" dirty="0" smtClean="0">
+                                      <a:latin typeface="Cambria Math" panose="02040503050406030204" pitchFamily="18" charset="0"/>
+                                    </a:rPr>
+                                  </m:ctrlPr>
+                                </m:sSubPr>
+                                <m:e>
+                                  <m:r>
+                                    <a:rPr lang="en-US" b="0" i="1" dirty="0" smtClean="0">
+                                      <a:latin typeface="Cambria Math" panose="02040503050406030204" pitchFamily="18" charset="0"/>
+                                    </a:rPr>
+                                    <m:t>𝑋</m:t>
+                                  </m:r>
+                                </m:e>
+                                <m:sub>
+                                  <m:r>
+                                    <a:rPr lang="en-US" b="0" i="1" dirty="0" smtClean="0">
+                                      <a:latin typeface="Cambria Math" panose="02040503050406030204" pitchFamily="18" charset="0"/>
+                                    </a:rPr>
+                                    <m:t>𝑖</m:t>
+                                  </m:r>
+                                </m:sub>
+                              </m:sSub>
+                              <m:r>
+                                <a:rPr lang="en-US" b="0" i="1" dirty="0" smtClean="0">
+                                  <a:latin typeface="Cambria Math" panose="02040503050406030204" pitchFamily="18" charset="0"/>
+                                </a:rPr>
+                                <m:t>])</m:t>
+                              </m:r>
+                            </m:e>
+                            <m:sup>
+                              <m:r>
+                                <a:rPr lang="en-US" b="0" i="1" dirty="0" smtClean="0">
+                                  <a:latin typeface="Cambria Math" panose="02040503050406030204" pitchFamily="18" charset="0"/>
+                                </a:rPr>
+                                <m:t>2</m:t>
+                              </m:r>
+                            </m:sup>
+                          </m:sSup>
+                          <m:r>
+                            <a:rPr lang="en-US" b="0" i="1" dirty="0" smtClean="0">
+                              <a:latin typeface="Cambria Math" panose="02040503050406030204" pitchFamily="18" charset="0"/>
+                            </a:rPr>
+                            <m:t> </m:t>
+                          </m:r>
+                          <m:r>
+                            <a:rPr lang="en-US" i="1" dirty="0">
+                              <a:latin typeface="Cambria Math" panose="02040503050406030204" pitchFamily="18" charset="0"/>
+                            </a:rPr>
+                            <m:t>]</m:t>
+                          </m:r>
+                        </m:den>
+                      </m:f>
+                    </m:oMath>
+                  </m:oMathPara>
+                </a14:m>
+                <a:endParaRPr lang="en-US" dirty="0"/>
+              </a:p>
+              <a:p>
+                <a:r>
+                  <a:rPr lang="en-US" dirty="0"/>
+                  <a:t>This is also the OLS estimator. </a:t>
+                </a:r>
+              </a:p>
+              <a:p>
+                <a:r>
+                  <a:rPr lang="en-US" dirty="0"/>
+                  <a:t>Weighting enters the scenario because the above can be re-expressed as:</a:t>
+                </a:r>
+              </a:p>
+              <a:p>
+                <a:pPr marL="0" indent="0">
+                  <a:buNone/>
+                </a:pPr>
+                <a14:m>
+                  <m:oMathPara xmlns:m="http://schemas.openxmlformats.org/officeDocument/2006/math">
+                    <m:oMathParaPr>
+                      <m:jc m:val="centerGroup"/>
+                    </m:oMathParaPr>
+                    <m:oMath xmlns:m="http://schemas.openxmlformats.org/officeDocument/2006/math">
+                      <m:acc>
+                        <m:accPr>
+                          <m:chr m:val="̂"/>
+                          <m:ctrlPr>
+                            <a:rPr lang="en-US" i="1" dirty="0">
+                              <a:latin typeface="Cambria Math" panose="02040503050406030204" pitchFamily="18" charset="0"/>
+                            </a:rPr>
+                          </m:ctrlPr>
+                        </m:accPr>
+                        <m:e>
+                          <m:r>
+                            <a:rPr lang="en-US" i="1" dirty="0">
+                              <a:latin typeface="Cambria Math" panose="02040503050406030204" pitchFamily="18" charset="0"/>
+                            </a:rPr>
+                            <m:t>𝜏</m:t>
+                          </m:r>
+                        </m:e>
+                      </m:acc>
+                      <m:r>
+                        <a:rPr lang="en-US" b="0" i="1" dirty="0" smtClean="0">
+                          <a:latin typeface="Cambria Math" panose="02040503050406030204" pitchFamily="18" charset="0"/>
+                        </a:rPr>
+                        <m:t>=</m:t>
+                      </m:r>
+                      <m:f>
+                        <m:fPr>
+                          <m:ctrlPr>
+                            <a:rPr lang="en-US" b="0" i="1" dirty="0" smtClean="0">
+                              <a:latin typeface="Cambria Math" panose="02040503050406030204" pitchFamily="18" charset="0"/>
+                            </a:rPr>
+                          </m:ctrlPr>
+                        </m:fPr>
+                        <m:num>
+                          <m:nary>
+                            <m:naryPr>
+                              <m:chr m:val="∑"/>
+                              <m:supHide m:val="on"/>
+                              <m:ctrlPr>
+                                <a:rPr lang="en-US" b="0" i="1" dirty="0" smtClean="0">
+                                  <a:latin typeface="Cambria Math" panose="02040503050406030204" pitchFamily="18" charset="0"/>
+                                </a:rPr>
+                              </m:ctrlPr>
+                            </m:naryPr>
+                            <m:sub>
+                              <m:r>
+                                <a:rPr lang="en-US" b="0" i="1" dirty="0" smtClean="0">
+                                  <a:latin typeface="Cambria Math" panose="02040503050406030204" pitchFamily="18" charset="0"/>
+                                </a:rPr>
+                                <m:t>𝑥</m:t>
+                              </m:r>
+                            </m:sub>
+                            <m:sup/>
+                            <m:e>
+                              <m:sSub>
+                                <m:sSubPr>
+                                  <m:ctrlPr>
+                                    <a:rPr lang="en-US" i="1" dirty="0">
+                                      <a:latin typeface="Cambria Math" panose="02040503050406030204" pitchFamily="18" charset="0"/>
+                                    </a:rPr>
+                                  </m:ctrlPr>
+                                </m:sSubPr>
+                                <m:e>
+                                  <m:r>
+                                    <a:rPr lang="en-US" i="1" dirty="0">
+                                      <a:latin typeface="Cambria Math" panose="02040503050406030204" pitchFamily="18" charset="0"/>
+                                    </a:rPr>
+                                    <m:t>𝛿</m:t>
+                                  </m:r>
+                                </m:e>
+                                <m:sub>
+                                  <m:r>
+                                    <a:rPr lang="en-US" i="1" dirty="0">
+                                      <a:latin typeface="Cambria Math" panose="02040503050406030204" pitchFamily="18" charset="0"/>
+                                    </a:rPr>
+                                    <m:t>𝑥</m:t>
+                                  </m:r>
+                                </m:sub>
+                              </m:sSub>
+                              <m:d>
+                                <m:dPr>
+                                  <m:begChr m:val="["/>
+                                  <m:endChr m:val="]"/>
+                                  <m:ctrlPr>
+                                    <a:rPr lang="en-US" i="1" dirty="0">
+                                      <a:latin typeface="Cambria Math" panose="02040503050406030204" pitchFamily="18" charset="0"/>
+                                    </a:rPr>
+                                  </m:ctrlPr>
+                                </m:dPr>
+                                <m:e>
+                                  <m:r>
+                                    <a:rPr lang="en-US" i="1" dirty="0">
+                                      <a:latin typeface="Cambria Math" panose="02040503050406030204" pitchFamily="18" charset="0"/>
+                                    </a:rPr>
+                                    <m:t>𝑃</m:t>
+                                  </m:r>
+                                  <m:r>
+                                    <a:rPr lang="en-US" i="1" dirty="0">
+                                      <a:latin typeface="Cambria Math" panose="02040503050406030204" pitchFamily="18" charset="0"/>
+                                    </a:rPr>
+                                    <m:t>(</m:t>
+                                  </m:r>
+                                  <m:sSub>
+                                    <m:sSubPr>
+                                      <m:ctrlPr>
+                                        <a:rPr lang="en-US" i="1" dirty="0">
+                                          <a:latin typeface="Cambria Math" panose="02040503050406030204" pitchFamily="18" charset="0"/>
+                                        </a:rPr>
+                                      </m:ctrlPr>
+                                    </m:sSubPr>
+                                    <m:e>
+                                      <m:r>
+                                        <a:rPr lang="en-US" i="1" dirty="0">
+                                          <a:latin typeface="Cambria Math" panose="02040503050406030204" pitchFamily="18" charset="0"/>
+                                        </a:rPr>
+                                        <m:t>𝑋</m:t>
+                                      </m:r>
+                                    </m:e>
+                                    <m:sub>
+                                      <m:r>
+                                        <a:rPr lang="en-US" i="1" dirty="0">
+                                          <a:latin typeface="Cambria Math" panose="02040503050406030204" pitchFamily="18" charset="0"/>
+                                        </a:rPr>
+                                        <m:t>𝑖</m:t>
+                                      </m:r>
+                                    </m:sub>
+                                  </m:sSub>
+                                  <m:r>
+                                    <a:rPr lang="en-US" i="1" dirty="0">
+                                      <a:latin typeface="Cambria Math" panose="02040503050406030204" pitchFamily="18" charset="0"/>
+                                    </a:rPr>
+                                    <m:t>=</m:t>
+                                  </m:r>
+                                  <m:r>
+                                    <a:rPr lang="en-US" i="1" dirty="0">
+                                      <a:latin typeface="Cambria Math" panose="02040503050406030204" pitchFamily="18" charset="0"/>
+                                    </a:rPr>
+                                    <m:t>𝑥</m:t>
+                                  </m:r>
+                                  <m:r>
+                                    <a:rPr lang="en-US" i="1" dirty="0">
+                                      <a:latin typeface="Cambria Math" panose="02040503050406030204" pitchFamily="18" charset="0"/>
+                                    </a:rPr>
+                                    <m:t>)(1−</m:t>
+                                  </m:r>
+                                  <m:r>
+                                    <a:rPr lang="en-US" i="1" dirty="0">
+                                      <a:latin typeface="Cambria Math" panose="02040503050406030204" pitchFamily="18" charset="0"/>
+                                    </a:rPr>
+                                    <m:t>𝑃</m:t>
+                                  </m:r>
+                                  <m:r>
+                                    <a:rPr lang="en-US" i="1" dirty="0">
+                                      <a:latin typeface="Cambria Math" panose="02040503050406030204" pitchFamily="18" charset="0"/>
+                                    </a:rPr>
+                                    <m:t>(</m:t>
+                                  </m:r>
+                                  <m:sSub>
+                                    <m:sSubPr>
+                                      <m:ctrlPr>
+                                        <a:rPr lang="en-US" i="1" dirty="0">
+                                          <a:latin typeface="Cambria Math" panose="02040503050406030204" pitchFamily="18" charset="0"/>
+                                        </a:rPr>
+                                      </m:ctrlPr>
+                                    </m:sSubPr>
+                                    <m:e>
+                                      <m:r>
+                                        <a:rPr lang="en-US" i="1" dirty="0">
+                                          <a:latin typeface="Cambria Math" panose="02040503050406030204" pitchFamily="18" charset="0"/>
+                                        </a:rPr>
+                                        <m:t>𝑋</m:t>
+                                      </m:r>
+                                    </m:e>
+                                    <m:sub>
+                                      <m:r>
+                                        <a:rPr lang="en-US" i="1" dirty="0">
+                                          <a:latin typeface="Cambria Math" panose="02040503050406030204" pitchFamily="18" charset="0"/>
+                                        </a:rPr>
+                                        <m:t>𝑖</m:t>
+                                      </m:r>
+                                    </m:sub>
+                                  </m:sSub>
+                                  <m:r>
+                                    <a:rPr lang="en-US" i="1" dirty="0">
+                                      <a:latin typeface="Cambria Math" panose="02040503050406030204" pitchFamily="18" charset="0"/>
+                                    </a:rPr>
+                                    <m:t>=</m:t>
+                                  </m:r>
+                                  <m:r>
+                                    <a:rPr lang="en-US" i="1" dirty="0">
+                                      <a:latin typeface="Cambria Math" panose="02040503050406030204" pitchFamily="18" charset="0"/>
+                                    </a:rPr>
+                                    <m:t>𝑥</m:t>
+                                  </m:r>
+                                  <m:r>
+                                    <a:rPr lang="en-US" i="1" dirty="0">
+                                      <a:latin typeface="Cambria Math" panose="02040503050406030204" pitchFamily="18" charset="0"/>
+                                    </a:rPr>
+                                    <m:t>))</m:t>
+                                  </m:r>
+                                </m:e>
+                              </m:d>
+                              <m:r>
+                                <a:rPr lang="en-US" i="1" dirty="0">
+                                  <a:latin typeface="Cambria Math" panose="02040503050406030204" pitchFamily="18" charset="0"/>
+                                </a:rPr>
+                                <m:t>×</m:t>
+                              </m:r>
+                              <m:r>
+                                <a:rPr lang="en-US" i="1" dirty="0">
+                                  <a:latin typeface="Cambria Math" panose="02040503050406030204" pitchFamily="18" charset="0"/>
+                                </a:rPr>
+                                <m:t>𝑃</m:t>
+                              </m:r>
+                              <m:r>
+                                <a:rPr lang="en-US" i="1" dirty="0">
+                                  <a:latin typeface="Cambria Math" panose="02040503050406030204" pitchFamily="18" charset="0"/>
+                                </a:rPr>
+                                <m:t>(</m:t>
+                              </m:r>
+                              <m:sSub>
+                                <m:sSubPr>
+                                  <m:ctrlPr>
+                                    <a:rPr lang="en-US" i="1" dirty="0">
+                                      <a:latin typeface="Cambria Math" panose="02040503050406030204" pitchFamily="18" charset="0"/>
+                                    </a:rPr>
+                                  </m:ctrlPr>
+                                </m:sSubPr>
+                                <m:e>
+                                  <m:r>
+                                    <a:rPr lang="en-US" i="1" dirty="0">
+                                      <a:latin typeface="Cambria Math" panose="02040503050406030204" pitchFamily="18" charset="0"/>
+                                    </a:rPr>
+                                    <m:t>𝑋</m:t>
+                                  </m:r>
+                                </m:e>
+                                <m:sub>
+                                  <m:r>
+                                    <a:rPr lang="en-US" i="1" dirty="0">
+                                      <a:latin typeface="Cambria Math" panose="02040503050406030204" pitchFamily="18" charset="0"/>
+                                    </a:rPr>
+                                    <m:t>𝑖</m:t>
+                                  </m:r>
+                                </m:sub>
+                              </m:sSub>
+                              <m:r>
+                                <a:rPr lang="en-US" i="1" dirty="0">
+                                  <a:latin typeface="Cambria Math" panose="02040503050406030204" pitchFamily="18" charset="0"/>
+                                </a:rPr>
+                                <m:t>=</m:t>
+                              </m:r>
+                              <m:r>
+                                <a:rPr lang="en-US" i="1" dirty="0">
+                                  <a:latin typeface="Cambria Math" panose="02040503050406030204" pitchFamily="18" charset="0"/>
+                                </a:rPr>
+                                <m:t>𝑥</m:t>
+                              </m:r>
+                              <m:r>
+                                <a:rPr lang="en-US" i="1" dirty="0">
+                                  <a:latin typeface="Cambria Math" panose="02040503050406030204" pitchFamily="18" charset="0"/>
+                                </a:rPr>
+                                <m:t>)</m:t>
+                              </m:r>
+                            </m:e>
+                          </m:nary>
+                        </m:num>
+                        <m:den>
+                          <m:nary>
+                            <m:naryPr>
+                              <m:chr m:val="∑"/>
+                              <m:supHide m:val="on"/>
+                              <m:ctrlPr>
+                                <a:rPr lang="en-US" i="1" dirty="0">
+                                  <a:latin typeface="Cambria Math" panose="02040503050406030204" pitchFamily="18" charset="0"/>
+                                </a:rPr>
+                              </m:ctrlPr>
+                            </m:naryPr>
+                            <m:sub>
+                              <m:r>
+                                <a:rPr lang="en-US" i="1" dirty="0">
+                                  <a:latin typeface="Cambria Math" panose="02040503050406030204" pitchFamily="18" charset="0"/>
+                                </a:rPr>
+                                <m:t>𝑥</m:t>
+                              </m:r>
+                            </m:sub>
+                            <m:sup/>
+                            <m:e>
+                              <m:d>
+                                <m:dPr>
+                                  <m:begChr m:val="["/>
+                                  <m:endChr m:val="]"/>
+                                  <m:ctrlPr>
+                                    <a:rPr lang="en-US" i="1" dirty="0">
+                                      <a:latin typeface="Cambria Math" panose="02040503050406030204" pitchFamily="18" charset="0"/>
+                                    </a:rPr>
+                                  </m:ctrlPr>
+                                </m:dPr>
+                                <m:e>
+                                  <m:r>
+                                    <a:rPr lang="en-US" i="1" dirty="0">
+                                      <a:latin typeface="Cambria Math" panose="02040503050406030204" pitchFamily="18" charset="0"/>
+                                    </a:rPr>
+                                    <m:t>𝑃</m:t>
+                                  </m:r>
+                                  <m:r>
+                                    <a:rPr lang="en-US" i="1" dirty="0">
+                                      <a:latin typeface="Cambria Math" panose="02040503050406030204" pitchFamily="18" charset="0"/>
+                                    </a:rPr>
+                                    <m:t>(</m:t>
+                                  </m:r>
+                                  <m:sSub>
+                                    <m:sSubPr>
+                                      <m:ctrlPr>
+                                        <a:rPr lang="en-US" i="1" dirty="0">
+                                          <a:latin typeface="Cambria Math" panose="02040503050406030204" pitchFamily="18" charset="0"/>
+                                        </a:rPr>
+                                      </m:ctrlPr>
+                                    </m:sSubPr>
+                                    <m:e>
+                                      <m:r>
+                                        <a:rPr lang="en-US" i="1" dirty="0">
+                                          <a:latin typeface="Cambria Math" panose="02040503050406030204" pitchFamily="18" charset="0"/>
+                                        </a:rPr>
+                                        <m:t>𝑋</m:t>
+                                      </m:r>
+                                    </m:e>
+                                    <m:sub>
+                                      <m:r>
+                                        <a:rPr lang="en-US" i="1" dirty="0">
+                                          <a:latin typeface="Cambria Math" panose="02040503050406030204" pitchFamily="18" charset="0"/>
+                                        </a:rPr>
+                                        <m:t>𝑖</m:t>
+                                      </m:r>
+                                    </m:sub>
+                                  </m:sSub>
+                                  <m:r>
+                                    <a:rPr lang="en-US" i="1" dirty="0">
+                                      <a:latin typeface="Cambria Math" panose="02040503050406030204" pitchFamily="18" charset="0"/>
+                                    </a:rPr>
+                                    <m:t>=</m:t>
+                                  </m:r>
+                                  <m:r>
+                                    <a:rPr lang="en-US" i="1" dirty="0">
+                                      <a:latin typeface="Cambria Math" panose="02040503050406030204" pitchFamily="18" charset="0"/>
+                                    </a:rPr>
+                                    <m:t>𝑥</m:t>
+                                  </m:r>
+                                  <m:r>
+                                    <a:rPr lang="en-US" i="1" dirty="0">
+                                      <a:latin typeface="Cambria Math" panose="02040503050406030204" pitchFamily="18" charset="0"/>
+                                    </a:rPr>
+                                    <m:t>)(1−</m:t>
+                                  </m:r>
+                                  <m:r>
+                                    <a:rPr lang="en-US" i="1" dirty="0">
+                                      <a:latin typeface="Cambria Math" panose="02040503050406030204" pitchFamily="18" charset="0"/>
+                                    </a:rPr>
+                                    <m:t>𝑃</m:t>
+                                  </m:r>
+                                  <m:r>
+                                    <a:rPr lang="en-US" i="1" dirty="0">
+                                      <a:latin typeface="Cambria Math" panose="02040503050406030204" pitchFamily="18" charset="0"/>
+                                    </a:rPr>
+                                    <m:t>(</m:t>
+                                  </m:r>
+                                  <m:sSub>
+                                    <m:sSubPr>
+                                      <m:ctrlPr>
+                                        <a:rPr lang="en-US" i="1" dirty="0">
+                                          <a:latin typeface="Cambria Math" panose="02040503050406030204" pitchFamily="18" charset="0"/>
+                                        </a:rPr>
+                                      </m:ctrlPr>
+                                    </m:sSubPr>
+                                    <m:e>
+                                      <m:r>
+                                        <a:rPr lang="en-US" i="1" dirty="0">
+                                          <a:latin typeface="Cambria Math" panose="02040503050406030204" pitchFamily="18" charset="0"/>
+                                        </a:rPr>
+                                        <m:t>𝑋</m:t>
+                                      </m:r>
+                                    </m:e>
+                                    <m:sub>
+                                      <m:r>
+                                        <a:rPr lang="en-US" i="1" dirty="0">
+                                          <a:latin typeface="Cambria Math" panose="02040503050406030204" pitchFamily="18" charset="0"/>
+                                        </a:rPr>
+                                        <m:t>𝑖</m:t>
+                                      </m:r>
+                                    </m:sub>
+                                  </m:sSub>
+                                  <m:r>
+                                    <a:rPr lang="en-US" i="1" dirty="0">
+                                      <a:latin typeface="Cambria Math" panose="02040503050406030204" pitchFamily="18" charset="0"/>
+                                    </a:rPr>
+                                    <m:t>=</m:t>
+                                  </m:r>
+                                  <m:r>
+                                    <a:rPr lang="en-US" i="1" dirty="0">
+                                      <a:latin typeface="Cambria Math" panose="02040503050406030204" pitchFamily="18" charset="0"/>
+                                    </a:rPr>
+                                    <m:t>𝑥</m:t>
+                                  </m:r>
+                                  <m:r>
+                                    <a:rPr lang="en-US" i="1" dirty="0">
+                                      <a:latin typeface="Cambria Math" panose="02040503050406030204" pitchFamily="18" charset="0"/>
+                                    </a:rPr>
+                                    <m:t>))</m:t>
+                                  </m:r>
+                                </m:e>
+                              </m:d>
+                              <m:r>
+                                <a:rPr lang="en-US" i="1" dirty="0">
+                                  <a:latin typeface="Cambria Math" panose="02040503050406030204" pitchFamily="18" charset="0"/>
+                                </a:rPr>
+                                <m:t>×</m:t>
+                              </m:r>
+                              <m:r>
+                                <a:rPr lang="en-US" i="1" dirty="0">
+                                  <a:latin typeface="Cambria Math" panose="02040503050406030204" pitchFamily="18" charset="0"/>
+                                </a:rPr>
+                                <m:t>𝑃</m:t>
+                              </m:r>
+                              <m:r>
+                                <a:rPr lang="en-US" i="1" dirty="0">
+                                  <a:latin typeface="Cambria Math" panose="02040503050406030204" pitchFamily="18" charset="0"/>
+                                </a:rPr>
+                                <m:t>(</m:t>
+                              </m:r>
+                              <m:sSub>
+                                <m:sSubPr>
+                                  <m:ctrlPr>
+                                    <a:rPr lang="en-US" i="1" dirty="0">
+                                      <a:latin typeface="Cambria Math" panose="02040503050406030204" pitchFamily="18" charset="0"/>
+                                    </a:rPr>
+                                  </m:ctrlPr>
+                                </m:sSubPr>
+                                <m:e>
+                                  <m:r>
+                                    <a:rPr lang="en-US" i="1" dirty="0">
+                                      <a:latin typeface="Cambria Math" panose="02040503050406030204" pitchFamily="18" charset="0"/>
+                                    </a:rPr>
+                                    <m:t>𝑋</m:t>
+                                  </m:r>
+                                </m:e>
+                                <m:sub>
+                                  <m:r>
+                                    <a:rPr lang="en-US" i="1" dirty="0">
+                                      <a:latin typeface="Cambria Math" panose="02040503050406030204" pitchFamily="18" charset="0"/>
+                                    </a:rPr>
+                                    <m:t>𝑖</m:t>
+                                  </m:r>
+                                </m:sub>
+                              </m:sSub>
+                              <m:r>
+                                <a:rPr lang="en-US" i="1" dirty="0">
+                                  <a:latin typeface="Cambria Math" panose="02040503050406030204" pitchFamily="18" charset="0"/>
+                                </a:rPr>
+                                <m:t>=</m:t>
+                              </m:r>
+                              <m:r>
+                                <a:rPr lang="en-US" i="1" dirty="0">
+                                  <a:latin typeface="Cambria Math" panose="02040503050406030204" pitchFamily="18" charset="0"/>
+                                </a:rPr>
+                                <m:t>𝑥</m:t>
+                              </m:r>
+                              <m:r>
+                                <a:rPr lang="en-US" i="1" dirty="0">
+                                  <a:latin typeface="Cambria Math" panose="02040503050406030204" pitchFamily="18" charset="0"/>
+                                </a:rPr>
+                                <m:t>)</m:t>
+                              </m:r>
+                            </m:e>
+                          </m:nary>
+                        </m:den>
+                      </m:f>
+                    </m:oMath>
+                  </m:oMathPara>
+                </a14:m>
+                <a:endParaRPr lang="en-US" dirty="0"/>
+              </a:p>
+              <a:p>
+                <a:r>
+                  <a:rPr lang="en-US" dirty="0"/>
+                  <a:t>Where </a:t>
+                </a:r>
+                <a14:m>
+                  <m:oMath xmlns:m="http://schemas.openxmlformats.org/officeDocument/2006/math">
+                    <m:sSub>
+                      <m:sSubPr>
+                        <m:ctrlPr>
+                          <a:rPr lang="en-US" i="1" dirty="0">
+                            <a:latin typeface="Cambria Math" panose="02040503050406030204" pitchFamily="18" charset="0"/>
+                          </a:rPr>
+                        </m:ctrlPr>
+                      </m:sSubPr>
+                      <m:e>
+                        <m:r>
+                          <a:rPr lang="en-US" i="1" dirty="0">
+                            <a:latin typeface="Cambria Math" panose="02040503050406030204" pitchFamily="18" charset="0"/>
+                          </a:rPr>
+                          <m:t>𝛿</m:t>
+                        </m:r>
+                      </m:e>
+                      <m:sub>
+                        <m:r>
+                          <a:rPr lang="en-US" i="1" dirty="0">
+                            <a:latin typeface="Cambria Math" panose="02040503050406030204" pitchFamily="18" charset="0"/>
+                          </a:rPr>
+                          <m:t>𝑥</m:t>
+                        </m:r>
+                      </m:sub>
+                    </m:sSub>
+                  </m:oMath>
+                </a14:m>
+                <a:r>
+                  <a:rPr lang="en-US" dirty="0"/>
+                  <a:t> is the variation of </a:t>
+                </a:r>
+                <a14:m>
+                  <m:oMath xmlns:m="http://schemas.openxmlformats.org/officeDocument/2006/math">
+                    <m:sSub>
+                      <m:sSubPr>
+                        <m:ctrlPr>
+                          <a:rPr lang="en-US" b="0" i="1" dirty="0" smtClean="0">
+                            <a:latin typeface="Cambria Math" panose="02040503050406030204" pitchFamily="18" charset="0"/>
+                          </a:rPr>
+                        </m:ctrlPr>
+                      </m:sSubPr>
+                      <m:e>
+                        <m:r>
+                          <a:rPr lang="en-US" b="0" i="1" dirty="0" smtClean="0">
+                            <a:latin typeface="Cambria Math" panose="02040503050406030204" pitchFamily="18" charset="0"/>
+                          </a:rPr>
+                          <m:t>𝑊</m:t>
+                        </m:r>
+                      </m:e>
+                      <m:sub>
+                        <m:r>
+                          <a:rPr lang="en-US" b="0" i="1" dirty="0" smtClean="0">
+                            <a:latin typeface="Cambria Math" panose="02040503050406030204" pitchFamily="18" charset="0"/>
+                          </a:rPr>
+                          <m:t>𝑖</m:t>
+                        </m:r>
+                      </m:sub>
+                    </m:sSub>
+                  </m:oMath>
+                </a14:m>
+                <a:r>
+                  <a:rPr lang="en-US" dirty="0"/>
+                  <a:t> is unrelated to </a:t>
+                </a:r>
+                <a14:m>
+                  <m:oMath xmlns:m="http://schemas.openxmlformats.org/officeDocument/2006/math">
+                    <m:sSub>
+                      <m:sSubPr>
+                        <m:ctrlPr>
+                          <a:rPr lang="en-US" b="0" i="1" dirty="0" smtClean="0">
+                            <a:latin typeface="Cambria Math" panose="02040503050406030204" pitchFamily="18" charset="0"/>
+                          </a:rPr>
+                        </m:ctrlPr>
+                      </m:sSubPr>
+                      <m:e>
+                        <m:r>
+                          <a:rPr lang="en-US" b="0" i="1" dirty="0" smtClean="0">
+                            <a:latin typeface="Cambria Math" panose="02040503050406030204" pitchFamily="18" charset="0"/>
+                          </a:rPr>
+                          <m:t>𝑋</m:t>
+                        </m:r>
+                      </m:e>
+                      <m:sub>
+                        <m:r>
+                          <a:rPr lang="en-US" b="0" i="1" dirty="0" smtClean="0">
+                            <a:latin typeface="Cambria Math" panose="02040503050406030204" pitchFamily="18" charset="0"/>
+                          </a:rPr>
+                          <m:t>𝑖</m:t>
+                        </m:r>
+                      </m:sub>
+                    </m:sSub>
+                  </m:oMath>
+                </a14:m>
+                <a:r>
+                  <a:rPr lang="en-US" dirty="0"/>
+                  <a:t> at </a:t>
+                </a:r>
+                <a14:m>
+                  <m:oMath xmlns:m="http://schemas.openxmlformats.org/officeDocument/2006/math">
+                    <m:sSub>
+                      <m:sSubPr>
+                        <m:ctrlPr>
+                          <a:rPr lang="en-US" b="0" i="1" dirty="0" smtClean="0">
+                            <a:latin typeface="Cambria Math" panose="02040503050406030204" pitchFamily="18" charset="0"/>
+                          </a:rPr>
+                        </m:ctrlPr>
+                      </m:sSubPr>
+                      <m:e>
+                        <m:r>
+                          <a:rPr lang="en-US" b="0" i="1" dirty="0" smtClean="0">
+                            <a:latin typeface="Cambria Math" panose="02040503050406030204" pitchFamily="18" charset="0"/>
+                          </a:rPr>
+                          <m:t>𝑋</m:t>
+                        </m:r>
+                      </m:e>
+                      <m:sub>
+                        <m:r>
+                          <a:rPr lang="en-US" b="0" i="1" dirty="0" smtClean="0">
+                            <a:latin typeface="Cambria Math" panose="02040503050406030204" pitchFamily="18" charset="0"/>
+                          </a:rPr>
+                          <m:t>𝑖</m:t>
+                        </m:r>
+                      </m:sub>
+                    </m:sSub>
+                    <m:r>
+                      <a:rPr lang="en-US" b="0" i="1" dirty="0" smtClean="0">
+                        <a:latin typeface="Cambria Math" panose="02040503050406030204" pitchFamily="18" charset="0"/>
+                      </a:rPr>
+                      <m:t>=</m:t>
+                    </m:r>
+                    <m:r>
+                      <a:rPr lang="en-US" b="0" i="1" dirty="0" smtClean="0">
+                        <a:latin typeface="Cambria Math" panose="02040503050406030204" pitchFamily="18" charset="0"/>
+                      </a:rPr>
+                      <m:t>𝑥</m:t>
+                    </m:r>
+                  </m:oMath>
+                </a14:m>
+                <a:r>
+                  <a:rPr lang="en-US" dirty="0"/>
+                  <a:t>.</a:t>
+                </a:r>
+              </a:p>
+              <a:p>
+                <a:r>
+                  <a:rPr lang="en-US" dirty="0"/>
+                  <a:t>Then we can see how dividing by the propensity score results in the same issue.</a:t>
+                </a:r>
+              </a:p>
+            </p:txBody>
+          </p:sp>
+        </mc:Choice>
+        <mc:Fallback>
+          <p:sp>
+            <p:nvSpPr>
+              <p:cNvPr id="3" name="Content Placeholder 2">
+                <a:extLst>
+                  <a:ext uri="{FF2B5EF4-FFF2-40B4-BE49-F238E27FC236}">
+                    <a16:creationId xmlns:a16="http://schemas.microsoft.com/office/drawing/2014/main" id="{D4088569-55DD-A94B-AD75-90C756E98060}"/>
+                  </a:ext>
+                </a:extLst>
+              </p:cNvPr>
+              <p:cNvSpPr>
+                <a:spLocks noGrp="1" noRot="1" noChangeAspect="1" noMove="1" noResize="1" noEditPoints="1" noAdjustHandles="1" noChangeArrowheads="1" noChangeShapeType="1" noTextEdit="1"/>
+              </p:cNvSpPr>
+              <p:nvPr>
+                <p:ph idx="1"/>
+              </p:nvPr>
+            </p:nvSpPr>
+            <p:spPr>
+              <a:blipFill>
+                <a:blip r:embed="rId2"/>
+                <a:stretch>
+                  <a:fillRect l="-965" t="-2035" b="-1453"/>
+                </a:stretch>
+              </a:blipFill>
+            </p:spPr>
+            <p:txBody>
+              <a:bodyPr/>
+              <a:lstStyle/>
+              <a:p>
+                <a:r>
+                  <a:rPr lang="en-US">
+                    <a:noFill/>
+                  </a:rPr>
+                  <a:t> </a:t>
+                </a:r>
+              </a:p>
+            </p:txBody>
+          </p:sp>
+        </mc:Fallback>
+      </mc:AlternateContent>
     </p:spTree>
     <p:extLst>
       <p:ext uri="{BB962C8B-B14F-4D97-AF65-F5344CB8AC3E}">
-        <p14:creationId xmlns:p14="http://schemas.microsoft.com/office/powerpoint/2010/main" val="314643715"/>
+        <p14:creationId xmlns:p14="http://schemas.microsoft.com/office/powerpoint/2010/main" val="32310344"/>
       </p:ext>
     </p:extLst>
   </p:cSld>

--- a/Powerpoints/4 Best Practices (WIP).pptx
+++ b/Powerpoints/4 Best Practices (WIP).pptx
@@ -14,29 +14,33 @@
     <p:sldId id="314" r:id="rId8"/>
     <p:sldId id="316" r:id="rId9"/>
     <p:sldId id="317" r:id="rId10"/>
-    <p:sldId id="318" r:id="rId11"/>
-    <p:sldId id="319" r:id="rId12"/>
-    <p:sldId id="320" r:id="rId13"/>
-    <p:sldId id="321" r:id="rId14"/>
-    <p:sldId id="322" r:id="rId15"/>
-    <p:sldId id="324" r:id="rId16"/>
-    <p:sldId id="315" r:id="rId17"/>
-    <p:sldId id="306" r:id="rId18"/>
-    <p:sldId id="307" r:id="rId19"/>
-    <p:sldId id="308" r:id="rId20"/>
-    <p:sldId id="309" r:id="rId21"/>
-    <p:sldId id="325" r:id="rId22"/>
-    <p:sldId id="326" r:id="rId23"/>
-    <p:sldId id="327" r:id="rId24"/>
-    <p:sldId id="329" r:id="rId25"/>
-    <p:sldId id="330" r:id="rId26"/>
-    <p:sldId id="331" r:id="rId27"/>
-    <p:sldId id="332" r:id="rId28"/>
-    <p:sldId id="334" r:id="rId29"/>
-    <p:sldId id="333" r:id="rId30"/>
-    <p:sldId id="312" r:id="rId31"/>
-    <p:sldId id="310" r:id="rId32"/>
-    <p:sldId id="328" r:id="rId33"/>
+    <p:sldId id="319" r:id="rId11"/>
+    <p:sldId id="320" r:id="rId12"/>
+    <p:sldId id="321" r:id="rId13"/>
+    <p:sldId id="322" r:id="rId14"/>
+    <p:sldId id="324" r:id="rId15"/>
+    <p:sldId id="306" r:id="rId16"/>
+    <p:sldId id="307" r:id="rId17"/>
+    <p:sldId id="335" r:id="rId18"/>
+    <p:sldId id="336" r:id="rId19"/>
+    <p:sldId id="338" r:id="rId20"/>
+    <p:sldId id="341" r:id="rId21"/>
+    <p:sldId id="342" r:id="rId22"/>
+    <p:sldId id="343" r:id="rId23"/>
+    <p:sldId id="308" r:id="rId24"/>
+    <p:sldId id="309" r:id="rId25"/>
+    <p:sldId id="325" r:id="rId26"/>
+    <p:sldId id="326" r:id="rId27"/>
+    <p:sldId id="327" r:id="rId28"/>
+    <p:sldId id="329" r:id="rId29"/>
+    <p:sldId id="330" r:id="rId30"/>
+    <p:sldId id="331" r:id="rId31"/>
+    <p:sldId id="332" r:id="rId32"/>
+    <p:sldId id="334" r:id="rId33"/>
+    <p:sldId id="333" r:id="rId34"/>
+    <p:sldId id="312" r:id="rId35"/>
+    <p:sldId id="310" r:id="rId36"/>
+    <p:sldId id="328" r:id="rId37"/>
   </p:sldIdLst>
   <p:sldSz cx="12192000" cy="6858000"/>
   <p:notesSz cx="6858000" cy="9144000"/>
@@ -290,7 +294,7 @@
           <a:p>
             <a:fld id="{098A4ECB-EC76-924E-90B3-9C855F770987}" type="datetimeFigureOut">
               <a:rPr lang="en-US" smtClean="0"/>
-              <a:t>1/8/22</a:t>
+              <a:t>10/12/22</a:t>
             </a:fld>
             <a:endParaRPr lang="en-US"/>
           </a:p>
@@ -488,7 +492,7 @@
           <a:p>
             <a:fld id="{098A4ECB-EC76-924E-90B3-9C855F770987}" type="datetimeFigureOut">
               <a:rPr lang="en-US" smtClean="0"/>
-              <a:t>1/8/22</a:t>
+              <a:t>10/12/22</a:t>
             </a:fld>
             <a:endParaRPr lang="en-US"/>
           </a:p>
@@ -696,7 +700,7 @@
           <a:p>
             <a:fld id="{098A4ECB-EC76-924E-90B3-9C855F770987}" type="datetimeFigureOut">
               <a:rPr lang="en-US" smtClean="0"/>
-              <a:t>1/8/22</a:t>
+              <a:t>10/12/22</a:t>
             </a:fld>
             <a:endParaRPr lang="en-US"/>
           </a:p>
@@ -894,7 +898,7 @@
           <a:p>
             <a:fld id="{098A4ECB-EC76-924E-90B3-9C855F770987}" type="datetimeFigureOut">
               <a:rPr lang="en-US" smtClean="0"/>
-              <a:t>1/8/22</a:t>
+              <a:t>10/12/22</a:t>
             </a:fld>
             <a:endParaRPr lang="en-US"/>
           </a:p>
@@ -1169,7 +1173,7 @@
           <a:p>
             <a:fld id="{098A4ECB-EC76-924E-90B3-9C855F770987}" type="datetimeFigureOut">
               <a:rPr lang="en-US" smtClean="0"/>
-              <a:t>1/8/22</a:t>
+              <a:t>10/12/22</a:t>
             </a:fld>
             <a:endParaRPr lang="en-US"/>
           </a:p>
@@ -1434,7 +1438,7 @@
           <a:p>
             <a:fld id="{098A4ECB-EC76-924E-90B3-9C855F770987}" type="datetimeFigureOut">
               <a:rPr lang="en-US" smtClean="0"/>
-              <a:t>1/8/22</a:t>
+              <a:t>10/12/22</a:t>
             </a:fld>
             <a:endParaRPr lang="en-US"/>
           </a:p>
@@ -1846,7 +1850,7 @@
           <a:p>
             <a:fld id="{098A4ECB-EC76-924E-90B3-9C855F770987}" type="datetimeFigureOut">
               <a:rPr lang="en-US" smtClean="0"/>
-              <a:t>1/8/22</a:t>
+              <a:t>10/12/22</a:t>
             </a:fld>
             <a:endParaRPr lang="en-US"/>
           </a:p>
@@ -1987,7 +1991,7 @@
           <a:p>
             <a:fld id="{098A4ECB-EC76-924E-90B3-9C855F770987}" type="datetimeFigureOut">
               <a:rPr lang="en-US" smtClean="0"/>
-              <a:t>1/8/22</a:t>
+              <a:t>10/12/22</a:t>
             </a:fld>
             <a:endParaRPr lang="en-US"/>
           </a:p>
@@ -2100,7 +2104,7 @@
           <a:p>
             <a:fld id="{098A4ECB-EC76-924E-90B3-9C855F770987}" type="datetimeFigureOut">
               <a:rPr lang="en-US" smtClean="0"/>
-              <a:t>1/8/22</a:t>
+              <a:t>10/12/22</a:t>
             </a:fld>
             <a:endParaRPr lang="en-US"/>
           </a:p>
@@ -2411,7 +2415,7 @@
           <a:p>
             <a:fld id="{098A4ECB-EC76-924E-90B3-9C855F770987}" type="datetimeFigureOut">
               <a:rPr lang="en-US" smtClean="0"/>
-              <a:t>1/8/22</a:t>
+              <a:t>10/12/22</a:t>
             </a:fld>
             <a:endParaRPr lang="en-US"/>
           </a:p>
@@ -2699,7 +2703,7 @@
           <a:p>
             <a:fld id="{098A4ECB-EC76-924E-90B3-9C855F770987}" type="datetimeFigureOut">
               <a:rPr lang="en-US" smtClean="0"/>
-              <a:t>1/8/22</a:t>
+              <a:t>10/12/22</a:t>
             </a:fld>
             <a:endParaRPr lang="en-US"/>
           </a:p>
@@ -2940,7 +2944,7 @@
           <a:p>
             <a:fld id="{098A4ECB-EC76-924E-90B3-9C855F770987}" type="datetimeFigureOut">
               <a:rPr lang="en-US" smtClean="0"/>
-              <a:t>1/8/22</a:t>
+              <a:t>10/12/22</a:t>
             </a:fld>
             <a:endParaRPr lang="en-US"/>
           </a:p>
@@ -3382,7 +3386,7 @@
           <a:p>
             <a:r>
               <a:rPr lang="en-US" dirty="0"/>
-              <a:t>Causal Inference Crash Course Part 4: Best Practices: Outliers, Class Imbalance, Feature Selection, and Bad Control </a:t>
+              <a:t>Causal Inference Crash Course Part 4: Best Practices: Outliers, Class Imbalance, and Feature Selection</a:t>
             </a:r>
           </a:p>
         </p:txBody>
@@ -3429,250 +3433,6 @@
 </file>
 
 <file path=ppt/slides/slide10.xml><?xml version="1.0" encoding="utf-8"?>
-<p:sld xmlns:a="http://schemas.openxmlformats.org/drawingml/2006/main" xmlns:r="http://schemas.openxmlformats.org/officeDocument/2006/relationships" xmlns:p="http://schemas.openxmlformats.org/presentationml/2006/main">
-  <p:cSld>
-    <p:spTree>
-      <p:nvGrpSpPr>
-        <p:cNvPr id="1" name=""/>
-        <p:cNvGrpSpPr/>
-        <p:nvPr/>
-      </p:nvGrpSpPr>
-      <p:grpSpPr>
-        <a:xfrm>
-          <a:off x="0" y="0"/>
-          <a:ext cx="0" cy="0"/>
-          <a:chOff x="0" y="0"/>
-          <a:chExt cx="0" cy="0"/>
-        </a:xfrm>
-      </p:grpSpPr>
-      <p:sp>
-        <p:nvSpPr>
-          <p:cNvPr id="2" name="Title 1">
-            <a:extLst>
-              <a:ext uri="{FF2B5EF4-FFF2-40B4-BE49-F238E27FC236}">
-                <a16:creationId xmlns:a16="http://schemas.microsoft.com/office/drawing/2014/main" id="{98B29A2C-6ACF-AC4D-A046-582DEB231B2F}"/>
-              </a:ext>
-            </a:extLst>
-          </p:cNvPr>
-          <p:cNvSpPr>
-            <a:spLocks noGrp="1"/>
-          </p:cNvSpPr>
-          <p:nvPr>
-            <p:ph type="title"/>
-          </p:nvPr>
-        </p:nvSpPr>
-        <p:spPr>
-          <a:xfrm>
-            <a:off x="838199" y="365125"/>
-            <a:ext cx="10598063" cy="624431"/>
-          </a:xfrm>
-        </p:spPr>
-        <p:txBody>
-          <a:bodyPr>
-            <a:normAutofit fontScale="90000"/>
-          </a:bodyPr>
-          <a:lstStyle/>
-          <a:p>
-            <a:r>
-              <a:rPr lang="en-US" dirty="0"/>
-              <a:t>Simulation results on the bias</a:t>
-            </a:r>
-          </a:p>
-        </p:txBody>
-      </p:sp>
-      <mc:AlternateContent xmlns:mc="http://schemas.openxmlformats.org/markup-compatibility/2006" xmlns:a14="http://schemas.microsoft.com/office/drawing/2010/main">
-        <mc:Choice Requires="a14">
-          <p:sp>
-            <p:nvSpPr>
-              <p:cNvPr id="5" name="TextBox 4">
-                <a:extLst>
-                  <a:ext uri="{FF2B5EF4-FFF2-40B4-BE49-F238E27FC236}">
-                    <a16:creationId xmlns:a16="http://schemas.microsoft.com/office/drawing/2014/main" id="{E5091752-A053-474B-A648-4069D20AD496}"/>
-                  </a:ext>
-                </a:extLst>
-              </p:cNvPr>
-              <p:cNvSpPr txBox="1"/>
-              <p:nvPr/>
-            </p:nvSpPr>
-            <p:spPr>
-              <a:xfrm>
-                <a:off x="8258661" y="1490596"/>
-                <a:ext cx="3616013" cy="4832092"/>
-              </a:xfrm>
-              <a:prstGeom prst="rect">
-                <a:avLst/>
-              </a:prstGeom>
-              <a:noFill/>
-            </p:spPr>
-            <p:txBody>
-              <a:bodyPr wrap="square" rtlCol="0">
-                <a:spAutoFit/>
-              </a:bodyPr>
-              <a:lstStyle/>
-              <a:p>
-                <a:pPr marL="457200" indent="-457200">
-                  <a:buFont typeface="Arial" panose="020B0604020202020204" pitchFamily="34" charset="0"/>
-                  <a:buChar char="•"/>
-                </a:pPr>
-                <a:r>
-                  <a:rPr lang="en-US" sz="2800" dirty="0"/>
-                  <a:t>With and without outliers, the estimate </a:t>
-                </a:r>
-                <a14:m>
-                  <m:oMath xmlns:m="http://schemas.openxmlformats.org/officeDocument/2006/math">
-                    <m:acc>
-                      <m:accPr>
-                        <m:chr m:val="̂"/>
-                        <m:ctrlPr>
-                          <a:rPr lang="en-US" sz="2800" b="0" i="1" smtClean="0">
-                            <a:latin typeface="Cambria Math" panose="02040503050406030204" pitchFamily="18" charset="0"/>
-                          </a:rPr>
-                        </m:ctrlPr>
-                      </m:accPr>
-                      <m:e>
-                        <m:r>
-                          <a:rPr lang="en-US" sz="2800" i="1">
-                            <a:latin typeface="Cambria Math" panose="02040503050406030204" pitchFamily="18" charset="0"/>
-                          </a:rPr>
-                          <m:t>𝜏</m:t>
-                        </m:r>
-                      </m:e>
-                    </m:acc>
-                  </m:oMath>
-                </a14:m>
-                <a:r>
-                  <a:rPr lang="en-US" sz="2800" dirty="0"/>
-                  <a:t> has small bias. </a:t>
-                </a:r>
-              </a:p>
-              <a:p>
-                <a:pPr marL="457200" indent="-457200">
-                  <a:buFont typeface="Arial" panose="020B0604020202020204" pitchFamily="34" charset="0"/>
-                  <a:buChar char="•"/>
-                </a:pPr>
-                <a:r>
-                  <a:rPr lang="en-US" sz="2800" dirty="0"/>
-                  <a:t>However, with outliers, the confidence intervals are much larger due the additional statistical noise.</a:t>
-                </a:r>
-              </a:p>
-              <a:p>
-                <a:pPr marL="457200" indent="-457200">
-                  <a:buFont typeface="Arial" panose="020B0604020202020204" pitchFamily="34" charset="0"/>
-                  <a:buChar char="•"/>
-                </a:pPr>
-                <a:endParaRPr lang="en-US" sz="2800" dirty="0"/>
-              </a:p>
-            </p:txBody>
-          </p:sp>
-        </mc:Choice>
-        <mc:Fallback xmlns="">
-          <p:sp>
-            <p:nvSpPr>
-              <p:cNvPr id="5" name="TextBox 4">
-                <a:extLst>
-                  <a:ext uri="{FF2B5EF4-FFF2-40B4-BE49-F238E27FC236}">
-                    <a16:creationId xmlns:a16="http://schemas.microsoft.com/office/drawing/2014/main" id="{E5091752-A053-474B-A648-4069D20AD496}"/>
-                  </a:ext>
-                </a:extLst>
-              </p:cNvPr>
-              <p:cNvSpPr txBox="1">
-                <a:spLocks noRot="1" noChangeAspect="1" noMove="1" noResize="1" noEditPoints="1" noAdjustHandles="1" noChangeArrowheads="1" noChangeShapeType="1" noTextEdit="1"/>
-              </p:cNvSpPr>
-              <p:nvPr/>
-            </p:nvSpPr>
-            <p:spPr>
-              <a:xfrm>
-                <a:off x="8258661" y="1490596"/>
-                <a:ext cx="3616013" cy="4832092"/>
-              </a:xfrm>
-              <a:prstGeom prst="rect">
-                <a:avLst/>
-              </a:prstGeom>
-              <a:blipFill>
-                <a:blip r:embed="rId2"/>
-                <a:stretch>
-                  <a:fillRect l="-3147" t="-1312" r="-4196"/>
-                </a:stretch>
-              </a:blipFill>
-            </p:spPr>
-            <p:txBody>
-              <a:bodyPr/>
-              <a:lstStyle/>
-              <a:p>
-                <a:r>
-                  <a:rPr lang="en-US">
-                    <a:noFill/>
-                  </a:rPr>
-                  <a:t> </a:t>
-                </a:r>
-              </a:p>
-            </p:txBody>
-          </p:sp>
-        </mc:Fallback>
-      </mc:AlternateContent>
-      <p:pic>
-        <p:nvPicPr>
-          <p:cNvPr id="2056" name="Picture 8">
-            <a:extLst>
-              <a:ext uri="{FF2B5EF4-FFF2-40B4-BE49-F238E27FC236}">
-                <a16:creationId xmlns:a16="http://schemas.microsoft.com/office/drawing/2014/main" id="{4CFAB416-A3E3-0346-AEC6-D71941EF08A8}"/>
-              </a:ext>
-            </a:extLst>
-          </p:cNvPr>
-          <p:cNvPicPr>
-            <a:picLocks noGrp="1" noChangeAspect="1" noChangeArrowheads="1"/>
-          </p:cNvPicPr>
-          <p:nvPr>
-            <p:ph idx="1"/>
-          </p:nvPr>
-        </p:nvPicPr>
-        <p:blipFill>
-          <a:blip r:embed="rId3">
-            <a:extLst>
-              <a:ext uri="{28A0092B-C50C-407E-A947-70E740481C1C}">
-                <a14:useLocalDpi xmlns:a14="http://schemas.microsoft.com/office/drawing/2010/main" val="0"/>
-              </a:ext>
-            </a:extLst>
-          </a:blip>
-          <a:srcRect/>
-          <a:stretch>
-            <a:fillRect/>
-          </a:stretch>
-        </p:blipFill>
-        <p:spPr bwMode="auto">
-          <a:xfrm>
-            <a:off x="0" y="1253331"/>
-            <a:ext cx="8258661" cy="4351338"/>
-          </a:xfrm>
-          <a:prstGeom prst="rect">
-            <a:avLst/>
-          </a:prstGeom>
-          <a:noFill/>
-          <a:extLst>
-            <a:ext uri="{909E8E84-426E-40DD-AFC4-6F175D3DCCD1}">
-              <a14:hiddenFill xmlns:a14="http://schemas.microsoft.com/office/drawing/2010/main">
-                <a:solidFill>
-                  <a:srgbClr val="FFFFFF"/>
-                </a:solidFill>
-              </a14:hiddenFill>
-            </a:ext>
-          </a:extLst>
-        </p:spPr>
-      </p:pic>
-    </p:spTree>
-    <p:extLst>
-      <p:ext uri="{BB962C8B-B14F-4D97-AF65-F5344CB8AC3E}">
-        <p14:creationId xmlns:p14="http://schemas.microsoft.com/office/powerpoint/2010/main" val="2743249462"/>
-      </p:ext>
-    </p:extLst>
-  </p:cSld>
-  <p:clrMapOvr>
-    <a:masterClrMapping/>
-  </p:clrMapOvr>
-</p:sld>
-</file>
-
-<file path=ppt/slides/slide11.xml><?xml version="1.0" encoding="utf-8"?>
 <p:sld xmlns:a="http://schemas.openxmlformats.org/drawingml/2006/main" xmlns:r="http://schemas.openxmlformats.org/officeDocument/2006/relationships" xmlns:p="http://schemas.openxmlformats.org/presentationml/2006/main">
   <p:cSld>
     <p:spTree>
@@ -4160,7 +3920,7 @@
 </p:sld>
 </file>
 
-<file path=ppt/slides/slide12.xml><?xml version="1.0" encoding="utf-8"?>
+<file path=ppt/slides/slide11.xml><?xml version="1.0" encoding="utf-8"?>
 <p:sld xmlns:a="http://schemas.openxmlformats.org/drawingml/2006/main" xmlns:r="http://schemas.openxmlformats.org/officeDocument/2006/relationships" xmlns:p="http://schemas.openxmlformats.org/presentationml/2006/main">
   <p:cSld>
     <p:spTree>
@@ -5414,7 +5174,7 @@
 </p:sld>
 </file>
 
-<file path=ppt/slides/slide13.xml><?xml version="1.0" encoding="utf-8"?>
+<file path=ppt/slides/slide12.xml><?xml version="1.0" encoding="utf-8"?>
 <p:sld xmlns:a="http://schemas.openxmlformats.org/drawingml/2006/main" xmlns:r="http://schemas.openxmlformats.org/officeDocument/2006/relationships" xmlns:p="http://schemas.openxmlformats.org/presentationml/2006/main">
   <p:cSld>
     <p:spTree>
@@ -5431,110 +5191,36 @@
           <a:chExt cx="0" cy="0"/>
         </a:xfrm>
       </p:grpSpPr>
-      <mc:AlternateContent xmlns:mc="http://schemas.openxmlformats.org/markup-compatibility/2006" xmlns:a14="http://schemas.microsoft.com/office/drawing/2010/main">
-        <mc:Choice Requires="a14">
-          <p:sp>
-            <p:nvSpPr>
-              <p:cNvPr id="2" name="Title 1">
-                <a:extLst>
-                  <a:ext uri="{FF2B5EF4-FFF2-40B4-BE49-F238E27FC236}">
-                    <a16:creationId xmlns:a16="http://schemas.microsoft.com/office/drawing/2014/main" id="{CB198514-9CC3-FF41-BBB3-34F1404426A7}"/>
-                  </a:ext>
-                </a:extLst>
-              </p:cNvPr>
-              <p:cNvSpPr>
-                <a:spLocks noGrp="1"/>
-              </p:cNvSpPr>
-              <p:nvPr>
-                <p:ph type="title"/>
-              </p:nvPr>
-            </p:nvSpPr>
-            <p:spPr/>
-            <p:txBody>
-              <a:bodyPr/>
-              <a:lstStyle/>
-              <a:p>
-                <a:r>
-                  <a:rPr lang="en-US" dirty="0"/>
-                  <a:t>Truncating Values of </a:t>
-                </a:r>
-                <a14:m>
-                  <m:oMath xmlns:m="http://schemas.openxmlformats.org/officeDocument/2006/math">
-                    <m:sSub>
-                      <m:sSubPr>
-                        <m:ctrlPr>
-                          <a:rPr lang="en-US" i="1">
-                            <a:latin typeface="Cambria Math" panose="02040503050406030204" pitchFamily="18" charset="0"/>
-                          </a:rPr>
-                        </m:ctrlPr>
-                      </m:sSubPr>
-                      <m:e>
-                        <m:r>
-                          <a:rPr lang="en-US" i="1">
-                            <a:latin typeface="Cambria Math" panose="02040503050406030204" pitchFamily="18" charset="0"/>
-                          </a:rPr>
-                          <m:t>𝑌</m:t>
-                        </m:r>
-                      </m:e>
-                      <m:sub>
-                        <m:r>
-                          <a:rPr lang="en-US" i="1">
-                            <a:latin typeface="Cambria Math" panose="02040503050406030204" pitchFamily="18" charset="0"/>
-                          </a:rPr>
-                          <m:t>𝑖</m:t>
-                        </m:r>
-                      </m:sub>
-                    </m:sSub>
-                  </m:oMath>
-                </a14:m>
-                <a:r>
-                  <a:rPr lang="en-US" dirty="0"/>
-                  <a:t> </a:t>
-                </a:r>
-              </a:p>
-            </p:txBody>
-          </p:sp>
-        </mc:Choice>
-        <mc:Fallback xmlns="">
-          <p:sp>
-            <p:nvSpPr>
-              <p:cNvPr id="2" name="Title 1">
-                <a:extLst>
-                  <a:ext uri="{FF2B5EF4-FFF2-40B4-BE49-F238E27FC236}">
-                    <a16:creationId xmlns:a16="http://schemas.microsoft.com/office/drawing/2014/main" id="{CB198514-9CC3-FF41-BBB3-34F1404426A7}"/>
-                  </a:ext>
-                </a:extLst>
-              </p:cNvPr>
-              <p:cNvSpPr>
-                <a:spLocks noGrp="1" noRot="1" noChangeAspect="1" noMove="1" noResize="1" noEditPoints="1" noAdjustHandles="1" noChangeArrowheads="1" noChangeShapeType="1" noTextEdit="1"/>
-              </p:cNvSpPr>
-              <p:nvPr>
-                <p:ph type="title"/>
-              </p:nvPr>
-            </p:nvSpPr>
-            <p:spPr>
-              <a:blipFill>
-                <a:blip r:embed="rId2"/>
-                <a:stretch>
-                  <a:fillRect l="-2413"/>
-                </a:stretch>
-              </a:blipFill>
-            </p:spPr>
-            <p:txBody>
-              <a:bodyPr/>
-              <a:lstStyle/>
-              <a:p>
-                <a:r>
-                  <a:rPr lang="en-US">
-                    <a:noFill/>
-                  </a:rPr>
-                  <a:t> </a:t>
-                </a:r>
-              </a:p>
-            </p:txBody>
-          </p:sp>
-        </mc:Fallback>
-      </mc:AlternateContent>
+      <p:sp>
+        <p:nvSpPr>
+          <p:cNvPr id="2" name="Title 1">
+            <a:extLst>
+              <a:ext uri="{FF2B5EF4-FFF2-40B4-BE49-F238E27FC236}">
+                <a16:creationId xmlns:a16="http://schemas.microsoft.com/office/drawing/2014/main" id="{CB198514-9CC3-FF41-BBB3-34F1404426A7}"/>
+              </a:ext>
+            </a:extLst>
+          </p:cNvPr>
+          <p:cNvSpPr>
+            <a:spLocks noGrp="1"/>
+          </p:cNvSpPr>
+          <p:nvPr>
+            <p:ph type="title"/>
+          </p:nvPr>
+        </p:nvSpPr>
+        <p:spPr/>
+        <p:txBody>
+          <a:bodyPr>
+            <a:normAutofit/>
+          </a:bodyPr>
+          <a:lstStyle/>
+          <a:p>
+            <a:r>
+              <a:rPr lang="en-US" dirty="0"/>
+              <a:t>Potential Solutions</a:t>
+            </a:r>
+          </a:p>
+        </p:txBody>
+      </p:sp>
       <mc:AlternateContent xmlns:mc="http://schemas.openxmlformats.org/markup-compatibility/2006" xmlns:a14="http://schemas.microsoft.com/office/drawing/2010/main">
         <mc:Choice Requires="a14">
           <p:sp>
@@ -5560,6 +5246,20 @@
               <a:p>
                 <a:r>
                   <a:rPr lang="en-US" dirty="0"/>
+                  <a:t>The most common approaches are truncated and </a:t>
+                </a:r>
+                <a:r>
+                  <a:rPr lang="en-US" dirty="0" err="1"/>
+                  <a:t>winsorizing</a:t>
+                </a:r>
+                <a:r>
+                  <a:rPr lang="en-US" dirty="0"/>
+                  <a:t> (top-coding / censoring) data.</a:t>
+                </a:r>
+              </a:p>
+              <a:p>
+                <a:r>
+                  <a:rPr lang="en-US" dirty="0"/>
                   <a:t>Truncation is removing observations based on values of </a:t>
                 </a:r>
                 <a14:m>
@@ -5598,8 +5298,205 @@
               </a:p>
               <a:p>
                 <a:r>
+                  <a:rPr lang="en-US" dirty="0" err="1"/>
+                  <a:t>Winsorizing</a:t>
+                </a:r>
+                <a:r>
                   <a:rPr lang="en-US" dirty="0"/>
-                  <a:t>However, it is unclear how much to truncate. The more data is truncated, the less </a:t>
+                  <a:t> is replacing values of </a:t>
+                </a:r>
+                <a14:m>
+                  <m:oMath xmlns:m="http://schemas.openxmlformats.org/officeDocument/2006/math">
+                    <m:sSub>
+                      <m:sSubPr>
+                        <m:ctrlPr>
+                          <a:rPr lang="en-US" i="1" smtClean="0">
+                            <a:latin typeface="Cambria Math" panose="02040503050406030204" pitchFamily="18" charset="0"/>
+                          </a:rPr>
+                        </m:ctrlPr>
+                      </m:sSubPr>
+                      <m:e>
+                        <m:r>
+                          <a:rPr lang="en-US" i="1">
+                            <a:latin typeface="Cambria Math" panose="02040503050406030204" pitchFamily="18" charset="0"/>
+                          </a:rPr>
+                          <m:t>𝑌</m:t>
+                        </m:r>
+                      </m:e>
+                      <m:sub>
+                        <m:r>
+                          <a:rPr lang="en-US" i="1">
+                            <a:latin typeface="Cambria Math" panose="02040503050406030204" pitchFamily="18" charset="0"/>
+                          </a:rPr>
+                          <m:t>𝑖</m:t>
+                        </m:r>
+                      </m:sub>
+                    </m:sSub>
+                  </m:oMath>
+                </a14:m>
+                <a:r>
+                  <a:rPr lang="en-US" dirty="0"/>
+                  <a:t> above (below) </a:t>
+                </a:r>
+                <a14:m>
+                  <m:oMath xmlns:m="http://schemas.openxmlformats.org/officeDocument/2006/math">
+                    <m:sSub>
+                      <m:sSubPr>
+                        <m:ctrlPr>
+                          <a:rPr lang="en-US" b="0" i="1" smtClean="0">
+                            <a:latin typeface="Cambria Math" panose="02040503050406030204" pitchFamily="18" charset="0"/>
+                          </a:rPr>
+                        </m:ctrlPr>
+                      </m:sSubPr>
+                      <m:e>
+                        <m:r>
+                          <a:rPr lang="en-US" b="0" i="1" smtClean="0">
+                            <a:latin typeface="Cambria Math" panose="02040503050406030204" pitchFamily="18" charset="0"/>
+                          </a:rPr>
+                          <m:t>𝑌</m:t>
+                        </m:r>
+                      </m:e>
+                      <m:sub>
+                        <m:r>
+                          <a:rPr lang="en-US" b="0" i="1" smtClean="0">
+                            <a:latin typeface="Cambria Math" panose="02040503050406030204" pitchFamily="18" charset="0"/>
+                          </a:rPr>
+                          <m:t>𝑈</m:t>
+                        </m:r>
+                      </m:sub>
+                    </m:sSub>
+                    <m:d>
+                      <m:dPr>
+                        <m:ctrlPr>
+                          <a:rPr lang="en-US" b="0" i="1" smtClean="0">
+                            <a:latin typeface="Cambria Math" panose="02040503050406030204" pitchFamily="18" charset="0"/>
+                          </a:rPr>
+                        </m:ctrlPr>
+                      </m:dPr>
+                      <m:e>
+                        <m:sSub>
+                          <m:sSubPr>
+                            <m:ctrlPr>
+                              <a:rPr lang="en-US" b="0" i="1" smtClean="0">
+                                <a:latin typeface="Cambria Math" panose="02040503050406030204" pitchFamily="18" charset="0"/>
+                              </a:rPr>
+                            </m:ctrlPr>
+                          </m:sSubPr>
+                          <m:e>
+                            <m:r>
+                              <a:rPr lang="en-US" b="0" i="1" smtClean="0">
+                                <a:latin typeface="Cambria Math" panose="02040503050406030204" pitchFamily="18" charset="0"/>
+                              </a:rPr>
+                              <m:t>𝑌</m:t>
+                            </m:r>
+                          </m:e>
+                          <m:sub>
+                            <m:r>
+                              <a:rPr lang="en-US" b="0" i="1" smtClean="0">
+                                <a:latin typeface="Cambria Math" panose="02040503050406030204" pitchFamily="18" charset="0"/>
+                              </a:rPr>
+                              <m:t>𝐿</m:t>
+                            </m:r>
+                          </m:sub>
+                        </m:sSub>
+                      </m:e>
+                    </m:d>
+                  </m:oMath>
+                </a14:m>
+                <a:r>
+                  <a:rPr lang="en-US" dirty="0"/>
+                  <a:t> with </a:t>
+                </a:r>
+                <a14:m>
+                  <m:oMath xmlns:m="http://schemas.openxmlformats.org/officeDocument/2006/math">
+                    <m:sSub>
+                      <m:sSubPr>
+                        <m:ctrlPr>
+                          <a:rPr lang="en-US" i="1">
+                            <a:latin typeface="Cambria Math" panose="02040503050406030204" pitchFamily="18" charset="0"/>
+                          </a:rPr>
+                        </m:ctrlPr>
+                      </m:sSubPr>
+                      <m:e>
+                        <m:r>
+                          <a:rPr lang="en-US" i="1">
+                            <a:latin typeface="Cambria Math" panose="02040503050406030204" pitchFamily="18" charset="0"/>
+                          </a:rPr>
+                          <m:t>𝑌</m:t>
+                        </m:r>
+                      </m:e>
+                      <m:sub>
+                        <m:r>
+                          <a:rPr lang="en-US" i="1">
+                            <a:latin typeface="Cambria Math" panose="02040503050406030204" pitchFamily="18" charset="0"/>
+                          </a:rPr>
+                          <m:t>𝑈</m:t>
+                        </m:r>
+                      </m:sub>
+                    </m:sSub>
+                    <m:d>
+                      <m:dPr>
+                        <m:ctrlPr>
+                          <a:rPr lang="en-US" i="1">
+                            <a:latin typeface="Cambria Math" panose="02040503050406030204" pitchFamily="18" charset="0"/>
+                          </a:rPr>
+                        </m:ctrlPr>
+                      </m:dPr>
+                      <m:e>
+                        <m:sSub>
+                          <m:sSubPr>
+                            <m:ctrlPr>
+                              <a:rPr lang="en-US" i="1">
+                                <a:latin typeface="Cambria Math" panose="02040503050406030204" pitchFamily="18" charset="0"/>
+                              </a:rPr>
+                            </m:ctrlPr>
+                          </m:sSubPr>
+                          <m:e>
+                            <m:r>
+                              <a:rPr lang="en-US" i="1">
+                                <a:latin typeface="Cambria Math" panose="02040503050406030204" pitchFamily="18" charset="0"/>
+                              </a:rPr>
+                              <m:t>𝑌</m:t>
+                            </m:r>
+                          </m:e>
+                          <m:sub>
+                            <m:r>
+                              <a:rPr lang="en-US" i="1">
+                                <a:latin typeface="Cambria Math" panose="02040503050406030204" pitchFamily="18" charset="0"/>
+                              </a:rPr>
+                              <m:t>𝐿</m:t>
+                            </m:r>
+                          </m:sub>
+                        </m:sSub>
+                      </m:e>
+                    </m:d>
+                  </m:oMath>
+                </a14:m>
+                <a:r>
+                  <a:rPr lang="en-US" dirty="0"/>
+                  <a:t> </a:t>
+                </a:r>
+              </a:p>
+              <a:p>
+                <a:r>
+                  <a:rPr lang="en-US" dirty="0"/>
+                  <a:t>It is unclear how much truncation or </a:t>
+                </a:r>
+                <a:r>
+                  <a:rPr lang="en-US" dirty="0" err="1"/>
+                  <a:t>winsorization</a:t>
+                </a:r>
+                <a:r>
+                  <a:rPr lang="en-US" dirty="0"/>
+                  <a:t> to do. The more data is truncated or </a:t>
+                </a:r>
+                <a:r>
+                  <a:rPr lang="en-US" dirty="0" err="1"/>
+                  <a:t>winsorized</a:t>
+                </a:r>
+                <a:r>
+                  <a:rPr lang="en-US" dirty="0"/>
+                  <a:t>, the less </a:t>
                 </a:r>
                 <a:r>
                   <a:rPr lang="en-US" u="sng" dirty="0"/>
@@ -5613,7 +5510,15 @@
               <a:p>
                 <a:r>
                   <a:rPr lang="en-US" dirty="0"/>
-                  <a:t>No principled way to determine the best truncation point. </a:t>
+                  <a:t>One potential is to truncate or </a:t>
+                </a:r>
+                <a:r>
+                  <a:rPr lang="en-US" dirty="0" err="1"/>
+                  <a:t>winsorize</a:t>
+                </a:r>
+                <a:r>
+                  <a:rPr lang="en-US" dirty="0"/>
+                  <a:t> based on a placebo outcome that has similar outlier variation.</a:t>
                 </a:r>
               </a:p>
             </p:txBody>
@@ -5638,9 +5543,9 @@
             </p:nvSpPr>
             <p:spPr>
               <a:blipFill>
-                <a:blip r:embed="rId3"/>
+                <a:blip r:embed="rId2"/>
                 <a:stretch>
-                  <a:fillRect l="-1086" t="-2326"/>
+                  <a:fillRect l="-1086" t="-2326" r="-1327"/>
                 </a:stretch>
               </a:blipFill>
             </p:spPr>
@@ -5672,7 +5577,7 @@
 </p:sld>
 </file>
 
-<file path=ppt/slides/slide14.xml><?xml version="1.0" encoding="utf-8"?>
+<file path=ppt/slides/slide13.xml><?xml version="1.0" encoding="utf-8"?>
 <p:sld xmlns:a="http://schemas.openxmlformats.org/drawingml/2006/main" xmlns:r="http://schemas.openxmlformats.org/officeDocument/2006/relationships" xmlns:p="http://schemas.openxmlformats.org/presentationml/2006/main">
   <p:cSld>
     <p:spTree>
@@ -5929,7 +5834,7 @@
 </p:sld>
 </file>
 
-<file path=ppt/slides/slide15.xml><?xml version="1.0" encoding="utf-8"?>
+<file path=ppt/slides/slide14.xml><?xml version="1.0" encoding="utf-8"?>
 <p:sld xmlns:a="http://schemas.openxmlformats.org/drawingml/2006/main" xmlns:r="http://schemas.openxmlformats.org/officeDocument/2006/relationships" xmlns:p="http://schemas.openxmlformats.org/presentationml/2006/main">
   <p:cSld>
     <p:spTree>
@@ -6257,114 +6162,7 @@
 </p:sld>
 </file>
 
-<file path=ppt/slides/slide16.xml><?xml version="1.0" encoding="utf-8"?>
-<p:sld xmlns:a="http://schemas.openxmlformats.org/drawingml/2006/main" xmlns:r="http://schemas.openxmlformats.org/officeDocument/2006/relationships" xmlns:p="http://schemas.openxmlformats.org/presentationml/2006/main">
-  <p:cSld>
-    <p:spTree>
-      <p:nvGrpSpPr>
-        <p:cNvPr id="1" name=""/>
-        <p:cNvGrpSpPr/>
-        <p:nvPr/>
-      </p:nvGrpSpPr>
-      <p:grpSpPr>
-        <a:xfrm>
-          <a:off x="0" y="0"/>
-          <a:ext cx="0" cy="0"/>
-          <a:chOff x="0" y="0"/>
-          <a:chExt cx="0" cy="0"/>
-        </a:xfrm>
-      </p:grpSpPr>
-      <p:sp>
-        <p:nvSpPr>
-          <p:cNvPr id="2" name="Title 1">
-            <a:extLst>
-              <a:ext uri="{FF2B5EF4-FFF2-40B4-BE49-F238E27FC236}">
-                <a16:creationId xmlns:a16="http://schemas.microsoft.com/office/drawing/2014/main" id="{EE7DA19D-EB1F-F646-BC6D-9CBCAE204B85}"/>
-              </a:ext>
-            </a:extLst>
-          </p:cNvPr>
-          <p:cNvSpPr>
-            <a:spLocks noGrp="1"/>
-          </p:cNvSpPr>
-          <p:nvPr>
-            <p:ph type="title"/>
-          </p:nvPr>
-        </p:nvSpPr>
-        <p:spPr/>
-        <p:txBody>
-          <a:bodyPr/>
-          <a:lstStyle/>
-          <a:p>
-            <a:r>
-              <a:rPr lang="en-US" dirty="0"/>
-              <a:t>WIP – Median and Quantile Treatment Effects</a:t>
-            </a:r>
-          </a:p>
-        </p:txBody>
-      </p:sp>
-      <p:pic>
-        <p:nvPicPr>
-          <p:cNvPr id="6146" name="Picture 2">
-            <a:extLst>
-              <a:ext uri="{FF2B5EF4-FFF2-40B4-BE49-F238E27FC236}">
-                <a16:creationId xmlns:a16="http://schemas.microsoft.com/office/drawing/2014/main" id="{4092A93E-F20B-F34F-B98D-1D6F63228070}"/>
-              </a:ext>
-            </a:extLst>
-          </p:cNvPr>
-          <p:cNvPicPr>
-            <a:picLocks noGrp="1" noChangeAspect="1" noChangeArrowheads="1"/>
-          </p:cNvPicPr>
-          <p:nvPr>
-            <p:ph idx="1"/>
-          </p:nvPr>
-        </p:nvPicPr>
-        <p:blipFill>
-          <a:blip r:embed="rId2">
-            <a:extLst>
-              <a:ext uri="{28A0092B-C50C-407E-A947-70E740481C1C}">
-                <a14:useLocalDpi xmlns:a14="http://schemas.microsoft.com/office/drawing/2010/main" val="0"/>
-              </a:ext>
-            </a:extLst>
-          </a:blip>
-          <a:srcRect/>
-          <a:stretch>
-            <a:fillRect/>
-          </a:stretch>
-        </p:blipFill>
-        <p:spPr bwMode="auto">
-          <a:xfrm>
-            <a:off x="3856874" y="1825625"/>
-            <a:ext cx="4478252" cy="4351338"/>
-          </a:xfrm>
-          <a:prstGeom prst="rect">
-            <a:avLst/>
-          </a:prstGeom>
-          <a:noFill/>
-          <a:extLst>
-            <a:ext uri="{909E8E84-426E-40DD-AFC4-6F175D3DCCD1}">
-              <a14:hiddenFill xmlns:a14="http://schemas.microsoft.com/office/drawing/2010/main">
-                <a:solidFill>
-                  <a:srgbClr val="FFFFFF"/>
-                </a:solidFill>
-              </a14:hiddenFill>
-            </a:ext>
-          </a:extLst>
-        </p:spPr>
-      </p:pic>
-    </p:spTree>
-    <p:extLst>
-      <p:ext uri="{BB962C8B-B14F-4D97-AF65-F5344CB8AC3E}">
-        <p14:creationId xmlns:p14="http://schemas.microsoft.com/office/powerpoint/2010/main" val="2572615332"/>
-      </p:ext>
-    </p:extLst>
-  </p:cSld>
-  <p:clrMapOvr>
-    <a:masterClrMapping/>
-  </p:clrMapOvr>
-</p:sld>
-</file>
-
-<file path=ppt/slides/slide17.xml><?xml version="1.0" encoding="utf-8"?>
+<file path=ppt/slides/slide15.xml><?xml version="1.0" encoding="utf-8"?>
 <p:sld xmlns:a="http://schemas.openxmlformats.org/drawingml/2006/main" xmlns:r="http://schemas.openxmlformats.org/officeDocument/2006/relationships" xmlns:p="http://schemas.openxmlformats.org/presentationml/2006/main">
   <p:cSld>
     <p:spTree>
@@ -6404,7 +6202,7 @@
           <a:p>
             <a:r>
               <a:rPr lang="en-US" dirty="0"/>
-              <a:t>B. Feature Selection</a:t>
+              <a:t>B. Class Imbalance</a:t>
             </a:r>
           </a:p>
         </p:txBody>
@@ -6450,7 +6248,7 @@
 </p:sld>
 </file>
 
-<file path=ppt/slides/slide18.xml><?xml version="1.0" encoding="utf-8"?>
+<file path=ppt/slides/slide16.xml><?xml version="1.0" encoding="utf-8"?>
 <p:sld xmlns:a="http://schemas.openxmlformats.org/drawingml/2006/main" xmlns:r="http://schemas.openxmlformats.org/officeDocument/2006/relationships" xmlns:p="http://schemas.openxmlformats.org/presentationml/2006/main">
   <p:cSld>
     <p:spTree>
@@ -6488,7 +6286,10 @@
           <a:bodyPr/>
           <a:lstStyle/>
           <a:p>
-            <a:endParaRPr lang="en-US"/>
+            <a:r>
+              <a:rPr lang="en-US" dirty="0"/>
+              <a:t>What is class imbalance?</a:t>
+            </a:r>
           </a:p>
         </p:txBody>
       </p:sp>
@@ -6513,7 +6314,22 @@
           <a:bodyPr/>
           <a:lstStyle/>
           <a:p>
-            <a:endParaRPr lang="en-US"/>
+            <a:r>
+              <a:rPr lang="en-US" dirty="0"/>
+              <a:t>You have a proportionally way more of treatment or control units.</a:t>
+            </a:r>
+          </a:p>
+          <a:p>
+            <a:r>
+              <a:rPr lang="en-US" dirty="0"/>
+              <a:t>For example, you want to know the impact of a customer returning a product purchased during Thanksgiving on that customer’s future purchases. </a:t>
+            </a:r>
+          </a:p>
+          <a:p>
+            <a:r>
+              <a:rPr lang="en-US" dirty="0"/>
+              <a:t>While a lot of products are returned, the ratio of customers making the Thanksgiving return versus not is very small. Making up an example that 0.01% of customers do Thanksgiving returns.</a:t>
+            </a:r>
           </a:p>
         </p:txBody>
       </p:sp>
@@ -6521,6 +6337,220 @@
     <p:extLst>
       <p:ext uri="{BB962C8B-B14F-4D97-AF65-F5344CB8AC3E}">
         <p14:creationId xmlns:p14="http://schemas.microsoft.com/office/powerpoint/2010/main" val="3174559458"/>
+      </p:ext>
+    </p:extLst>
+  </p:cSld>
+  <p:clrMapOvr>
+    <a:masterClrMapping/>
+  </p:clrMapOvr>
+</p:sld>
+</file>
+
+<file path=ppt/slides/slide17.xml><?xml version="1.0" encoding="utf-8"?>
+<p:sld xmlns:a="http://schemas.openxmlformats.org/drawingml/2006/main" xmlns:r="http://schemas.openxmlformats.org/officeDocument/2006/relationships" xmlns:p="http://schemas.openxmlformats.org/presentationml/2006/main">
+  <p:cSld>
+    <p:spTree>
+      <p:nvGrpSpPr>
+        <p:cNvPr id="1" name=""/>
+        <p:cNvGrpSpPr/>
+        <p:nvPr/>
+      </p:nvGrpSpPr>
+      <p:grpSpPr>
+        <a:xfrm>
+          <a:off x="0" y="0"/>
+          <a:ext cx="0" cy="0"/>
+          <a:chOff x="0" y="0"/>
+          <a:chExt cx="0" cy="0"/>
+        </a:xfrm>
+      </p:grpSpPr>
+      <p:sp>
+        <p:nvSpPr>
+          <p:cNvPr id="2" name="Title 1">
+            <a:extLst>
+              <a:ext uri="{FF2B5EF4-FFF2-40B4-BE49-F238E27FC236}">
+                <a16:creationId xmlns:a16="http://schemas.microsoft.com/office/drawing/2014/main" id="{655B6BF6-4B8A-AB8A-6BED-27010330469F}"/>
+              </a:ext>
+            </a:extLst>
+          </p:cNvPr>
+          <p:cNvSpPr>
+            <a:spLocks noGrp="1"/>
+          </p:cNvSpPr>
+          <p:nvPr>
+            <p:ph type="title"/>
+          </p:nvPr>
+        </p:nvSpPr>
+        <p:spPr/>
+        <p:txBody>
+          <a:bodyPr/>
+          <a:lstStyle/>
+          <a:p>
+            <a:r>
+              <a:rPr lang="en-US" dirty="0"/>
+              <a:t>Why is this a problem?</a:t>
+            </a:r>
+          </a:p>
+        </p:txBody>
+      </p:sp>
+      <p:sp>
+        <p:nvSpPr>
+          <p:cNvPr id="3" name="Content Placeholder 2">
+            <a:extLst>
+              <a:ext uri="{FF2B5EF4-FFF2-40B4-BE49-F238E27FC236}">
+                <a16:creationId xmlns:a16="http://schemas.microsoft.com/office/drawing/2014/main" id="{3984A51F-0161-029B-CEF2-8131C50F3509}"/>
+              </a:ext>
+            </a:extLst>
+          </p:cNvPr>
+          <p:cNvSpPr>
+            <a:spLocks noGrp="1"/>
+          </p:cNvSpPr>
+          <p:nvPr>
+            <p:ph idx="1"/>
+          </p:nvPr>
+        </p:nvSpPr>
+        <p:spPr/>
+        <p:txBody>
+          <a:bodyPr/>
+          <a:lstStyle/>
+          <a:p>
+            <a:r>
+              <a:rPr lang="en-US" dirty="0"/>
+              <a:t>Since we do not have a clean experiment, we need to train a propensity model to identify control customers (no Thanksgiving returns) to treated customers (Thanksgiving returns). </a:t>
+            </a:r>
+          </a:p>
+          <a:p>
+            <a:r>
+              <a:rPr lang="en-US" dirty="0"/>
+              <a:t>This gives rise to two problems:</a:t>
+            </a:r>
+          </a:p>
+          <a:p>
+            <a:pPr marL="514350" indent="-514350">
+              <a:buAutoNum type="arabicPeriod"/>
+            </a:pPr>
+            <a:r>
+              <a:rPr lang="en-US" dirty="0"/>
+              <a:t>Propensity model may under-predict treatment status. If 0.01% are treated, then the model is 99.99% correct by predicting all customers as control.</a:t>
+            </a:r>
+          </a:p>
+          <a:p>
+            <a:pPr marL="514350" indent="-514350">
+              <a:buAutoNum type="arabicPeriod"/>
+            </a:pPr>
+            <a:r>
+              <a:rPr lang="en-US" dirty="0"/>
+              <a:t>Propensity scores close to either 0 or 1. This leads to imprecise estimates or no overlap.</a:t>
+            </a:r>
+          </a:p>
+        </p:txBody>
+      </p:sp>
+    </p:spTree>
+    <p:extLst>
+      <p:ext uri="{BB962C8B-B14F-4D97-AF65-F5344CB8AC3E}">
+        <p14:creationId xmlns:p14="http://schemas.microsoft.com/office/powerpoint/2010/main" val="1687720157"/>
+      </p:ext>
+    </p:extLst>
+  </p:cSld>
+  <p:clrMapOvr>
+    <a:masterClrMapping/>
+  </p:clrMapOvr>
+</p:sld>
+</file>
+
+<file path=ppt/slides/slide18.xml><?xml version="1.0" encoding="utf-8"?>
+<p:sld xmlns:a="http://schemas.openxmlformats.org/drawingml/2006/main" xmlns:r="http://schemas.openxmlformats.org/officeDocument/2006/relationships" xmlns:p="http://schemas.openxmlformats.org/presentationml/2006/main">
+  <p:cSld>
+    <p:spTree>
+      <p:nvGrpSpPr>
+        <p:cNvPr id="1" name=""/>
+        <p:cNvGrpSpPr/>
+        <p:nvPr/>
+      </p:nvGrpSpPr>
+      <p:grpSpPr>
+        <a:xfrm>
+          <a:off x="0" y="0"/>
+          <a:ext cx="0" cy="0"/>
+          <a:chOff x="0" y="0"/>
+          <a:chExt cx="0" cy="0"/>
+        </a:xfrm>
+      </p:grpSpPr>
+      <p:sp>
+        <p:nvSpPr>
+          <p:cNvPr id="2" name="Title 1">
+            <a:extLst>
+              <a:ext uri="{FF2B5EF4-FFF2-40B4-BE49-F238E27FC236}">
+                <a16:creationId xmlns:a16="http://schemas.microsoft.com/office/drawing/2014/main" id="{1F9D34AC-A56C-EE11-6229-8AB1C72678F0}"/>
+              </a:ext>
+            </a:extLst>
+          </p:cNvPr>
+          <p:cNvSpPr>
+            <a:spLocks noGrp="1"/>
+          </p:cNvSpPr>
+          <p:nvPr>
+            <p:ph type="title"/>
+          </p:nvPr>
+        </p:nvSpPr>
+        <p:spPr/>
+        <p:txBody>
+          <a:bodyPr/>
+          <a:lstStyle/>
+          <a:p>
+            <a:r>
+              <a:rPr lang="en-US" dirty="0"/>
+              <a:t>Under-predicting treatment status</a:t>
+            </a:r>
+          </a:p>
+        </p:txBody>
+      </p:sp>
+      <p:sp>
+        <p:nvSpPr>
+          <p:cNvPr id="3" name="Content Placeholder 2">
+            <a:extLst>
+              <a:ext uri="{FF2B5EF4-FFF2-40B4-BE49-F238E27FC236}">
+                <a16:creationId xmlns:a16="http://schemas.microsoft.com/office/drawing/2014/main" id="{09B91ACB-CBC7-F3A1-AB40-638F9E626BF8}"/>
+              </a:ext>
+            </a:extLst>
+          </p:cNvPr>
+          <p:cNvSpPr>
+            <a:spLocks noGrp="1"/>
+          </p:cNvSpPr>
+          <p:nvPr>
+            <p:ph idx="1"/>
+          </p:nvPr>
+        </p:nvSpPr>
+        <p:spPr/>
+        <p:txBody>
+          <a:bodyPr/>
+          <a:lstStyle/>
+          <a:p>
+            <a:r>
+              <a:rPr lang="en-US" dirty="0"/>
+              <a:t>Often prediction models are trained on the mean loss.</a:t>
+            </a:r>
+          </a:p>
+          <a:p>
+            <a:r>
+              <a:rPr lang="en-US" dirty="0"/>
+              <a:t>However, training on the mean loss can detect incorrect patterns and predicting all units are in control.</a:t>
+            </a:r>
+          </a:p>
+          <a:p>
+            <a:r>
+              <a:rPr lang="en-US" dirty="0"/>
+              <a:t>This can cause an underestimate of the features that predict treatment status: returning a Thanksgiving product.</a:t>
+            </a:r>
+          </a:p>
+          <a:p>
+            <a:r>
+              <a:rPr lang="en-US" dirty="0"/>
+              <a:t>Consider training or choosing between models based on other metrics such as Recall, F1 score, etc.</a:t>
+            </a:r>
+          </a:p>
+        </p:txBody>
+      </p:sp>
+    </p:spTree>
+    <p:extLst>
+      <p:ext uri="{BB962C8B-B14F-4D97-AF65-F5344CB8AC3E}">
+        <p14:creationId xmlns:p14="http://schemas.microsoft.com/office/powerpoint/2010/main" val="567998406"/>
       </p:ext>
     </p:extLst>
   </p:cSld>
@@ -6552,7 +6582,7 @@
           <p:cNvPr id="4" name="Title 3">
             <a:extLst>
               <a:ext uri="{FF2B5EF4-FFF2-40B4-BE49-F238E27FC236}">
-                <a16:creationId xmlns:a16="http://schemas.microsoft.com/office/drawing/2014/main" id="{81203072-0A89-A743-98A8-624657DC9B25}"/>
+                <a16:creationId xmlns:a16="http://schemas.microsoft.com/office/drawing/2014/main" id="{6210D7AA-6874-D14C-ABFB-35F399DD76C6}"/>
               </a:ext>
             </a:extLst>
           </p:cNvPr>
@@ -6570,17 +6600,17 @@
           <a:p>
             <a:r>
               <a:rPr lang="en-US" dirty="0"/>
-              <a:t>C. Bad Control</a:t>
+              <a:t>Extreme propensity scores</a:t>
             </a:r>
           </a:p>
         </p:txBody>
       </p:sp>
       <p:sp>
         <p:nvSpPr>
-          <p:cNvPr id="5" name="Text Placeholder 4">
+          <p:cNvPr id="5" name="Content Placeholder 4">
             <a:extLst>
               <a:ext uri="{FF2B5EF4-FFF2-40B4-BE49-F238E27FC236}">
-                <a16:creationId xmlns:a16="http://schemas.microsoft.com/office/drawing/2014/main" id="{527E5198-97A2-E64B-A776-B5417264E81F}"/>
+                <a16:creationId xmlns:a16="http://schemas.microsoft.com/office/drawing/2014/main" id="{59F2A1D3-6A45-2A4E-92BD-B25DA800456E}"/>
               </a:ext>
             </a:extLst>
           </p:cNvPr>
@@ -6588,7 +6618,7 @@
             <a:spLocks noGrp="1"/>
           </p:cNvSpPr>
           <p:nvPr>
-            <p:ph type="body" idx="1"/>
+            <p:ph idx="1"/>
           </p:nvPr>
         </p:nvSpPr>
         <p:spPr/>
@@ -6598,7 +6628,19 @@
           <a:p>
             <a:r>
               <a:rPr lang="en-US" dirty="0"/>
-              <a:t>WIP</a:t>
+              <a:t>Propensity-based causal models such as IPW and DML are all identified with the same assumptions (overlap, exogeneity, and stable unit treatment variable assumption).</a:t>
+            </a:r>
+          </a:p>
+          <a:p>
+            <a:r>
+              <a:rPr lang="en-US" dirty="0"/>
+              <a:t>At a high level, they all estimate treatment effects by comparing control and treatment accounts with similar propensity scores, that are, in other words, similarly likely to be treated.</a:t>
+            </a:r>
+          </a:p>
+          <a:p>
+            <a:r>
+              <a:rPr lang="en-US" dirty="0"/>
+              <a:t>We show that extremely large and small propensity scores can raise issues. </a:t>
             </a:r>
           </a:p>
         </p:txBody>
@@ -6606,7 +6648,7 @@
     </p:spTree>
     <p:extLst>
       <p:ext uri="{BB962C8B-B14F-4D97-AF65-F5344CB8AC3E}">
-        <p14:creationId xmlns:p14="http://schemas.microsoft.com/office/powerpoint/2010/main" val="255999913"/>
+        <p14:creationId xmlns:p14="http://schemas.microsoft.com/office/powerpoint/2010/main" val="3313331785"/>
       </p:ext>
     </p:extLst>
   </p:cSld>
@@ -6797,10 +6839,10 @@
       </p:grpSpPr>
       <p:sp>
         <p:nvSpPr>
-          <p:cNvPr id="4" name="Title 3">
+          <p:cNvPr id="2" name="Title 1">
             <a:extLst>
               <a:ext uri="{FF2B5EF4-FFF2-40B4-BE49-F238E27FC236}">
-                <a16:creationId xmlns:a16="http://schemas.microsoft.com/office/drawing/2014/main" id="{6210D7AA-6874-D14C-ABFB-35F399DD76C6}"/>
+                <a16:creationId xmlns:a16="http://schemas.microsoft.com/office/drawing/2014/main" id="{C6BE59DD-EBDD-8447-A58E-AC687DB877B5}"/>
               </a:ext>
             </a:extLst>
           </p:cNvPr>
@@ -6816,16 +6858,219 @@
           <a:bodyPr/>
           <a:lstStyle/>
           <a:p>
-            <a:endParaRPr lang="en-US"/>
+            <a:r>
+              <a:rPr lang="en-US" dirty="0"/>
+              <a:t>Simulation case</a:t>
+            </a:r>
           </a:p>
         </p:txBody>
       </p:sp>
       <p:sp>
         <p:nvSpPr>
-          <p:cNvPr id="5" name="Content Placeholder 4">
+          <p:cNvPr id="3" name="Content Placeholder 2">
             <a:extLst>
               <a:ext uri="{FF2B5EF4-FFF2-40B4-BE49-F238E27FC236}">
-                <a16:creationId xmlns:a16="http://schemas.microsoft.com/office/drawing/2014/main" id="{59F2A1D3-6A45-2A4E-92BD-B25DA800456E}"/>
+                <a16:creationId xmlns:a16="http://schemas.microsoft.com/office/drawing/2014/main" id="{2DB6EFBE-DF64-C94D-835E-9F049F2D3920}"/>
+              </a:ext>
+            </a:extLst>
+          </p:cNvPr>
+          <p:cNvSpPr>
+            <a:spLocks noGrp="1"/>
+          </p:cNvSpPr>
+          <p:nvPr>
+            <p:ph idx="1"/>
+          </p:nvPr>
+        </p:nvSpPr>
+        <p:spPr>
+          <a:xfrm>
+            <a:off x="838200" y="1825625"/>
+            <a:ext cx="4998568" cy="4351338"/>
+          </a:xfrm>
+        </p:spPr>
+        <p:txBody>
+          <a:bodyPr/>
+          <a:lstStyle/>
+          <a:p>
+            <a:r>
+              <a:rPr lang="en-US" dirty="0"/>
+              <a:t>Setup where we have extremely large and small propensity scores</a:t>
+            </a:r>
+          </a:p>
+          <a:p>
+            <a:r>
+              <a:rPr lang="en-US" dirty="0"/>
+              <a:t>Estimate the average treatment effect (ATE) with IPW and DML-IRM models.</a:t>
+            </a:r>
+          </a:p>
+        </p:txBody>
+      </p:sp>
+      <p:grpSp>
+        <p:nvGrpSpPr>
+          <p:cNvPr id="5" name="Group 4">
+            <a:extLst>
+              <a:ext uri="{FF2B5EF4-FFF2-40B4-BE49-F238E27FC236}">
+                <a16:creationId xmlns:a16="http://schemas.microsoft.com/office/drawing/2014/main" id="{01933A40-C079-2744-BDE8-E137E03A96F6}"/>
+              </a:ext>
+            </a:extLst>
+          </p:cNvPr>
+          <p:cNvGrpSpPr/>
+          <p:nvPr/>
+        </p:nvGrpSpPr>
+        <p:grpSpPr>
+          <a:xfrm>
+            <a:off x="5836768" y="365125"/>
+            <a:ext cx="6062397" cy="3390027"/>
+            <a:chOff x="5836768" y="1456293"/>
+            <a:chExt cx="6062397" cy="3390027"/>
+          </a:xfrm>
+        </p:grpSpPr>
+        <p:pic>
+          <p:nvPicPr>
+            <p:cNvPr id="2050" name="Picture 2">
+              <a:extLst>
+                <a:ext uri="{FF2B5EF4-FFF2-40B4-BE49-F238E27FC236}">
+                  <a16:creationId xmlns:a16="http://schemas.microsoft.com/office/drawing/2014/main" id="{FC8F6F11-D01C-0047-A0EB-9EF9AF4969EC}"/>
+                </a:ext>
+              </a:extLst>
+            </p:cNvPr>
+            <p:cNvPicPr>
+              <a:picLocks noChangeAspect="1" noChangeArrowheads="1"/>
+            </p:cNvPicPr>
+            <p:nvPr/>
+          </p:nvPicPr>
+          <p:blipFill>
+            <a:blip r:embed="rId2">
+              <a:extLst>
+                <a:ext uri="{28A0092B-C50C-407E-A947-70E740481C1C}">
+                  <a14:useLocalDpi xmlns:a14="http://schemas.microsoft.com/office/drawing/2010/main" val="0"/>
+                </a:ext>
+              </a:extLst>
+            </a:blip>
+            <a:srcRect/>
+            <a:stretch>
+              <a:fillRect/>
+            </a:stretch>
+          </p:blipFill>
+          <p:spPr bwMode="auto">
+            <a:xfrm>
+              <a:off x="5836768" y="1690688"/>
+              <a:ext cx="6062397" cy="3155632"/>
+            </a:xfrm>
+            <a:prstGeom prst="rect">
+              <a:avLst/>
+            </a:prstGeom>
+            <a:noFill/>
+            <a:extLst>
+              <a:ext uri="{909E8E84-426E-40DD-AFC4-6F175D3DCCD1}">
+                <a14:hiddenFill xmlns:a14="http://schemas.microsoft.com/office/drawing/2010/main">
+                  <a:solidFill>
+                    <a:srgbClr val="FFFFFF"/>
+                  </a:solidFill>
+                </a14:hiddenFill>
+              </a:ext>
+            </a:extLst>
+          </p:spPr>
+        </p:pic>
+        <p:sp>
+          <p:nvSpPr>
+            <p:cNvPr id="4" name="TextBox 3">
+              <a:extLst>
+                <a:ext uri="{FF2B5EF4-FFF2-40B4-BE49-F238E27FC236}">
+                  <a16:creationId xmlns:a16="http://schemas.microsoft.com/office/drawing/2014/main" id="{54635C1E-8F8F-0940-BAA5-DC6C82E2E90F}"/>
+                </a:ext>
+              </a:extLst>
+            </p:cNvPr>
+            <p:cNvSpPr txBox="1"/>
+            <p:nvPr/>
+          </p:nvSpPr>
+          <p:spPr>
+            <a:xfrm>
+              <a:off x="7532370" y="1456293"/>
+              <a:ext cx="3719416" cy="369332"/>
+            </a:xfrm>
+            <a:prstGeom prst="rect">
+              <a:avLst/>
+            </a:prstGeom>
+            <a:noFill/>
+          </p:spPr>
+          <p:txBody>
+            <a:bodyPr wrap="none" rtlCol="0">
+              <a:spAutoFit/>
+            </a:bodyPr>
+            <a:lstStyle/>
+            <a:p>
+              <a:r>
+                <a:rPr lang="en-US" dirty="0"/>
+                <a:t>Distribution of True Propensity Scores</a:t>
+              </a:r>
+            </a:p>
+          </p:txBody>
+        </p:sp>
+      </p:grpSp>
+    </p:spTree>
+    <p:extLst>
+      <p:ext uri="{BB962C8B-B14F-4D97-AF65-F5344CB8AC3E}">
+        <p14:creationId xmlns:p14="http://schemas.microsoft.com/office/powerpoint/2010/main" val="2729452253"/>
+      </p:ext>
+    </p:extLst>
+  </p:cSld>
+  <p:clrMapOvr>
+    <a:masterClrMapping/>
+  </p:clrMapOvr>
+</p:sld>
+</file>
+
+<file path=ppt/slides/slide21.xml><?xml version="1.0" encoding="utf-8"?>
+<p:sld xmlns:a="http://schemas.openxmlformats.org/drawingml/2006/main" xmlns:r="http://schemas.openxmlformats.org/officeDocument/2006/relationships" xmlns:p="http://schemas.openxmlformats.org/presentationml/2006/main">
+  <p:cSld>
+    <p:spTree>
+      <p:nvGrpSpPr>
+        <p:cNvPr id="1" name=""/>
+        <p:cNvGrpSpPr/>
+        <p:nvPr/>
+      </p:nvGrpSpPr>
+      <p:grpSpPr>
+        <a:xfrm>
+          <a:off x="0" y="0"/>
+          <a:ext cx="0" cy="0"/>
+          <a:chOff x="0" y="0"/>
+          <a:chExt cx="0" cy="0"/>
+        </a:xfrm>
+      </p:grpSpPr>
+      <p:sp>
+        <p:nvSpPr>
+          <p:cNvPr id="2" name="Title 1">
+            <a:extLst>
+              <a:ext uri="{FF2B5EF4-FFF2-40B4-BE49-F238E27FC236}">
+                <a16:creationId xmlns:a16="http://schemas.microsoft.com/office/drawing/2014/main" id="{182D5278-8DCE-4347-98A4-A6950C26BFBD}"/>
+              </a:ext>
+            </a:extLst>
+          </p:cNvPr>
+          <p:cNvSpPr>
+            <a:spLocks noGrp="1"/>
+          </p:cNvSpPr>
+          <p:nvPr>
+            <p:ph type="title"/>
+          </p:nvPr>
+        </p:nvSpPr>
+        <p:spPr/>
+        <p:txBody>
+          <a:bodyPr/>
+          <a:lstStyle/>
+          <a:p>
+            <a:r>
+              <a:rPr lang="en-US" dirty="0"/>
+              <a:t>Possible Approaches</a:t>
+            </a:r>
+          </a:p>
+        </p:txBody>
+      </p:sp>
+      <p:sp>
+        <p:nvSpPr>
+          <p:cNvPr id="3" name="Content Placeholder 2">
+            <a:extLst>
+              <a:ext uri="{FF2B5EF4-FFF2-40B4-BE49-F238E27FC236}">
+                <a16:creationId xmlns:a16="http://schemas.microsoft.com/office/drawing/2014/main" id="{13C5BF22-19EC-5E4A-9B7A-5E161EAC0CB7}"/>
               </a:ext>
             </a:extLst>
           </p:cNvPr>
@@ -6841,14 +7086,64 @@
           <a:bodyPr/>
           <a:lstStyle/>
           <a:p>
-            <a:endParaRPr lang="en-US"/>
+            <a:pPr marL="514350" indent="-514350">
+              <a:buFont typeface="+mj-lt"/>
+              <a:buAutoNum type="arabicPeriod"/>
+            </a:pPr>
+            <a:r>
+              <a:rPr lang="en-US" dirty="0"/>
+              <a:t>Replace extremely large/small propensity scores with a:</a:t>
+            </a:r>
+          </a:p>
+          <a:p>
+            <a:pPr marL="971550" lvl="1" indent="-514350">
+              <a:buFont typeface="+mj-lt"/>
+              <a:buAutoNum type="arabicPeriod"/>
+            </a:pPr>
+            <a:r>
+              <a:rPr lang="en-US" dirty="0"/>
+              <a:t>bin average; or</a:t>
+            </a:r>
+          </a:p>
+          <a:p>
+            <a:pPr marL="971550" lvl="1" indent="-514350">
+              <a:buFont typeface="+mj-lt"/>
+              <a:buAutoNum type="arabicPeriod"/>
+            </a:pPr>
+            <a:r>
+              <a:rPr lang="en-US" dirty="0"/>
+              <a:t>Sample average.</a:t>
+            </a:r>
+          </a:p>
+          <a:p>
+            <a:pPr marL="514350" indent="-514350">
+              <a:buFont typeface="+mj-lt"/>
+              <a:buAutoNum type="arabicPeriod"/>
+            </a:pPr>
+            <a:r>
+              <a:rPr lang="en-US" dirty="0"/>
+              <a:t>Remove observations with large/small propensity scores.</a:t>
+            </a:r>
+          </a:p>
+          <a:p>
+            <a:pPr marL="514350" indent="-514350">
+              <a:buFont typeface="+mj-lt"/>
+              <a:buAutoNum type="arabicPeriod"/>
+            </a:pPr>
+            <a:endParaRPr lang="en-US" dirty="0"/>
+          </a:p>
+          <a:p>
+            <a:r>
+              <a:rPr lang="en-US" dirty="0"/>
+              <a:t>The challenge is that these approaches will create bias in the estimate, so how do you know whether you have eliminated the bias?</a:t>
+            </a:r>
           </a:p>
         </p:txBody>
       </p:sp>
     </p:spTree>
     <p:extLst>
       <p:ext uri="{BB962C8B-B14F-4D97-AF65-F5344CB8AC3E}">
-        <p14:creationId xmlns:p14="http://schemas.microsoft.com/office/powerpoint/2010/main" val="887500604"/>
+        <p14:creationId xmlns:p14="http://schemas.microsoft.com/office/powerpoint/2010/main" val="3958227329"/>
       </p:ext>
     </p:extLst>
   </p:cSld>
@@ -6858,7 +7153,99 @@
 </p:sld>
 </file>
 
-<file path=ppt/slides/slide21.xml><?xml version="1.0" encoding="utf-8"?>
+<file path=ppt/slides/slide22.xml><?xml version="1.0" encoding="utf-8"?>
+<p:sld xmlns:a="http://schemas.openxmlformats.org/drawingml/2006/main" xmlns:r="http://schemas.openxmlformats.org/officeDocument/2006/relationships" xmlns:p="http://schemas.openxmlformats.org/presentationml/2006/main">
+  <p:cSld>
+    <p:spTree>
+      <p:nvGrpSpPr>
+        <p:cNvPr id="1" name=""/>
+        <p:cNvGrpSpPr/>
+        <p:nvPr/>
+      </p:nvGrpSpPr>
+      <p:grpSpPr>
+        <a:xfrm>
+          <a:off x="0" y="0"/>
+          <a:ext cx="0" cy="0"/>
+          <a:chOff x="0" y="0"/>
+          <a:chExt cx="0" cy="0"/>
+        </a:xfrm>
+      </p:grpSpPr>
+      <p:sp>
+        <p:nvSpPr>
+          <p:cNvPr id="2" name="Title 1">
+            <a:extLst>
+              <a:ext uri="{FF2B5EF4-FFF2-40B4-BE49-F238E27FC236}">
+                <a16:creationId xmlns:a16="http://schemas.microsoft.com/office/drawing/2014/main" id="{10181CA3-7E4A-494C-B301-F127134563BE}"/>
+              </a:ext>
+            </a:extLst>
+          </p:cNvPr>
+          <p:cNvSpPr>
+            <a:spLocks noGrp="1"/>
+          </p:cNvSpPr>
+          <p:nvPr>
+            <p:ph type="title"/>
+          </p:nvPr>
+        </p:nvSpPr>
+        <p:spPr/>
+        <p:txBody>
+          <a:bodyPr/>
+          <a:lstStyle/>
+          <a:p>
+            <a:r>
+              <a:rPr lang="en-US" dirty="0"/>
+              <a:t>Robustness to approaches</a:t>
+            </a:r>
+          </a:p>
+        </p:txBody>
+      </p:sp>
+      <p:sp>
+        <p:nvSpPr>
+          <p:cNvPr id="3" name="Content Placeholder 2">
+            <a:extLst>
+              <a:ext uri="{FF2B5EF4-FFF2-40B4-BE49-F238E27FC236}">
+                <a16:creationId xmlns:a16="http://schemas.microsoft.com/office/drawing/2014/main" id="{3B57467F-5EA2-2842-A316-35E38443AA15}"/>
+              </a:ext>
+            </a:extLst>
+          </p:cNvPr>
+          <p:cNvSpPr>
+            <a:spLocks noGrp="1"/>
+          </p:cNvSpPr>
+          <p:nvPr>
+            <p:ph idx="1"/>
+          </p:nvPr>
+        </p:nvSpPr>
+        <p:spPr/>
+        <p:txBody>
+          <a:bodyPr/>
+          <a:lstStyle/>
+          <a:p>
+            <a:r>
+              <a:rPr lang="en-US" dirty="0"/>
+              <a:t>If a placebo outcome is available, where you know the true treatment effect is zero, then you can tune your approach to the placebo outcome.</a:t>
+            </a:r>
+          </a:p>
+          <a:p>
+            <a:r>
+              <a:rPr lang="en-US" dirty="0"/>
+              <a:t>If not, then you have to balance the bias and variance of the approach. Specifically, the more generous your adjustment the more bias but smaller the variance you have.</a:t>
+            </a:r>
+          </a:p>
+        </p:txBody>
+      </p:sp>
+    </p:spTree>
+    <p:extLst>
+      <p:ext uri="{BB962C8B-B14F-4D97-AF65-F5344CB8AC3E}">
+        <p14:creationId xmlns:p14="http://schemas.microsoft.com/office/powerpoint/2010/main" val="176731533"/>
+      </p:ext>
+    </p:extLst>
+  </p:cSld>
+  <p:clrMapOvr>
+    <a:masterClrMapping/>
+  </p:clrMapOvr>
+</p:sld>
+</file>
+
+<file path=ppt/slides/slide23.xml><?xml version="1.0" encoding="utf-8"?>
 <p:sld xmlns:a="http://schemas.openxmlformats.org/drawingml/2006/main" xmlns:r="http://schemas.openxmlformats.org/officeDocument/2006/relationships" xmlns:p="http://schemas.openxmlformats.org/presentationml/2006/main">
   <p:cSld>
     <p:spTree>
@@ -6898,7 +7285,7 @@
           <a:p>
             <a:r>
               <a:rPr lang="en-US" dirty="0"/>
-              <a:t>D. Propensity Score Trimming</a:t>
+              <a:t>C. Bad Control</a:t>
             </a:r>
           </a:p>
         </p:txBody>
@@ -6934,7 +7321,7 @@
     </p:spTree>
     <p:extLst>
       <p:ext uri="{BB962C8B-B14F-4D97-AF65-F5344CB8AC3E}">
-        <p14:creationId xmlns:p14="http://schemas.microsoft.com/office/powerpoint/2010/main" val="1417876601"/>
+        <p14:creationId xmlns:p14="http://schemas.microsoft.com/office/powerpoint/2010/main" val="255999913"/>
       </p:ext>
     </p:extLst>
   </p:cSld>
@@ -6944,7 +7331,7 @@
 </p:sld>
 </file>
 
-<file path=ppt/slides/slide22.xml><?xml version="1.0" encoding="utf-8"?>
+<file path=ppt/slides/slide24.xml><?xml version="1.0" encoding="utf-8"?>
 <p:sld xmlns:a="http://schemas.openxmlformats.org/drawingml/2006/main" xmlns:r="http://schemas.openxmlformats.org/officeDocument/2006/relationships" xmlns:p="http://schemas.openxmlformats.org/presentationml/2006/main">
   <p:cSld>
     <p:spTree>
@@ -6982,10 +7369,7 @@
           <a:bodyPr/>
           <a:lstStyle/>
           <a:p>
-            <a:r>
-              <a:rPr lang="en-US" dirty="0"/>
-              <a:t>Weighting in propensity-based causal models</a:t>
-            </a:r>
+            <a:endParaRPr lang="en-US"/>
           </a:p>
         </p:txBody>
       </p:sp>
@@ -7010,6 +7394,175 @@
           <a:bodyPr/>
           <a:lstStyle/>
           <a:p>
+            <a:endParaRPr lang="en-US"/>
+          </a:p>
+        </p:txBody>
+      </p:sp>
+    </p:spTree>
+    <p:extLst>
+      <p:ext uri="{BB962C8B-B14F-4D97-AF65-F5344CB8AC3E}">
+        <p14:creationId xmlns:p14="http://schemas.microsoft.com/office/powerpoint/2010/main" val="887500604"/>
+      </p:ext>
+    </p:extLst>
+  </p:cSld>
+  <p:clrMapOvr>
+    <a:masterClrMapping/>
+  </p:clrMapOvr>
+</p:sld>
+</file>
+
+<file path=ppt/slides/slide25.xml><?xml version="1.0" encoding="utf-8"?>
+<p:sld xmlns:a="http://schemas.openxmlformats.org/drawingml/2006/main" xmlns:r="http://schemas.openxmlformats.org/officeDocument/2006/relationships" xmlns:p="http://schemas.openxmlformats.org/presentationml/2006/main">
+  <p:cSld>
+    <p:spTree>
+      <p:nvGrpSpPr>
+        <p:cNvPr id="1" name=""/>
+        <p:cNvGrpSpPr/>
+        <p:nvPr/>
+      </p:nvGrpSpPr>
+      <p:grpSpPr>
+        <a:xfrm>
+          <a:off x="0" y="0"/>
+          <a:ext cx="0" cy="0"/>
+          <a:chOff x="0" y="0"/>
+          <a:chExt cx="0" cy="0"/>
+        </a:xfrm>
+      </p:grpSpPr>
+      <p:sp>
+        <p:nvSpPr>
+          <p:cNvPr id="4" name="Title 3">
+            <a:extLst>
+              <a:ext uri="{FF2B5EF4-FFF2-40B4-BE49-F238E27FC236}">
+                <a16:creationId xmlns:a16="http://schemas.microsoft.com/office/drawing/2014/main" id="{81203072-0A89-A743-98A8-624657DC9B25}"/>
+              </a:ext>
+            </a:extLst>
+          </p:cNvPr>
+          <p:cNvSpPr>
+            <a:spLocks noGrp="1"/>
+          </p:cNvSpPr>
+          <p:nvPr>
+            <p:ph type="title"/>
+          </p:nvPr>
+        </p:nvSpPr>
+        <p:spPr/>
+        <p:txBody>
+          <a:bodyPr/>
+          <a:lstStyle/>
+          <a:p>
+            <a:r>
+              <a:rPr lang="en-US" dirty="0"/>
+              <a:t>D. Propensity Score Trimming</a:t>
+            </a:r>
+          </a:p>
+        </p:txBody>
+      </p:sp>
+      <p:sp>
+        <p:nvSpPr>
+          <p:cNvPr id="5" name="Text Placeholder 4">
+            <a:extLst>
+              <a:ext uri="{FF2B5EF4-FFF2-40B4-BE49-F238E27FC236}">
+                <a16:creationId xmlns:a16="http://schemas.microsoft.com/office/drawing/2014/main" id="{527E5198-97A2-E64B-A776-B5417264E81F}"/>
+              </a:ext>
+            </a:extLst>
+          </p:cNvPr>
+          <p:cNvSpPr>
+            <a:spLocks noGrp="1"/>
+          </p:cNvSpPr>
+          <p:nvPr>
+            <p:ph type="body" idx="1"/>
+          </p:nvPr>
+        </p:nvSpPr>
+        <p:spPr/>
+        <p:txBody>
+          <a:bodyPr/>
+          <a:lstStyle/>
+          <a:p>
+            <a:r>
+              <a:rPr lang="en-US" dirty="0"/>
+              <a:t>WIP</a:t>
+            </a:r>
+          </a:p>
+        </p:txBody>
+      </p:sp>
+    </p:spTree>
+    <p:extLst>
+      <p:ext uri="{BB962C8B-B14F-4D97-AF65-F5344CB8AC3E}">
+        <p14:creationId xmlns:p14="http://schemas.microsoft.com/office/powerpoint/2010/main" val="1417876601"/>
+      </p:ext>
+    </p:extLst>
+  </p:cSld>
+  <p:clrMapOvr>
+    <a:masterClrMapping/>
+  </p:clrMapOvr>
+</p:sld>
+</file>
+
+<file path=ppt/slides/slide26.xml><?xml version="1.0" encoding="utf-8"?>
+<p:sld xmlns:a="http://schemas.openxmlformats.org/drawingml/2006/main" xmlns:r="http://schemas.openxmlformats.org/officeDocument/2006/relationships" xmlns:p="http://schemas.openxmlformats.org/presentationml/2006/main">
+  <p:cSld>
+    <p:spTree>
+      <p:nvGrpSpPr>
+        <p:cNvPr id="1" name=""/>
+        <p:cNvGrpSpPr/>
+        <p:nvPr/>
+      </p:nvGrpSpPr>
+      <p:grpSpPr>
+        <a:xfrm>
+          <a:off x="0" y="0"/>
+          <a:ext cx="0" cy="0"/>
+          <a:chOff x="0" y="0"/>
+          <a:chExt cx="0" cy="0"/>
+        </a:xfrm>
+      </p:grpSpPr>
+      <p:sp>
+        <p:nvSpPr>
+          <p:cNvPr id="4" name="Title 3">
+            <a:extLst>
+              <a:ext uri="{FF2B5EF4-FFF2-40B4-BE49-F238E27FC236}">
+                <a16:creationId xmlns:a16="http://schemas.microsoft.com/office/drawing/2014/main" id="{6210D7AA-6874-D14C-ABFB-35F399DD76C6}"/>
+              </a:ext>
+            </a:extLst>
+          </p:cNvPr>
+          <p:cNvSpPr>
+            <a:spLocks noGrp="1"/>
+          </p:cNvSpPr>
+          <p:nvPr>
+            <p:ph type="title"/>
+          </p:nvPr>
+        </p:nvSpPr>
+        <p:spPr/>
+        <p:txBody>
+          <a:bodyPr/>
+          <a:lstStyle/>
+          <a:p>
+            <a:r>
+              <a:rPr lang="en-US" dirty="0"/>
+              <a:t>Weighting in propensity-based causal models</a:t>
+            </a:r>
+          </a:p>
+        </p:txBody>
+      </p:sp>
+      <p:sp>
+        <p:nvSpPr>
+          <p:cNvPr id="5" name="Content Placeholder 4">
+            <a:extLst>
+              <a:ext uri="{FF2B5EF4-FFF2-40B4-BE49-F238E27FC236}">
+                <a16:creationId xmlns:a16="http://schemas.microsoft.com/office/drawing/2014/main" id="{59F2A1D3-6A45-2A4E-92BD-B25DA800456E}"/>
+              </a:ext>
+            </a:extLst>
+          </p:cNvPr>
+          <p:cNvSpPr>
+            <a:spLocks noGrp="1"/>
+          </p:cNvSpPr>
+          <p:nvPr>
+            <p:ph idx="1"/>
+          </p:nvPr>
+        </p:nvSpPr>
+        <p:spPr/>
+        <p:txBody>
+          <a:bodyPr/>
+          <a:lstStyle/>
+          <a:p>
             <a:r>
               <a:rPr lang="en-US" dirty="0"/>
               <a:t>Propensity-based causal models such as IPW and DML are all identified with the same assumptions (overlap, exogeneity, and stable unit treatment variable assumption).</a:t>
@@ -7048,7 +7601,7 @@
 </p:sld>
 </file>
 
-<file path=ppt/slides/slide23.xml><?xml version="1.0" encoding="utf-8"?>
+<file path=ppt/slides/slide27.xml><?xml version="1.0" encoding="utf-8"?>
 <p:sld xmlns:a="http://schemas.openxmlformats.org/drawingml/2006/main" xmlns:r="http://schemas.openxmlformats.org/officeDocument/2006/relationships" xmlns:p="http://schemas.openxmlformats.org/presentationml/2006/main">
   <p:cSld>
     <p:spTree>
@@ -7093,8 +7646,8 @@
           </a:p>
         </p:txBody>
       </p:sp>
-      <mc:AlternateContent xmlns:mc="http://schemas.openxmlformats.org/markup-compatibility/2006">
-        <mc:Choice xmlns:a14="http://schemas.microsoft.com/office/drawing/2010/main" Requires="a14">
+      <mc:AlternateContent xmlns:mc="http://schemas.openxmlformats.org/markup-compatibility/2006" xmlns:a14="http://schemas.microsoft.com/office/drawing/2010/main">
+        <mc:Choice Requires="a14">
           <p:sp>
             <p:nvSpPr>
               <p:cNvPr id="3" name="Content Placeholder 2">
@@ -7901,7 +8454,7 @@
             </p:txBody>
           </p:sp>
         </mc:Choice>
-        <mc:Fallback>
+        <mc:Fallback xmlns="">
           <p:sp>
             <p:nvSpPr>
               <p:cNvPr id="3" name="Content Placeholder 2">
@@ -7954,7 +8507,7 @@
 </p:sld>
 </file>
 
-<file path=ppt/slides/slide24.xml><?xml version="1.0" encoding="utf-8"?>
+<file path=ppt/slides/slide28.xml><?xml version="1.0" encoding="utf-8"?>
 <p:sld xmlns:a="http://schemas.openxmlformats.org/drawingml/2006/main" xmlns:r="http://schemas.openxmlformats.org/officeDocument/2006/relationships" xmlns:p="http://schemas.openxmlformats.org/presentationml/2006/main">
   <p:cSld>
     <p:spTree>
@@ -7999,8 +8552,8 @@
           </a:p>
         </p:txBody>
       </p:sp>
-      <mc:AlternateContent xmlns:mc="http://schemas.openxmlformats.org/markup-compatibility/2006">
-        <mc:Choice xmlns:a14="http://schemas.microsoft.com/office/drawing/2010/main" Requires="a14">
+      <mc:AlternateContent xmlns:mc="http://schemas.openxmlformats.org/markup-compatibility/2006" xmlns:a14="http://schemas.microsoft.com/office/drawing/2010/main">
+        <mc:Choice Requires="a14">
           <p:sp>
             <p:nvSpPr>
               <p:cNvPr id="3" name="Content Placeholder 2">
@@ -8201,13 +8754,7 @@
                                 <a:rPr lang="en-US" i="1">
                                   <a:latin typeface="Cambria Math" panose="02040503050406030204" pitchFamily="18" charset="0"/>
                                 </a:rPr>
-                                <m:t>0</m:t>
-                              </m:r>
-                              <m:r>
-                                <a:rPr lang="en-US" i="1">
-                                  <a:latin typeface="Cambria Math" panose="02040503050406030204" pitchFamily="18" charset="0"/>
-                                </a:rPr>
-                                <m:t>,</m:t>
+                                <m:t>0,</m:t>
                               </m:r>
                               <m:r>
                                 <a:rPr lang="en-US" i="1">
@@ -8533,13 +9080,7 @@
                                     <a:rPr lang="en-US" i="1">
                                       <a:latin typeface="Cambria Math" panose="02040503050406030204" pitchFamily="18" charset="0"/>
                                     </a:rPr>
-                                    <m:t>0</m:t>
-                                  </m:r>
-                                  <m:r>
-                                    <a:rPr lang="en-US" i="1">
-                                      <a:latin typeface="Cambria Math" panose="02040503050406030204" pitchFamily="18" charset="0"/>
-                                    </a:rPr>
-                                    <m:t>,</m:t>
+                                    <m:t>0,</m:t>
                                   </m:r>
                                   <m:r>
                                     <a:rPr lang="en-US" i="1">
@@ -8647,7 +9188,7 @@
             </p:txBody>
           </p:sp>
         </mc:Choice>
-        <mc:Fallback>
+        <mc:Fallback xmlns="">
           <p:sp>
             <p:nvSpPr>
               <p:cNvPr id="3" name="Content Placeholder 2">
@@ -8700,7 +9241,7 @@
 </p:sld>
 </file>
 
-<file path=ppt/slides/slide25.xml><?xml version="1.0" encoding="utf-8"?>
+<file path=ppt/slides/slide29.xml><?xml version="1.0" encoding="utf-8"?>
 <p:sld xmlns:a="http://schemas.openxmlformats.org/drawingml/2006/main" xmlns:r="http://schemas.openxmlformats.org/officeDocument/2006/relationships" xmlns:p="http://schemas.openxmlformats.org/presentationml/2006/main">
   <p:cSld>
     <p:spTree>
@@ -8900,394 +9441,6 @@
 </p:sld>
 </file>
 
-<file path=ppt/slides/slide26.xml><?xml version="1.0" encoding="utf-8"?>
-<p:sld xmlns:a="http://schemas.openxmlformats.org/drawingml/2006/main" xmlns:r="http://schemas.openxmlformats.org/officeDocument/2006/relationships" xmlns:p="http://schemas.openxmlformats.org/presentationml/2006/main">
-  <p:cSld>
-    <p:spTree>
-      <p:nvGrpSpPr>
-        <p:cNvPr id="1" name=""/>
-        <p:cNvGrpSpPr/>
-        <p:nvPr/>
-      </p:nvGrpSpPr>
-      <p:grpSpPr>
-        <a:xfrm>
-          <a:off x="0" y="0"/>
-          <a:ext cx="0" cy="0"/>
-          <a:chOff x="0" y="0"/>
-          <a:chExt cx="0" cy="0"/>
-        </a:xfrm>
-      </p:grpSpPr>
-      <p:sp>
-        <p:nvSpPr>
-          <p:cNvPr id="2" name="Title 1">
-            <a:extLst>
-              <a:ext uri="{FF2B5EF4-FFF2-40B4-BE49-F238E27FC236}">
-                <a16:creationId xmlns:a16="http://schemas.microsoft.com/office/drawing/2014/main" id="{182D5278-8DCE-4347-98A4-A6950C26BFBD}"/>
-              </a:ext>
-            </a:extLst>
-          </p:cNvPr>
-          <p:cNvSpPr>
-            <a:spLocks noGrp="1"/>
-          </p:cNvSpPr>
-          <p:nvPr>
-            <p:ph type="title"/>
-          </p:nvPr>
-        </p:nvSpPr>
-        <p:spPr/>
-        <p:txBody>
-          <a:bodyPr/>
-          <a:lstStyle/>
-          <a:p>
-            <a:r>
-              <a:rPr lang="en-US" dirty="0"/>
-              <a:t>Possible Approaches</a:t>
-            </a:r>
-          </a:p>
-        </p:txBody>
-      </p:sp>
-      <p:sp>
-        <p:nvSpPr>
-          <p:cNvPr id="3" name="Content Placeholder 2">
-            <a:extLst>
-              <a:ext uri="{FF2B5EF4-FFF2-40B4-BE49-F238E27FC236}">
-                <a16:creationId xmlns:a16="http://schemas.microsoft.com/office/drawing/2014/main" id="{13C5BF22-19EC-5E4A-9B7A-5E161EAC0CB7}"/>
-              </a:ext>
-            </a:extLst>
-          </p:cNvPr>
-          <p:cNvSpPr>
-            <a:spLocks noGrp="1"/>
-          </p:cNvSpPr>
-          <p:nvPr>
-            <p:ph idx="1"/>
-          </p:nvPr>
-        </p:nvSpPr>
-        <p:spPr/>
-        <p:txBody>
-          <a:bodyPr/>
-          <a:lstStyle/>
-          <a:p>
-            <a:pPr marL="514350" indent="-514350">
-              <a:buFont typeface="+mj-lt"/>
-              <a:buAutoNum type="arabicPeriod"/>
-            </a:pPr>
-            <a:r>
-              <a:rPr lang="en-US" dirty="0"/>
-              <a:t>Replace extremely large/small propensity scores with a:</a:t>
-            </a:r>
-          </a:p>
-          <a:p>
-            <a:pPr marL="971550" lvl="1" indent="-514350">
-              <a:buFont typeface="+mj-lt"/>
-              <a:buAutoNum type="arabicPeriod"/>
-            </a:pPr>
-            <a:r>
-              <a:rPr lang="en-US" dirty="0"/>
-              <a:t>bin average; or</a:t>
-            </a:r>
-          </a:p>
-          <a:p>
-            <a:pPr marL="971550" lvl="1" indent="-514350">
-              <a:buFont typeface="+mj-lt"/>
-              <a:buAutoNum type="arabicPeriod"/>
-            </a:pPr>
-            <a:r>
-              <a:rPr lang="en-US" dirty="0"/>
-              <a:t>Sample average.</a:t>
-            </a:r>
-          </a:p>
-          <a:p>
-            <a:pPr marL="514350" indent="-514350">
-              <a:buFont typeface="+mj-lt"/>
-              <a:buAutoNum type="arabicPeriod"/>
-            </a:pPr>
-            <a:r>
-              <a:rPr lang="en-US" dirty="0"/>
-              <a:t>Remove observations with large/small propensity scores.</a:t>
-            </a:r>
-          </a:p>
-          <a:p>
-            <a:pPr marL="514350" indent="-514350">
-              <a:buFont typeface="+mj-lt"/>
-              <a:buAutoNum type="arabicPeriod"/>
-            </a:pPr>
-            <a:endParaRPr lang="en-US" dirty="0"/>
-          </a:p>
-          <a:p>
-            <a:r>
-              <a:rPr lang="en-US" dirty="0"/>
-              <a:t>The challenge is that these approaches will create bias in the estimate, so how do you know whether you have eliminated the bias?</a:t>
-            </a:r>
-          </a:p>
-        </p:txBody>
-      </p:sp>
-    </p:spTree>
-    <p:extLst>
-      <p:ext uri="{BB962C8B-B14F-4D97-AF65-F5344CB8AC3E}">
-        <p14:creationId xmlns:p14="http://schemas.microsoft.com/office/powerpoint/2010/main" val="3667457766"/>
-      </p:ext>
-    </p:extLst>
-  </p:cSld>
-  <p:clrMapOvr>
-    <a:masterClrMapping/>
-  </p:clrMapOvr>
-</p:sld>
-</file>
-
-<file path=ppt/slides/slide27.xml><?xml version="1.0" encoding="utf-8"?>
-<p:sld xmlns:a="http://schemas.openxmlformats.org/drawingml/2006/main" xmlns:r="http://schemas.openxmlformats.org/officeDocument/2006/relationships" xmlns:p="http://schemas.openxmlformats.org/presentationml/2006/main">
-  <p:cSld>
-    <p:spTree>
-      <p:nvGrpSpPr>
-        <p:cNvPr id="1" name=""/>
-        <p:cNvGrpSpPr/>
-        <p:nvPr/>
-      </p:nvGrpSpPr>
-      <p:grpSpPr>
-        <a:xfrm>
-          <a:off x="0" y="0"/>
-          <a:ext cx="0" cy="0"/>
-          <a:chOff x="0" y="0"/>
-          <a:chExt cx="0" cy="0"/>
-        </a:xfrm>
-      </p:grpSpPr>
-      <p:sp>
-        <p:nvSpPr>
-          <p:cNvPr id="2" name="Title 1">
-            <a:extLst>
-              <a:ext uri="{FF2B5EF4-FFF2-40B4-BE49-F238E27FC236}">
-                <a16:creationId xmlns:a16="http://schemas.microsoft.com/office/drawing/2014/main" id="{10181CA3-7E4A-494C-B301-F127134563BE}"/>
-              </a:ext>
-            </a:extLst>
-          </p:cNvPr>
-          <p:cNvSpPr>
-            <a:spLocks noGrp="1"/>
-          </p:cNvSpPr>
-          <p:nvPr>
-            <p:ph type="title"/>
-          </p:nvPr>
-        </p:nvSpPr>
-        <p:spPr/>
-        <p:txBody>
-          <a:bodyPr/>
-          <a:lstStyle/>
-          <a:p>
-            <a:r>
-              <a:rPr lang="en-US" dirty="0"/>
-              <a:t>Robustness to approaches</a:t>
-            </a:r>
-          </a:p>
-        </p:txBody>
-      </p:sp>
-      <p:sp>
-        <p:nvSpPr>
-          <p:cNvPr id="3" name="Content Placeholder 2">
-            <a:extLst>
-              <a:ext uri="{FF2B5EF4-FFF2-40B4-BE49-F238E27FC236}">
-                <a16:creationId xmlns:a16="http://schemas.microsoft.com/office/drawing/2014/main" id="{3B57467F-5EA2-2842-A316-35E38443AA15}"/>
-              </a:ext>
-            </a:extLst>
-          </p:cNvPr>
-          <p:cNvSpPr>
-            <a:spLocks noGrp="1"/>
-          </p:cNvSpPr>
-          <p:nvPr>
-            <p:ph idx="1"/>
-          </p:nvPr>
-        </p:nvSpPr>
-        <p:spPr/>
-        <p:txBody>
-          <a:bodyPr/>
-          <a:lstStyle/>
-          <a:p>
-            <a:r>
-              <a:rPr lang="en-US" dirty="0"/>
-              <a:t>If a placebo outcome is available, where you know the true treatment effect is zero, then you can tune your approach to the placebo outcome.</a:t>
-            </a:r>
-          </a:p>
-          <a:p>
-            <a:r>
-              <a:rPr lang="en-US" dirty="0"/>
-              <a:t>If not, then you have to balance the bias and variance of the approach. Specifically, the more generous your adjustment the more bias but smaller the variance you have.</a:t>
-            </a:r>
-          </a:p>
-        </p:txBody>
-      </p:sp>
-    </p:spTree>
-    <p:extLst>
-      <p:ext uri="{BB962C8B-B14F-4D97-AF65-F5344CB8AC3E}">
-        <p14:creationId xmlns:p14="http://schemas.microsoft.com/office/powerpoint/2010/main" val="1758845037"/>
-      </p:ext>
-    </p:extLst>
-  </p:cSld>
-  <p:clrMapOvr>
-    <a:masterClrMapping/>
-  </p:clrMapOvr>
-</p:sld>
-</file>
-
-<file path=ppt/slides/slide28.xml><?xml version="1.0" encoding="utf-8"?>
-<p:sld xmlns:a="http://schemas.openxmlformats.org/drawingml/2006/main" xmlns:r="http://schemas.openxmlformats.org/officeDocument/2006/relationships" xmlns:p="http://schemas.openxmlformats.org/presentationml/2006/main">
-  <p:cSld>
-    <p:spTree>
-      <p:nvGrpSpPr>
-        <p:cNvPr id="1" name=""/>
-        <p:cNvGrpSpPr/>
-        <p:nvPr/>
-      </p:nvGrpSpPr>
-      <p:grpSpPr>
-        <a:xfrm>
-          <a:off x="0" y="0"/>
-          <a:ext cx="0" cy="0"/>
-          <a:chOff x="0" y="0"/>
-          <a:chExt cx="0" cy="0"/>
-        </a:xfrm>
-      </p:grpSpPr>
-      <p:sp>
-        <p:nvSpPr>
-          <p:cNvPr id="2" name="Title 1">
-            <a:extLst>
-              <a:ext uri="{FF2B5EF4-FFF2-40B4-BE49-F238E27FC236}">
-                <a16:creationId xmlns:a16="http://schemas.microsoft.com/office/drawing/2014/main" id="{AA341210-5387-B446-9378-CDCAC9FBDA20}"/>
-              </a:ext>
-            </a:extLst>
-          </p:cNvPr>
-          <p:cNvSpPr>
-            <a:spLocks noGrp="1"/>
-          </p:cNvSpPr>
-          <p:nvPr>
-            <p:ph type="title"/>
-          </p:nvPr>
-        </p:nvSpPr>
-        <p:spPr/>
-        <p:txBody>
-          <a:bodyPr/>
-          <a:lstStyle/>
-          <a:p>
-            <a:endParaRPr lang="en-US"/>
-          </a:p>
-        </p:txBody>
-      </p:sp>
-      <p:sp>
-        <p:nvSpPr>
-          <p:cNvPr id="3" name="Content Placeholder 2">
-            <a:extLst>
-              <a:ext uri="{FF2B5EF4-FFF2-40B4-BE49-F238E27FC236}">
-                <a16:creationId xmlns:a16="http://schemas.microsoft.com/office/drawing/2014/main" id="{36A38251-ADF8-184C-B3E4-FEF4DBB929EE}"/>
-              </a:ext>
-            </a:extLst>
-          </p:cNvPr>
-          <p:cNvSpPr>
-            <a:spLocks noGrp="1"/>
-          </p:cNvSpPr>
-          <p:nvPr>
-            <p:ph idx="1"/>
-          </p:nvPr>
-        </p:nvSpPr>
-        <p:spPr/>
-        <p:txBody>
-          <a:bodyPr/>
-          <a:lstStyle/>
-          <a:p>
-            <a:endParaRPr lang="en-US"/>
-          </a:p>
-        </p:txBody>
-      </p:sp>
-    </p:spTree>
-    <p:extLst>
-      <p:ext uri="{BB962C8B-B14F-4D97-AF65-F5344CB8AC3E}">
-        <p14:creationId xmlns:p14="http://schemas.microsoft.com/office/powerpoint/2010/main" val="2426266303"/>
-      </p:ext>
-    </p:extLst>
-  </p:cSld>
-  <p:clrMapOvr>
-    <a:masterClrMapping/>
-  </p:clrMapOvr>
-</p:sld>
-</file>
-
-<file path=ppt/slides/slide29.xml><?xml version="1.0" encoding="utf-8"?>
-<p:sld xmlns:a="http://schemas.openxmlformats.org/drawingml/2006/main" xmlns:r="http://schemas.openxmlformats.org/officeDocument/2006/relationships" xmlns:p="http://schemas.openxmlformats.org/presentationml/2006/main">
-  <p:cSld>
-    <p:spTree>
-      <p:nvGrpSpPr>
-        <p:cNvPr id="1" name=""/>
-        <p:cNvGrpSpPr/>
-        <p:nvPr/>
-      </p:nvGrpSpPr>
-      <p:grpSpPr>
-        <a:xfrm>
-          <a:off x="0" y="0"/>
-          <a:ext cx="0" cy="0"/>
-          <a:chOff x="0" y="0"/>
-          <a:chExt cx="0" cy="0"/>
-        </a:xfrm>
-      </p:grpSpPr>
-      <p:sp>
-        <p:nvSpPr>
-          <p:cNvPr id="2" name="Title 1">
-            <a:extLst>
-              <a:ext uri="{FF2B5EF4-FFF2-40B4-BE49-F238E27FC236}">
-                <a16:creationId xmlns:a16="http://schemas.microsoft.com/office/drawing/2014/main" id="{C690DE15-963E-A147-A0A3-000A59DDC8D7}"/>
-              </a:ext>
-            </a:extLst>
-          </p:cNvPr>
-          <p:cNvSpPr>
-            <a:spLocks noGrp="1"/>
-          </p:cNvSpPr>
-          <p:nvPr>
-            <p:ph type="title"/>
-          </p:nvPr>
-        </p:nvSpPr>
-        <p:spPr/>
-        <p:txBody>
-          <a:bodyPr/>
-          <a:lstStyle/>
-          <a:p>
-            <a:r>
-              <a:rPr lang="en-US" dirty="0"/>
-              <a:t>Simulation of bias-variance trade-offs</a:t>
-            </a:r>
-          </a:p>
-        </p:txBody>
-      </p:sp>
-      <p:sp>
-        <p:nvSpPr>
-          <p:cNvPr id="3" name="Content Placeholder 2">
-            <a:extLst>
-              <a:ext uri="{FF2B5EF4-FFF2-40B4-BE49-F238E27FC236}">
-                <a16:creationId xmlns:a16="http://schemas.microsoft.com/office/drawing/2014/main" id="{A6D1FC84-32A1-F54D-8827-02F67C7802ED}"/>
-              </a:ext>
-            </a:extLst>
-          </p:cNvPr>
-          <p:cNvSpPr>
-            <a:spLocks noGrp="1"/>
-          </p:cNvSpPr>
-          <p:nvPr>
-            <p:ph idx="1"/>
-          </p:nvPr>
-        </p:nvSpPr>
-        <p:spPr/>
-        <p:txBody>
-          <a:bodyPr/>
-          <a:lstStyle/>
-          <a:p>
-            <a:endParaRPr lang="en-US"/>
-          </a:p>
-        </p:txBody>
-      </p:sp>
-    </p:spTree>
-    <p:extLst>
-      <p:ext uri="{BB962C8B-B14F-4D97-AF65-F5344CB8AC3E}">
-        <p14:creationId xmlns:p14="http://schemas.microsoft.com/office/powerpoint/2010/main" val="220049752"/>
-      </p:ext>
-    </p:extLst>
-  </p:cSld>
-  <p:clrMapOvr>
-    <a:masterClrMapping/>
-  </p:clrMapOvr>
-</p:sld>
-</file>
-
 <file path=ppt/slides/slide3.xml><?xml version="1.0" encoding="utf-8"?>
 <p:sld xmlns:a="http://schemas.openxmlformats.org/drawingml/2006/main" xmlns:r="http://schemas.openxmlformats.org/officeDocument/2006/relationships" xmlns:p="http://schemas.openxmlformats.org/presentationml/2006/main">
   <p:cSld>
@@ -9435,6 +9588,394 @@
       </p:grpSpPr>
       <p:sp>
         <p:nvSpPr>
+          <p:cNvPr id="2" name="Title 1">
+            <a:extLst>
+              <a:ext uri="{FF2B5EF4-FFF2-40B4-BE49-F238E27FC236}">
+                <a16:creationId xmlns:a16="http://schemas.microsoft.com/office/drawing/2014/main" id="{182D5278-8DCE-4347-98A4-A6950C26BFBD}"/>
+              </a:ext>
+            </a:extLst>
+          </p:cNvPr>
+          <p:cNvSpPr>
+            <a:spLocks noGrp="1"/>
+          </p:cNvSpPr>
+          <p:nvPr>
+            <p:ph type="title"/>
+          </p:nvPr>
+        </p:nvSpPr>
+        <p:spPr/>
+        <p:txBody>
+          <a:bodyPr/>
+          <a:lstStyle/>
+          <a:p>
+            <a:r>
+              <a:rPr lang="en-US" dirty="0"/>
+              <a:t>Possible Approaches</a:t>
+            </a:r>
+          </a:p>
+        </p:txBody>
+      </p:sp>
+      <p:sp>
+        <p:nvSpPr>
+          <p:cNvPr id="3" name="Content Placeholder 2">
+            <a:extLst>
+              <a:ext uri="{FF2B5EF4-FFF2-40B4-BE49-F238E27FC236}">
+                <a16:creationId xmlns:a16="http://schemas.microsoft.com/office/drawing/2014/main" id="{13C5BF22-19EC-5E4A-9B7A-5E161EAC0CB7}"/>
+              </a:ext>
+            </a:extLst>
+          </p:cNvPr>
+          <p:cNvSpPr>
+            <a:spLocks noGrp="1"/>
+          </p:cNvSpPr>
+          <p:nvPr>
+            <p:ph idx="1"/>
+          </p:nvPr>
+        </p:nvSpPr>
+        <p:spPr/>
+        <p:txBody>
+          <a:bodyPr/>
+          <a:lstStyle/>
+          <a:p>
+            <a:pPr marL="514350" indent="-514350">
+              <a:buFont typeface="+mj-lt"/>
+              <a:buAutoNum type="arabicPeriod"/>
+            </a:pPr>
+            <a:r>
+              <a:rPr lang="en-US" dirty="0"/>
+              <a:t>Replace extremely large/small propensity scores with a:</a:t>
+            </a:r>
+          </a:p>
+          <a:p>
+            <a:pPr marL="971550" lvl="1" indent="-514350">
+              <a:buFont typeface="+mj-lt"/>
+              <a:buAutoNum type="arabicPeriod"/>
+            </a:pPr>
+            <a:r>
+              <a:rPr lang="en-US" dirty="0"/>
+              <a:t>bin average; or</a:t>
+            </a:r>
+          </a:p>
+          <a:p>
+            <a:pPr marL="971550" lvl="1" indent="-514350">
+              <a:buFont typeface="+mj-lt"/>
+              <a:buAutoNum type="arabicPeriod"/>
+            </a:pPr>
+            <a:r>
+              <a:rPr lang="en-US" dirty="0"/>
+              <a:t>Sample average.</a:t>
+            </a:r>
+          </a:p>
+          <a:p>
+            <a:pPr marL="514350" indent="-514350">
+              <a:buFont typeface="+mj-lt"/>
+              <a:buAutoNum type="arabicPeriod"/>
+            </a:pPr>
+            <a:r>
+              <a:rPr lang="en-US" dirty="0"/>
+              <a:t>Remove observations with large/small propensity scores.</a:t>
+            </a:r>
+          </a:p>
+          <a:p>
+            <a:pPr marL="514350" indent="-514350">
+              <a:buFont typeface="+mj-lt"/>
+              <a:buAutoNum type="arabicPeriod"/>
+            </a:pPr>
+            <a:endParaRPr lang="en-US" dirty="0"/>
+          </a:p>
+          <a:p>
+            <a:r>
+              <a:rPr lang="en-US" dirty="0"/>
+              <a:t>The challenge is that these approaches will create bias in the estimate, so how do you know whether you have eliminated the bias?</a:t>
+            </a:r>
+          </a:p>
+        </p:txBody>
+      </p:sp>
+    </p:spTree>
+    <p:extLst>
+      <p:ext uri="{BB962C8B-B14F-4D97-AF65-F5344CB8AC3E}">
+        <p14:creationId xmlns:p14="http://schemas.microsoft.com/office/powerpoint/2010/main" val="3667457766"/>
+      </p:ext>
+    </p:extLst>
+  </p:cSld>
+  <p:clrMapOvr>
+    <a:masterClrMapping/>
+  </p:clrMapOvr>
+</p:sld>
+</file>
+
+<file path=ppt/slides/slide31.xml><?xml version="1.0" encoding="utf-8"?>
+<p:sld xmlns:a="http://schemas.openxmlformats.org/drawingml/2006/main" xmlns:r="http://schemas.openxmlformats.org/officeDocument/2006/relationships" xmlns:p="http://schemas.openxmlformats.org/presentationml/2006/main">
+  <p:cSld>
+    <p:spTree>
+      <p:nvGrpSpPr>
+        <p:cNvPr id="1" name=""/>
+        <p:cNvGrpSpPr/>
+        <p:nvPr/>
+      </p:nvGrpSpPr>
+      <p:grpSpPr>
+        <a:xfrm>
+          <a:off x="0" y="0"/>
+          <a:ext cx="0" cy="0"/>
+          <a:chOff x="0" y="0"/>
+          <a:chExt cx="0" cy="0"/>
+        </a:xfrm>
+      </p:grpSpPr>
+      <p:sp>
+        <p:nvSpPr>
+          <p:cNvPr id="2" name="Title 1">
+            <a:extLst>
+              <a:ext uri="{FF2B5EF4-FFF2-40B4-BE49-F238E27FC236}">
+                <a16:creationId xmlns:a16="http://schemas.microsoft.com/office/drawing/2014/main" id="{10181CA3-7E4A-494C-B301-F127134563BE}"/>
+              </a:ext>
+            </a:extLst>
+          </p:cNvPr>
+          <p:cNvSpPr>
+            <a:spLocks noGrp="1"/>
+          </p:cNvSpPr>
+          <p:nvPr>
+            <p:ph type="title"/>
+          </p:nvPr>
+        </p:nvSpPr>
+        <p:spPr/>
+        <p:txBody>
+          <a:bodyPr/>
+          <a:lstStyle/>
+          <a:p>
+            <a:r>
+              <a:rPr lang="en-US" dirty="0"/>
+              <a:t>Robustness to approaches</a:t>
+            </a:r>
+          </a:p>
+        </p:txBody>
+      </p:sp>
+      <p:sp>
+        <p:nvSpPr>
+          <p:cNvPr id="3" name="Content Placeholder 2">
+            <a:extLst>
+              <a:ext uri="{FF2B5EF4-FFF2-40B4-BE49-F238E27FC236}">
+                <a16:creationId xmlns:a16="http://schemas.microsoft.com/office/drawing/2014/main" id="{3B57467F-5EA2-2842-A316-35E38443AA15}"/>
+              </a:ext>
+            </a:extLst>
+          </p:cNvPr>
+          <p:cNvSpPr>
+            <a:spLocks noGrp="1"/>
+          </p:cNvSpPr>
+          <p:nvPr>
+            <p:ph idx="1"/>
+          </p:nvPr>
+        </p:nvSpPr>
+        <p:spPr/>
+        <p:txBody>
+          <a:bodyPr/>
+          <a:lstStyle/>
+          <a:p>
+            <a:r>
+              <a:rPr lang="en-US" dirty="0"/>
+              <a:t>If a placebo outcome is available, where you know the true treatment effect is zero, then you can tune your approach to the placebo outcome.</a:t>
+            </a:r>
+          </a:p>
+          <a:p>
+            <a:r>
+              <a:rPr lang="en-US" dirty="0"/>
+              <a:t>If not, then you have to balance the bias and variance of the approach. Specifically, the more generous your adjustment the more bias but smaller the variance you have.</a:t>
+            </a:r>
+          </a:p>
+        </p:txBody>
+      </p:sp>
+    </p:spTree>
+    <p:extLst>
+      <p:ext uri="{BB962C8B-B14F-4D97-AF65-F5344CB8AC3E}">
+        <p14:creationId xmlns:p14="http://schemas.microsoft.com/office/powerpoint/2010/main" val="1758845037"/>
+      </p:ext>
+    </p:extLst>
+  </p:cSld>
+  <p:clrMapOvr>
+    <a:masterClrMapping/>
+  </p:clrMapOvr>
+</p:sld>
+</file>
+
+<file path=ppt/slides/slide32.xml><?xml version="1.0" encoding="utf-8"?>
+<p:sld xmlns:a="http://schemas.openxmlformats.org/drawingml/2006/main" xmlns:r="http://schemas.openxmlformats.org/officeDocument/2006/relationships" xmlns:p="http://schemas.openxmlformats.org/presentationml/2006/main">
+  <p:cSld>
+    <p:spTree>
+      <p:nvGrpSpPr>
+        <p:cNvPr id="1" name=""/>
+        <p:cNvGrpSpPr/>
+        <p:nvPr/>
+      </p:nvGrpSpPr>
+      <p:grpSpPr>
+        <a:xfrm>
+          <a:off x="0" y="0"/>
+          <a:ext cx="0" cy="0"/>
+          <a:chOff x="0" y="0"/>
+          <a:chExt cx="0" cy="0"/>
+        </a:xfrm>
+      </p:grpSpPr>
+      <p:sp>
+        <p:nvSpPr>
+          <p:cNvPr id="2" name="Title 1">
+            <a:extLst>
+              <a:ext uri="{FF2B5EF4-FFF2-40B4-BE49-F238E27FC236}">
+                <a16:creationId xmlns:a16="http://schemas.microsoft.com/office/drawing/2014/main" id="{AA341210-5387-B446-9378-CDCAC9FBDA20}"/>
+              </a:ext>
+            </a:extLst>
+          </p:cNvPr>
+          <p:cNvSpPr>
+            <a:spLocks noGrp="1"/>
+          </p:cNvSpPr>
+          <p:nvPr>
+            <p:ph type="title"/>
+          </p:nvPr>
+        </p:nvSpPr>
+        <p:spPr/>
+        <p:txBody>
+          <a:bodyPr/>
+          <a:lstStyle/>
+          <a:p>
+            <a:endParaRPr lang="en-US"/>
+          </a:p>
+        </p:txBody>
+      </p:sp>
+      <p:sp>
+        <p:nvSpPr>
+          <p:cNvPr id="3" name="Content Placeholder 2">
+            <a:extLst>
+              <a:ext uri="{FF2B5EF4-FFF2-40B4-BE49-F238E27FC236}">
+                <a16:creationId xmlns:a16="http://schemas.microsoft.com/office/drawing/2014/main" id="{36A38251-ADF8-184C-B3E4-FEF4DBB929EE}"/>
+              </a:ext>
+            </a:extLst>
+          </p:cNvPr>
+          <p:cNvSpPr>
+            <a:spLocks noGrp="1"/>
+          </p:cNvSpPr>
+          <p:nvPr>
+            <p:ph idx="1"/>
+          </p:nvPr>
+        </p:nvSpPr>
+        <p:spPr/>
+        <p:txBody>
+          <a:bodyPr/>
+          <a:lstStyle/>
+          <a:p>
+            <a:endParaRPr lang="en-US"/>
+          </a:p>
+        </p:txBody>
+      </p:sp>
+    </p:spTree>
+    <p:extLst>
+      <p:ext uri="{BB962C8B-B14F-4D97-AF65-F5344CB8AC3E}">
+        <p14:creationId xmlns:p14="http://schemas.microsoft.com/office/powerpoint/2010/main" val="2426266303"/>
+      </p:ext>
+    </p:extLst>
+  </p:cSld>
+  <p:clrMapOvr>
+    <a:masterClrMapping/>
+  </p:clrMapOvr>
+</p:sld>
+</file>
+
+<file path=ppt/slides/slide33.xml><?xml version="1.0" encoding="utf-8"?>
+<p:sld xmlns:a="http://schemas.openxmlformats.org/drawingml/2006/main" xmlns:r="http://schemas.openxmlformats.org/officeDocument/2006/relationships" xmlns:p="http://schemas.openxmlformats.org/presentationml/2006/main">
+  <p:cSld>
+    <p:spTree>
+      <p:nvGrpSpPr>
+        <p:cNvPr id="1" name=""/>
+        <p:cNvGrpSpPr/>
+        <p:nvPr/>
+      </p:nvGrpSpPr>
+      <p:grpSpPr>
+        <a:xfrm>
+          <a:off x="0" y="0"/>
+          <a:ext cx="0" cy="0"/>
+          <a:chOff x="0" y="0"/>
+          <a:chExt cx="0" cy="0"/>
+        </a:xfrm>
+      </p:grpSpPr>
+      <p:sp>
+        <p:nvSpPr>
+          <p:cNvPr id="2" name="Title 1">
+            <a:extLst>
+              <a:ext uri="{FF2B5EF4-FFF2-40B4-BE49-F238E27FC236}">
+                <a16:creationId xmlns:a16="http://schemas.microsoft.com/office/drawing/2014/main" id="{C690DE15-963E-A147-A0A3-000A59DDC8D7}"/>
+              </a:ext>
+            </a:extLst>
+          </p:cNvPr>
+          <p:cNvSpPr>
+            <a:spLocks noGrp="1"/>
+          </p:cNvSpPr>
+          <p:nvPr>
+            <p:ph type="title"/>
+          </p:nvPr>
+        </p:nvSpPr>
+        <p:spPr/>
+        <p:txBody>
+          <a:bodyPr/>
+          <a:lstStyle/>
+          <a:p>
+            <a:r>
+              <a:rPr lang="en-US" dirty="0"/>
+              <a:t>Simulation of bias-variance trade-offs</a:t>
+            </a:r>
+          </a:p>
+        </p:txBody>
+      </p:sp>
+      <p:sp>
+        <p:nvSpPr>
+          <p:cNvPr id="3" name="Content Placeholder 2">
+            <a:extLst>
+              <a:ext uri="{FF2B5EF4-FFF2-40B4-BE49-F238E27FC236}">
+                <a16:creationId xmlns:a16="http://schemas.microsoft.com/office/drawing/2014/main" id="{A6D1FC84-32A1-F54D-8827-02F67C7802ED}"/>
+              </a:ext>
+            </a:extLst>
+          </p:cNvPr>
+          <p:cNvSpPr>
+            <a:spLocks noGrp="1"/>
+          </p:cNvSpPr>
+          <p:nvPr>
+            <p:ph idx="1"/>
+          </p:nvPr>
+        </p:nvSpPr>
+        <p:spPr/>
+        <p:txBody>
+          <a:bodyPr/>
+          <a:lstStyle/>
+          <a:p>
+            <a:endParaRPr lang="en-US"/>
+          </a:p>
+        </p:txBody>
+      </p:sp>
+    </p:spTree>
+    <p:extLst>
+      <p:ext uri="{BB962C8B-B14F-4D97-AF65-F5344CB8AC3E}">
+        <p14:creationId xmlns:p14="http://schemas.microsoft.com/office/powerpoint/2010/main" val="220049752"/>
+      </p:ext>
+    </p:extLst>
+  </p:cSld>
+  <p:clrMapOvr>
+    <a:masterClrMapping/>
+  </p:clrMapOvr>
+</p:sld>
+</file>
+
+<file path=ppt/slides/slide34.xml><?xml version="1.0" encoding="utf-8"?>
+<p:sld xmlns:a="http://schemas.openxmlformats.org/drawingml/2006/main" xmlns:r="http://schemas.openxmlformats.org/officeDocument/2006/relationships" xmlns:p="http://schemas.openxmlformats.org/presentationml/2006/main">
+  <p:cSld>
+    <p:spTree>
+      <p:nvGrpSpPr>
+        <p:cNvPr id="1" name=""/>
+        <p:cNvGrpSpPr/>
+        <p:nvPr/>
+      </p:nvGrpSpPr>
+      <p:grpSpPr>
+        <a:xfrm>
+          <a:off x="0" y="0"/>
+          <a:ext cx="0" cy="0"/>
+          <a:chOff x="0" y="0"/>
+          <a:chExt cx="0" cy="0"/>
+        </a:xfrm>
+      </p:grpSpPr>
+      <p:sp>
+        <p:nvSpPr>
           <p:cNvPr id="4" name="Title 3">
             <a:extLst>
               <a:ext uri="{FF2B5EF4-FFF2-40B4-BE49-F238E27FC236}">
@@ -9499,7 +10040,7 @@
 </p:sld>
 </file>
 
-<file path=ppt/slides/slide31.xml><?xml version="1.0" encoding="utf-8"?>
+<file path=ppt/slides/slide35.xml><?xml version="1.0" encoding="utf-8"?>
 <p:sld xmlns:a="http://schemas.openxmlformats.org/drawingml/2006/main" xmlns:r="http://schemas.openxmlformats.org/officeDocument/2006/relationships" xmlns:p="http://schemas.openxmlformats.org/presentationml/2006/main">
   <p:cSld>
     <p:spTree>
@@ -9646,7 +10187,7 @@
 </p:sld>
 </file>
 
-<file path=ppt/slides/slide32.xml><?xml version="1.0" encoding="utf-8"?>
+<file path=ppt/slides/slide36.xml><?xml version="1.0" encoding="utf-8"?>
 <p:sld xmlns:a="http://schemas.openxmlformats.org/drawingml/2006/main" xmlns:r="http://schemas.openxmlformats.org/officeDocument/2006/relationships" xmlns:p="http://schemas.openxmlformats.org/presentationml/2006/main">
   <p:cSld>
     <p:spTree>
@@ -9691,8 +10232,8 @@
           </a:p>
         </p:txBody>
       </p:sp>
-      <mc:AlternateContent xmlns:mc="http://schemas.openxmlformats.org/markup-compatibility/2006">
-        <mc:Choice xmlns:a14="http://schemas.microsoft.com/office/drawing/2010/main" Requires="a14">
+      <mc:AlternateContent xmlns:mc="http://schemas.openxmlformats.org/markup-compatibility/2006" xmlns:a14="http://schemas.microsoft.com/office/drawing/2010/main">
+        <mc:Choice Requires="a14">
           <p:sp>
             <p:nvSpPr>
               <p:cNvPr id="3" name="Content Placeholder 2">
@@ -10824,7 +11365,7 @@
             </p:txBody>
           </p:sp>
         </mc:Choice>
-        <mc:Fallback>
+        <mc:Fallback xmlns="">
           <p:sp>
             <p:nvSpPr>
               <p:cNvPr id="3" name="Content Placeholder 2">
@@ -12823,8 +13364,8 @@
           </a:p>
         </p:txBody>
       </p:sp>
-      <mc:AlternateContent xmlns:mc="http://schemas.openxmlformats.org/markup-compatibility/2006">
-        <mc:Choice xmlns:a14="http://schemas.microsoft.com/office/drawing/2010/main" Requires="a14">
+      <mc:AlternateContent xmlns:mc="http://schemas.openxmlformats.org/markup-compatibility/2006" xmlns:a14="http://schemas.microsoft.com/office/drawing/2010/main">
+        <mc:Choice Requires="a14">
           <p:sp>
             <p:nvSpPr>
               <p:cNvPr id="3" name="Content Placeholder 2">
@@ -12977,7 +13518,7 @@
             </p:txBody>
           </p:sp>
         </mc:Choice>
-        <mc:Fallback>
+        <mc:Fallback xmlns="">
           <p:sp>
             <p:nvSpPr>
               <p:cNvPr id="3" name="Content Placeholder 2">
